--- a/AIT_Template - real.pptx
+++ b/AIT_Template - real.pptx
@@ -5,10 +5,10 @@
     <p:sldMasterId id="2147483657" r:id="rId1"/>
   </p:sldMasterIdLst>
   <p:notesMasterIdLst>
-    <p:notesMasterId r:id="rId8"/>
+    <p:notesMasterId r:id="rId10"/>
   </p:notesMasterIdLst>
   <p:handoutMasterIdLst>
-    <p:handoutMasterId r:id="rId9"/>
+    <p:handoutMasterId r:id="rId11"/>
   </p:handoutMasterIdLst>
   <p:sldIdLst>
     <p:sldId id="256" r:id="rId2"/>
@@ -17,6 +17,8 @@
     <p:sldId id="264" r:id="rId5"/>
     <p:sldId id="265" r:id="rId6"/>
     <p:sldId id="266" r:id="rId7"/>
+    <p:sldId id="268" r:id="rId8"/>
+    <p:sldId id="269" r:id="rId9"/>
   </p:sldIdLst>
   <p:sldSz cx="9144000" cy="6858000" type="screen4x3"/>
   <p:notesSz cx="6805613" cy="9939338"/>
@@ -181,6 +183,2539 @@
     </p:ext>
   </p:extLst>
 </p:presentation>
+</file>
+
+<file path=ppt/diagrams/colors1.xml><?xml version="1.0" encoding="utf-8"?>
+<dgm:colorsDef xmlns:dgm="http://schemas.openxmlformats.org/drawingml/2006/diagram" xmlns:a="http://schemas.openxmlformats.org/drawingml/2006/main" uniqueId="urn:microsoft.com/office/officeart/2005/8/colors/accent1_2">
+  <dgm:title val=""/>
+  <dgm:desc val=""/>
+  <dgm:catLst>
+    <dgm:cat type="accent1" pri="11200"/>
+  </dgm:catLst>
+  <dgm:styleLbl name="node0">
+    <dgm:fillClrLst meth="repeat">
+      <a:schemeClr val="accent1"/>
+    </dgm:fillClrLst>
+    <dgm:linClrLst meth="repeat">
+      <a:schemeClr val="lt1"/>
+    </dgm:linClrLst>
+    <dgm:effectClrLst/>
+    <dgm:txLinClrLst/>
+    <dgm:txFillClrLst/>
+    <dgm:txEffectClrLst/>
+  </dgm:styleLbl>
+  <dgm:styleLbl name="alignNode1">
+    <dgm:fillClrLst meth="repeat">
+      <a:schemeClr val="accent1"/>
+    </dgm:fillClrLst>
+    <dgm:linClrLst meth="repeat">
+      <a:schemeClr val="accent1"/>
+    </dgm:linClrLst>
+    <dgm:effectClrLst/>
+    <dgm:txLinClrLst/>
+    <dgm:txFillClrLst/>
+    <dgm:txEffectClrLst/>
+  </dgm:styleLbl>
+  <dgm:styleLbl name="node1">
+    <dgm:fillClrLst meth="repeat">
+      <a:schemeClr val="accent1"/>
+    </dgm:fillClrLst>
+    <dgm:linClrLst meth="repeat">
+      <a:schemeClr val="lt1"/>
+    </dgm:linClrLst>
+    <dgm:effectClrLst/>
+    <dgm:txLinClrLst/>
+    <dgm:txFillClrLst/>
+    <dgm:txEffectClrLst/>
+  </dgm:styleLbl>
+  <dgm:styleLbl name="lnNode1">
+    <dgm:fillClrLst meth="repeat">
+      <a:schemeClr val="accent1"/>
+    </dgm:fillClrLst>
+    <dgm:linClrLst meth="repeat">
+      <a:schemeClr val="lt1"/>
+    </dgm:linClrLst>
+    <dgm:effectClrLst/>
+    <dgm:txLinClrLst/>
+    <dgm:txFillClrLst/>
+    <dgm:txEffectClrLst/>
+  </dgm:styleLbl>
+  <dgm:styleLbl name="vennNode1">
+    <dgm:fillClrLst meth="repeat">
+      <a:schemeClr val="accent1">
+        <a:alpha val="50000"/>
+      </a:schemeClr>
+    </dgm:fillClrLst>
+    <dgm:linClrLst meth="repeat">
+      <a:schemeClr val="lt1"/>
+    </dgm:linClrLst>
+    <dgm:effectClrLst/>
+    <dgm:txLinClrLst/>
+    <dgm:txFillClrLst/>
+    <dgm:txEffectClrLst/>
+  </dgm:styleLbl>
+  <dgm:styleLbl name="node2">
+    <dgm:fillClrLst meth="repeat">
+      <a:schemeClr val="accent1"/>
+    </dgm:fillClrLst>
+    <dgm:linClrLst meth="repeat">
+      <a:schemeClr val="lt1"/>
+    </dgm:linClrLst>
+    <dgm:effectClrLst/>
+    <dgm:txLinClrLst/>
+    <dgm:txFillClrLst/>
+    <dgm:txEffectClrLst/>
+  </dgm:styleLbl>
+  <dgm:styleLbl name="node3">
+    <dgm:fillClrLst meth="repeat">
+      <a:schemeClr val="accent1"/>
+    </dgm:fillClrLst>
+    <dgm:linClrLst meth="repeat">
+      <a:schemeClr val="lt1"/>
+    </dgm:linClrLst>
+    <dgm:effectClrLst/>
+    <dgm:txLinClrLst/>
+    <dgm:txFillClrLst/>
+    <dgm:txEffectClrLst/>
+  </dgm:styleLbl>
+  <dgm:styleLbl name="node4">
+    <dgm:fillClrLst meth="repeat">
+      <a:schemeClr val="accent1"/>
+    </dgm:fillClrLst>
+    <dgm:linClrLst meth="repeat">
+      <a:schemeClr val="lt1"/>
+    </dgm:linClrLst>
+    <dgm:effectClrLst/>
+    <dgm:txLinClrLst/>
+    <dgm:txFillClrLst/>
+    <dgm:txEffectClrLst/>
+  </dgm:styleLbl>
+  <dgm:styleLbl name="fgImgPlace1">
+    <dgm:fillClrLst meth="repeat">
+      <a:schemeClr val="accent1">
+        <a:tint val="50000"/>
+      </a:schemeClr>
+    </dgm:fillClrLst>
+    <dgm:linClrLst meth="repeat">
+      <a:schemeClr val="lt1"/>
+    </dgm:linClrLst>
+    <dgm:effectClrLst/>
+    <dgm:txLinClrLst/>
+    <dgm:txFillClrLst meth="repeat">
+      <a:schemeClr val="lt1"/>
+    </dgm:txFillClrLst>
+    <dgm:txEffectClrLst/>
+  </dgm:styleLbl>
+  <dgm:styleLbl name="alignImgPlace1">
+    <dgm:fillClrLst meth="repeat">
+      <a:schemeClr val="accent1">
+        <a:tint val="50000"/>
+      </a:schemeClr>
+    </dgm:fillClrLst>
+    <dgm:linClrLst meth="repeat">
+      <a:schemeClr val="lt1"/>
+    </dgm:linClrLst>
+    <dgm:effectClrLst/>
+    <dgm:txLinClrLst/>
+    <dgm:txFillClrLst meth="repeat">
+      <a:schemeClr val="lt1"/>
+    </dgm:txFillClrLst>
+    <dgm:txEffectClrLst/>
+  </dgm:styleLbl>
+  <dgm:styleLbl name="bgImgPlace1">
+    <dgm:fillClrLst meth="repeat">
+      <a:schemeClr val="accent1">
+        <a:tint val="50000"/>
+      </a:schemeClr>
+    </dgm:fillClrLst>
+    <dgm:linClrLst meth="repeat">
+      <a:schemeClr val="lt1"/>
+    </dgm:linClrLst>
+    <dgm:effectClrLst/>
+    <dgm:txLinClrLst/>
+    <dgm:txFillClrLst meth="repeat">
+      <a:schemeClr val="lt1"/>
+    </dgm:txFillClrLst>
+    <dgm:txEffectClrLst/>
+  </dgm:styleLbl>
+  <dgm:styleLbl name="sibTrans2D1">
+    <dgm:fillClrLst meth="repeat">
+      <a:schemeClr val="accent1">
+        <a:tint val="60000"/>
+      </a:schemeClr>
+    </dgm:fillClrLst>
+    <dgm:linClrLst meth="repeat">
+      <a:schemeClr val="accent1">
+        <a:tint val="60000"/>
+      </a:schemeClr>
+    </dgm:linClrLst>
+    <dgm:effectClrLst/>
+    <dgm:txLinClrLst/>
+    <dgm:txFillClrLst/>
+    <dgm:txEffectClrLst/>
+  </dgm:styleLbl>
+  <dgm:styleLbl name="fgSibTrans2D1">
+    <dgm:fillClrLst meth="repeat">
+      <a:schemeClr val="accent1">
+        <a:tint val="60000"/>
+      </a:schemeClr>
+    </dgm:fillClrLst>
+    <dgm:linClrLst meth="repeat">
+      <a:schemeClr val="accent1">
+        <a:tint val="60000"/>
+      </a:schemeClr>
+    </dgm:linClrLst>
+    <dgm:effectClrLst/>
+    <dgm:txLinClrLst/>
+    <dgm:txFillClrLst/>
+    <dgm:txEffectClrLst/>
+  </dgm:styleLbl>
+  <dgm:styleLbl name="bgSibTrans2D1">
+    <dgm:fillClrLst meth="repeat">
+      <a:schemeClr val="accent1">
+        <a:tint val="60000"/>
+      </a:schemeClr>
+    </dgm:fillClrLst>
+    <dgm:linClrLst meth="repeat">
+      <a:schemeClr val="accent1">
+        <a:tint val="60000"/>
+      </a:schemeClr>
+    </dgm:linClrLst>
+    <dgm:effectClrLst/>
+    <dgm:txLinClrLst/>
+    <dgm:txFillClrLst/>
+    <dgm:txEffectClrLst/>
+  </dgm:styleLbl>
+  <dgm:styleLbl name="sibTrans1D1">
+    <dgm:fillClrLst meth="repeat">
+      <a:schemeClr val="accent1"/>
+    </dgm:fillClrLst>
+    <dgm:linClrLst meth="repeat">
+      <a:schemeClr val="accent1"/>
+    </dgm:linClrLst>
+    <dgm:effectClrLst/>
+    <dgm:txLinClrLst/>
+    <dgm:txFillClrLst meth="repeat">
+      <a:schemeClr val="tx1"/>
+    </dgm:txFillClrLst>
+    <dgm:txEffectClrLst/>
+  </dgm:styleLbl>
+  <dgm:styleLbl name="callout">
+    <dgm:fillClrLst meth="repeat">
+      <a:schemeClr val="accent1"/>
+    </dgm:fillClrLst>
+    <dgm:linClrLst meth="repeat">
+      <a:schemeClr val="accent1">
+        <a:tint val="50000"/>
+      </a:schemeClr>
+    </dgm:linClrLst>
+    <dgm:effectClrLst/>
+    <dgm:txLinClrLst/>
+    <dgm:txFillClrLst meth="repeat">
+      <a:schemeClr val="tx1"/>
+    </dgm:txFillClrLst>
+    <dgm:txEffectClrLst/>
+  </dgm:styleLbl>
+  <dgm:styleLbl name="asst0">
+    <dgm:fillClrLst meth="repeat">
+      <a:schemeClr val="accent1"/>
+    </dgm:fillClrLst>
+    <dgm:linClrLst meth="repeat">
+      <a:schemeClr val="lt1"/>
+    </dgm:linClrLst>
+    <dgm:effectClrLst/>
+    <dgm:txLinClrLst/>
+    <dgm:txFillClrLst/>
+    <dgm:txEffectClrLst/>
+  </dgm:styleLbl>
+  <dgm:styleLbl name="asst1">
+    <dgm:fillClrLst meth="repeat">
+      <a:schemeClr val="accent1"/>
+    </dgm:fillClrLst>
+    <dgm:linClrLst meth="repeat">
+      <a:schemeClr val="lt1"/>
+    </dgm:linClrLst>
+    <dgm:effectClrLst/>
+    <dgm:txLinClrLst/>
+    <dgm:txFillClrLst/>
+    <dgm:txEffectClrLst/>
+  </dgm:styleLbl>
+  <dgm:styleLbl name="asst2">
+    <dgm:fillClrLst meth="repeat">
+      <a:schemeClr val="accent1"/>
+    </dgm:fillClrLst>
+    <dgm:linClrLst meth="repeat">
+      <a:schemeClr val="lt1"/>
+    </dgm:linClrLst>
+    <dgm:effectClrLst/>
+    <dgm:txLinClrLst/>
+    <dgm:txFillClrLst/>
+    <dgm:txEffectClrLst/>
+  </dgm:styleLbl>
+  <dgm:styleLbl name="asst3">
+    <dgm:fillClrLst meth="repeat">
+      <a:schemeClr val="accent1"/>
+    </dgm:fillClrLst>
+    <dgm:linClrLst meth="repeat">
+      <a:schemeClr val="lt1"/>
+    </dgm:linClrLst>
+    <dgm:effectClrLst/>
+    <dgm:txLinClrLst/>
+    <dgm:txFillClrLst/>
+    <dgm:txEffectClrLst/>
+  </dgm:styleLbl>
+  <dgm:styleLbl name="asst4">
+    <dgm:fillClrLst meth="repeat">
+      <a:schemeClr val="accent1"/>
+    </dgm:fillClrLst>
+    <dgm:linClrLst meth="repeat">
+      <a:schemeClr val="lt1"/>
+    </dgm:linClrLst>
+    <dgm:effectClrLst/>
+    <dgm:txLinClrLst/>
+    <dgm:txFillClrLst/>
+    <dgm:txEffectClrLst/>
+  </dgm:styleLbl>
+  <dgm:styleLbl name="parChTrans2D1">
+    <dgm:fillClrLst meth="repeat">
+      <a:schemeClr val="accent1">
+        <a:tint val="60000"/>
+      </a:schemeClr>
+    </dgm:fillClrLst>
+    <dgm:linClrLst meth="repeat">
+      <a:schemeClr val="accent1">
+        <a:tint val="60000"/>
+      </a:schemeClr>
+    </dgm:linClrLst>
+    <dgm:effectClrLst/>
+    <dgm:txLinClrLst/>
+    <dgm:txFillClrLst meth="repeat">
+      <a:schemeClr val="lt1"/>
+    </dgm:txFillClrLst>
+    <dgm:txEffectClrLst/>
+  </dgm:styleLbl>
+  <dgm:styleLbl name="parChTrans2D2">
+    <dgm:fillClrLst meth="repeat">
+      <a:schemeClr val="accent1"/>
+    </dgm:fillClrLst>
+    <dgm:linClrLst meth="repeat">
+      <a:schemeClr val="accent1"/>
+    </dgm:linClrLst>
+    <dgm:effectClrLst/>
+    <dgm:txLinClrLst/>
+    <dgm:txFillClrLst meth="repeat">
+      <a:schemeClr val="lt1"/>
+    </dgm:txFillClrLst>
+    <dgm:txEffectClrLst/>
+  </dgm:styleLbl>
+  <dgm:styleLbl name="parChTrans2D3">
+    <dgm:fillClrLst meth="repeat">
+      <a:schemeClr val="accent1"/>
+    </dgm:fillClrLst>
+    <dgm:linClrLst meth="repeat">
+      <a:schemeClr val="accent1"/>
+    </dgm:linClrLst>
+    <dgm:effectClrLst/>
+    <dgm:txLinClrLst/>
+    <dgm:txFillClrLst meth="repeat">
+      <a:schemeClr val="lt1"/>
+    </dgm:txFillClrLst>
+    <dgm:txEffectClrLst/>
+  </dgm:styleLbl>
+  <dgm:styleLbl name="parChTrans2D4">
+    <dgm:fillClrLst meth="repeat">
+      <a:schemeClr val="accent1"/>
+    </dgm:fillClrLst>
+    <dgm:linClrLst meth="repeat">
+      <a:schemeClr val="accent1"/>
+    </dgm:linClrLst>
+    <dgm:effectClrLst/>
+    <dgm:txLinClrLst/>
+    <dgm:txFillClrLst meth="repeat">
+      <a:schemeClr val="lt1"/>
+    </dgm:txFillClrLst>
+    <dgm:txEffectClrLst/>
+  </dgm:styleLbl>
+  <dgm:styleLbl name="parChTrans1D1">
+    <dgm:fillClrLst meth="repeat">
+      <a:schemeClr val="accent1"/>
+    </dgm:fillClrLst>
+    <dgm:linClrLst meth="repeat">
+      <a:schemeClr val="accent1">
+        <a:shade val="60000"/>
+      </a:schemeClr>
+    </dgm:linClrLst>
+    <dgm:effectClrLst/>
+    <dgm:txLinClrLst/>
+    <dgm:txFillClrLst meth="repeat">
+      <a:schemeClr val="tx1"/>
+    </dgm:txFillClrLst>
+    <dgm:txEffectClrLst/>
+  </dgm:styleLbl>
+  <dgm:styleLbl name="parChTrans1D2">
+    <dgm:fillClrLst meth="repeat">
+      <a:schemeClr val="accent1"/>
+    </dgm:fillClrLst>
+    <dgm:linClrLst meth="repeat">
+      <a:schemeClr val="accent1">
+        <a:shade val="60000"/>
+      </a:schemeClr>
+    </dgm:linClrLst>
+    <dgm:effectClrLst/>
+    <dgm:txLinClrLst/>
+    <dgm:txFillClrLst meth="repeat">
+      <a:schemeClr val="tx1"/>
+    </dgm:txFillClrLst>
+    <dgm:txEffectClrLst/>
+  </dgm:styleLbl>
+  <dgm:styleLbl name="parChTrans1D3">
+    <dgm:fillClrLst meth="repeat">
+      <a:schemeClr val="accent1"/>
+    </dgm:fillClrLst>
+    <dgm:linClrLst meth="repeat">
+      <a:schemeClr val="accent1">
+        <a:shade val="80000"/>
+      </a:schemeClr>
+    </dgm:linClrLst>
+    <dgm:effectClrLst/>
+    <dgm:txLinClrLst/>
+    <dgm:txFillClrLst meth="repeat">
+      <a:schemeClr val="tx1"/>
+    </dgm:txFillClrLst>
+    <dgm:txEffectClrLst/>
+  </dgm:styleLbl>
+  <dgm:styleLbl name="parChTrans1D4">
+    <dgm:fillClrLst meth="repeat">
+      <a:schemeClr val="accent1"/>
+    </dgm:fillClrLst>
+    <dgm:linClrLst meth="repeat">
+      <a:schemeClr val="accent1">
+        <a:shade val="80000"/>
+      </a:schemeClr>
+    </dgm:linClrLst>
+    <dgm:effectClrLst/>
+    <dgm:txLinClrLst/>
+    <dgm:txFillClrLst meth="repeat">
+      <a:schemeClr val="tx1"/>
+    </dgm:txFillClrLst>
+    <dgm:txEffectClrLst/>
+  </dgm:styleLbl>
+  <dgm:styleLbl name="fgAcc1">
+    <dgm:fillClrLst meth="repeat">
+      <a:schemeClr val="lt1">
+        <a:alpha val="90000"/>
+      </a:schemeClr>
+    </dgm:fillClrLst>
+    <dgm:linClrLst meth="repeat">
+      <a:schemeClr val="accent1"/>
+    </dgm:linClrLst>
+    <dgm:effectClrLst/>
+    <dgm:txLinClrLst/>
+    <dgm:txFillClrLst meth="repeat">
+      <a:schemeClr val="dk1"/>
+    </dgm:txFillClrLst>
+    <dgm:txEffectClrLst/>
+  </dgm:styleLbl>
+  <dgm:styleLbl name="conFgAcc1">
+    <dgm:fillClrLst meth="repeat">
+      <a:schemeClr val="lt1">
+        <a:alpha val="90000"/>
+      </a:schemeClr>
+    </dgm:fillClrLst>
+    <dgm:linClrLst meth="repeat">
+      <a:schemeClr val="accent1"/>
+    </dgm:linClrLst>
+    <dgm:effectClrLst/>
+    <dgm:txLinClrLst/>
+    <dgm:txFillClrLst meth="repeat">
+      <a:schemeClr val="dk1"/>
+    </dgm:txFillClrLst>
+    <dgm:txEffectClrLst/>
+  </dgm:styleLbl>
+  <dgm:styleLbl name="alignAcc1">
+    <dgm:fillClrLst meth="repeat">
+      <a:schemeClr val="lt1">
+        <a:alpha val="90000"/>
+      </a:schemeClr>
+    </dgm:fillClrLst>
+    <dgm:linClrLst meth="repeat">
+      <a:schemeClr val="accent1"/>
+    </dgm:linClrLst>
+    <dgm:effectClrLst/>
+    <dgm:txLinClrLst/>
+    <dgm:txFillClrLst meth="repeat">
+      <a:schemeClr val="dk1"/>
+    </dgm:txFillClrLst>
+    <dgm:txEffectClrLst/>
+  </dgm:styleLbl>
+  <dgm:styleLbl name="trAlignAcc1">
+    <dgm:fillClrLst meth="repeat">
+      <a:schemeClr val="lt1">
+        <a:alpha val="40000"/>
+      </a:schemeClr>
+    </dgm:fillClrLst>
+    <dgm:linClrLst meth="repeat">
+      <a:schemeClr val="accent1"/>
+    </dgm:linClrLst>
+    <dgm:effectClrLst/>
+    <dgm:txLinClrLst/>
+    <dgm:txFillClrLst meth="repeat">
+      <a:schemeClr val="dk1"/>
+    </dgm:txFillClrLst>
+    <dgm:txEffectClrLst/>
+  </dgm:styleLbl>
+  <dgm:styleLbl name="bgAcc1">
+    <dgm:fillClrLst meth="repeat">
+      <a:schemeClr val="lt1">
+        <a:alpha val="90000"/>
+      </a:schemeClr>
+    </dgm:fillClrLst>
+    <dgm:linClrLst meth="repeat">
+      <a:schemeClr val="accent1"/>
+    </dgm:linClrLst>
+    <dgm:effectClrLst/>
+    <dgm:txLinClrLst/>
+    <dgm:txFillClrLst meth="repeat">
+      <a:schemeClr val="dk1"/>
+    </dgm:txFillClrLst>
+    <dgm:txEffectClrLst/>
+  </dgm:styleLbl>
+  <dgm:styleLbl name="solidFgAcc1">
+    <dgm:fillClrLst meth="repeat">
+      <a:schemeClr val="lt1"/>
+    </dgm:fillClrLst>
+    <dgm:linClrLst meth="repeat">
+      <a:schemeClr val="accent1"/>
+    </dgm:linClrLst>
+    <dgm:effectClrLst/>
+    <dgm:txLinClrLst/>
+    <dgm:txFillClrLst meth="repeat">
+      <a:schemeClr val="dk1"/>
+    </dgm:txFillClrLst>
+    <dgm:txEffectClrLst/>
+  </dgm:styleLbl>
+  <dgm:styleLbl name="solidAlignAcc1">
+    <dgm:fillClrLst meth="repeat">
+      <a:schemeClr val="lt1"/>
+    </dgm:fillClrLst>
+    <dgm:linClrLst meth="repeat">
+      <a:schemeClr val="accent1"/>
+    </dgm:linClrLst>
+    <dgm:effectClrLst/>
+    <dgm:txLinClrLst/>
+    <dgm:txFillClrLst meth="repeat">
+      <a:schemeClr val="dk1"/>
+    </dgm:txFillClrLst>
+    <dgm:txEffectClrLst/>
+  </dgm:styleLbl>
+  <dgm:styleLbl name="solidBgAcc1">
+    <dgm:fillClrLst meth="repeat">
+      <a:schemeClr val="lt1"/>
+    </dgm:fillClrLst>
+    <dgm:linClrLst meth="repeat">
+      <a:schemeClr val="accent1"/>
+    </dgm:linClrLst>
+    <dgm:effectClrLst/>
+    <dgm:txLinClrLst/>
+    <dgm:txFillClrLst meth="repeat">
+      <a:schemeClr val="dk1"/>
+    </dgm:txFillClrLst>
+    <dgm:txEffectClrLst/>
+  </dgm:styleLbl>
+  <dgm:styleLbl name="fgAccFollowNode1">
+    <dgm:fillClrLst meth="repeat">
+      <a:schemeClr val="accent1">
+        <a:alpha val="90000"/>
+        <a:tint val="40000"/>
+      </a:schemeClr>
+    </dgm:fillClrLst>
+    <dgm:linClrLst meth="repeat">
+      <a:schemeClr val="accent1">
+        <a:alpha val="90000"/>
+        <a:tint val="40000"/>
+      </a:schemeClr>
+    </dgm:linClrLst>
+    <dgm:effectClrLst/>
+    <dgm:txLinClrLst/>
+    <dgm:txFillClrLst meth="repeat">
+      <a:schemeClr val="dk1"/>
+    </dgm:txFillClrLst>
+    <dgm:txEffectClrLst/>
+  </dgm:styleLbl>
+  <dgm:styleLbl name="alignAccFollowNode1">
+    <dgm:fillClrLst meth="repeat">
+      <a:schemeClr val="accent1">
+        <a:alpha val="90000"/>
+        <a:tint val="40000"/>
+      </a:schemeClr>
+    </dgm:fillClrLst>
+    <dgm:linClrLst meth="repeat">
+      <a:schemeClr val="accent1">
+        <a:alpha val="90000"/>
+        <a:tint val="40000"/>
+      </a:schemeClr>
+    </dgm:linClrLst>
+    <dgm:effectClrLst/>
+    <dgm:txLinClrLst/>
+    <dgm:txFillClrLst meth="repeat">
+      <a:schemeClr val="dk1"/>
+    </dgm:txFillClrLst>
+    <dgm:txEffectClrLst/>
+  </dgm:styleLbl>
+  <dgm:styleLbl name="bgAccFollowNode1">
+    <dgm:fillClrLst meth="repeat">
+      <a:schemeClr val="accent1">
+        <a:alpha val="90000"/>
+        <a:tint val="40000"/>
+      </a:schemeClr>
+    </dgm:fillClrLst>
+    <dgm:linClrLst meth="repeat">
+      <a:schemeClr val="accent1">
+        <a:alpha val="90000"/>
+        <a:tint val="40000"/>
+      </a:schemeClr>
+    </dgm:linClrLst>
+    <dgm:effectClrLst/>
+    <dgm:txLinClrLst/>
+    <dgm:txFillClrLst meth="repeat">
+      <a:schemeClr val="dk1"/>
+    </dgm:txFillClrLst>
+    <dgm:txEffectClrLst/>
+  </dgm:styleLbl>
+  <dgm:styleLbl name="fgAcc0">
+    <dgm:fillClrLst meth="repeat">
+      <a:schemeClr val="lt1">
+        <a:alpha val="90000"/>
+      </a:schemeClr>
+    </dgm:fillClrLst>
+    <dgm:linClrLst meth="repeat">
+      <a:schemeClr val="accent1"/>
+    </dgm:linClrLst>
+    <dgm:effectClrLst/>
+    <dgm:txLinClrLst/>
+    <dgm:txFillClrLst meth="repeat">
+      <a:schemeClr val="dk1"/>
+    </dgm:txFillClrLst>
+    <dgm:txEffectClrLst/>
+  </dgm:styleLbl>
+  <dgm:styleLbl name="fgAcc2">
+    <dgm:fillClrLst meth="repeat">
+      <a:schemeClr val="lt1">
+        <a:alpha val="90000"/>
+      </a:schemeClr>
+    </dgm:fillClrLst>
+    <dgm:linClrLst meth="repeat">
+      <a:schemeClr val="accent1"/>
+    </dgm:linClrLst>
+    <dgm:effectClrLst/>
+    <dgm:txLinClrLst/>
+    <dgm:txFillClrLst meth="repeat">
+      <a:schemeClr val="dk1"/>
+    </dgm:txFillClrLst>
+    <dgm:txEffectClrLst/>
+  </dgm:styleLbl>
+  <dgm:styleLbl name="fgAcc3">
+    <dgm:fillClrLst meth="repeat">
+      <a:schemeClr val="lt1">
+        <a:alpha val="90000"/>
+      </a:schemeClr>
+    </dgm:fillClrLst>
+    <dgm:linClrLst meth="repeat">
+      <a:schemeClr val="accent1"/>
+    </dgm:linClrLst>
+    <dgm:effectClrLst/>
+    <dgm:txLinClrLst/>
+    <dgm:txFillClrLst meth="repeat">
+      <a:schemeClr val="dk1"/>
+    </dgm:txFillClrLst>
+    <dgm:txEffectClrLst/>
+  </dgm:styleLbl>
+  <dgm:styleLbl name="fgAcc4">
+    <dgm:fillClrLst meth="repeat">
+      <a:schemeClr val="lt1">
+        <a:alpha val="90000"/>
+      </a:schemeClr>
+    </dgm:fillClrLst>
+    <dgm:linClrLst meth="repeat">
+      <a:schemeClr val="accent1"/>
+    </dgm:linClrLst>
+    <dgm:effectClrLst/>
+    <dgm:txLinClrLst/>
+    <dgm:txFillClrLst meth="repeat">
+      <a:schemeClr val="dk1"/>
+    </dgm:txFillClrLst>
+    <dgm:txEffectClrLst/>
+  </dgm:styleLbl>
+  <dgm:styleLbl name="bgShp">
+    <dgm:fillClrLst meth="repeat">
+      <a:schemeClr val="accent1">
+        <a:tint val="40000"/>
+      </a:schemeClr>
+    </dgm:fillClrLst>
+    <dgm:linClrLst meth="repeat">
+      <a:schemeClr val="accent1"/>
+    </dgm:linClrLst>
+    <dgm:effectClrLst/>
+    <dgm:txLinClrLst/>
+    <dgm:txFillClrLst meth="repeat">
+      <a:schemeClr val="dk1"/>
+    </dgm:txFillClrLst>
+    <dgm:txEffectClrLst/>
+  </dgm:styleLbl>
+  <dgm:styleLbl name="dkBgShp">
+    <dgm:fillClrLst meth="repeat">
+      <a:schemeClr val="accent1">
+        <a:shade val="80000"/>
+      </a:schemeClr>
+    </dgm:fillClrLst>
+    <dgm:linClrLst meth="repeat">
+      <a:schemeClr val="accent1"/>
+    </dgm:linClrLst>
+    <dgm:effectClrLst/>
+    <dgm:txLinClrLst/>
+    <dgm:txFillClrLst meth="repeat">
+      <a:schemeClr val="lt1"/>
+    </dgm:txFillClrLst>
+    <dgm:txEffectClrLst/>
+  </dgm:styleLbl>
+  <dgm:styleLbl name="trBgShp">
+    <dgm:fillClrLst meth="repeat">
+      <a:schemeClr val="accent1">
+        <a:tint val="50000"/>
+        <a:alpha val="40000"/>
+      </a:schemeClr>
+    </dgm:fillClrLst>
+    <dgm:linClrLst meth="repeat">
+      <a:schemeClr val="accent1"/>
+    </dgm:linClrLst>
+    <dgm:effectClrLst/>
+    <dgm:txLinClrLst/>
+    <dgm:txFillClrLst meth="repeat">
+      <a:schemeClr val="lt1"/>
+    </dgm:txFillClrLst>
+    <dgm:txEffectClrLst/>
+  </dgm:styleLbl>
+  <dgm:styleLbl name="fgShp">
+    <dgm:fillClrLst meth="repeat">
+      <a:schemeClr val="accent1">
+        <a:tint val="60000"/>
+      </a:schemeClr>
+    </dgm:fillClrLst>
+    <dgm:linClrLst meth="repeat">
+      <a:schemeClr val="lt1"/>
+    </dgm:linClrLst>
+    <dgm:effectClrLst/>
+    <dgm:txLinClrLst/>
+    <dgm:txFillClrLst meth="repeat">
+      <a:schemeClr val="dk1"/>
+    </dgm:txFillClrLst>
+    <dgm:txEffectClrLst/>
+  </dgm:styleLbl>
+  <dgm:styleLbl name="revTx">
+    <dgm:fillClrLst meth="repeat">
+      <a:schemeClr val="lt1">
+        <a:alpha val="0"/>
+      </a:schemeClr>
+    </dgm:fillClrLst>
+    <dgm:linClrLst meth="repeat">
+      <a:schemeClr val="dk1">
+        <a:alpha val="0"/>
+      </a:schemeClr>
+    </dgm:linClrLst>
+    <dgm:effectClrLst/>
+    <dgm:txLinClrLst/>
+    <dgm:txFillClrLst meth="repeat">
+      <a:schemeClr val="tx1"/>
+    </dgm:txFillClrLst>
+    <dgm:txEffectClrLst/>
+  </dgm:styleLbl>
+</dgm:colorsDef>
+</file>
+
+<file path=ppt/diagrams/data1.xml><?xml version="1.0" encoding="utf-8"?>
+<dgm:dataModel xmlns:dgm="http://schemas.openxmlformats.org/drawingml/2006/diagram" xmlns:a="http://schemas.openxmlformats.org/drawingml/2006/main">
+  <dgm:ptLst>
+    <dgm:pt modelId="{9A47959B-9EED-4781-AC53-FBD40A0D011B}" type="doc">
+      <dgm:prSet loTypeId="urn:microsoft.com/office/officeart/2005/8/layout/process1" loCatId="process" qsTypeId="urn:microsoft.com/office/officeart/2005/8/quickstyle/simple1" qsCatId="simple" csTypeId="urn:microsoft.com/office/officeart/2005/8/colors/accent1_2" csCatId="accent1" phldr="1"/>
+      <dgm:spPr/>
+    </dgm:pt>
+    <dgm:pt modelId="{F17E7B3A-F6EF-4B48-B86C-B0E249B13D79}">
+      <dgm:prSet phldrT="[Text]"/>
+      <dgm:spPr/>
+      <dgm:t>
+        <a:bodyPr/>
+        <a:lstStyle/>
+        <a:p>
+          <a:r>
+            <a:rPr lang="en-US" dirty="0" smtClean="0"/>
+            <a:t>Node.js</a:t>
+          </a:r>
+          <a:endParaRPr lang="en-US" dirty="0"/>
+        </a:p>
+      </dgm:t>
+    </dgm:pt>
+    <dgm:pt modelId="{7F839AAF-5949-4BD5-BB9A-7585C0A55642}" type="parTrans" cxnId="{FCB9D0E7-811B-4A71-9D81-94D8AEEA493A}">
+      <dgm:prSet/>
+      <dgm:spPr/>
+      <dgm:t>
+        <a:bodyPr/>
+        <a:lstStyle/>
+        <a:p>
+          <a:endParaRPr lang="en-US"/>
+        </a:p>
+      </dgm:t>
+    </dgm:pt>
+    <dgm:pt modelId="{BA95EDDB-7FC0-4FB1-8D15-927ECE05E2B8}" type="sibTrans" cxnId="{FCB9D0E7-811B-4A71-9D81-94D8AEEA493A}">
+      <dgm:prSet/>
+      <dgm:spPr/>
+      <dgm:t>
+        <a:bodyPr/>
+        <a:lstStyle/>
+        <a:p>
+          <a:endParaRPr lang="en-US"/>
+        </a:p>
+      </dgm:t>
+    </dgm:pt>
+    <dgm:pt modelId="{92A1F277-B7FF-4B7C-A661-2AFAFD5224BA}">
+      <dgm:prSet phldrT="[Text]"/>
+      <dgm:spPr/>
+      <dgm:t>
+        <a:bodyPr/>
+        <a:lstStyle/>
+        <a:p>
+          <a:r>
+            <a:rPr lang="en-US" dirty="0" smtClean="0"/>
+            <a:t>Flask</a:t>
+          </a:r>
+          <a:endParaRPr lang="en-US" dirty="0"/>
+        </a:p>
+      </dgm:t>
+    </dgm:pt>
+    <dgm:pt modelId="{CDA34965-48EE-42D7-8A0A-331B1BD2872E}" type="parTrans" cxnId="{27B7A057-D799-450A-BEAA-EFEDA6BCC33A}">
+      <dgm:prSet/>
+      <dgm:spPr/>
+      <dgm:t>
+        <a:bodyPr/>
+        <a:lstStyle/>
+        <a:p>
+          <a:endParaRPr lang="en-US"/>
+        </a:p>
+      </dgm:t>
+    </dgm:pt>
+    <dgm:pt modelId="{905011B4-4642-4728-B9E3-7D77D8D8B5B4}" type="sibTrans" cxnId="{27B7A057-D799-450A-BEAA-EFEDA6BCC33A}">
+      <dgm:prSet/>
+      <dgm:spPr/>
+      <dgm:t>
+        <a:bodyPr/>
+        <a:lstStyle/>
+        <a:p>
+          <a:endParaRPr lang="en-US"/>
+        </a:p>
+      </dgm:t>
+    </dgm:pt>
+    <dgm:pt modelId="{A9FEC145-3987-4ED8-871A-576DA4B7BFAA}">
+      <dgm:prSet phldrT="[Text]"/>
+      <dgm:spPr/>
+      <dgm:t>
+        <a:bodyPr/>
+        <a:lstStyle/>
+        <a:p>
+          <a:r>
+            <a:rPr lang="en-US" dirty="0" smtClean="0"/>
+            <a:t>Node.js</a:t>
+          </a:r>
+          <a:endParaRPr lang="en-US" dirty="0"/>
+        </a:p>
+      </dgm:t>
+    </dgm:pt>
+    <dgm:pt modelId="{E1868738-0AD0-476F-B731-798367CDA0B4}" type="parTrans" cxnId="{79D8E1D4-73E6-42B6-A6FD-C341E8F4DD2D}">
+      <dgm:prSet/>
+      <dgm:spPr/>
+      <dgm:t>
+        <a:bodyPr/>
+        <a:lstStyle/>
+        <a:p>
+          <a:endParaRPr lang="en-US"/>
+        </a:p>
+      </dgm:t>
+    </dgm:pt>
+    <dgm:pt modelId="{57B73A7E-AA68-425E-94C4-208929225B48}" type="sibTrans" cxnId="{79D8E1D4-73E6-42B6-A6FD-C341E8F4DD2D}">
+      <dgm:prSet/>
+      <dgm:spPr/>
+      <dgm:t>
+        <a:bodyPr/>
+        <a:lstStyle/>
+        <a:p>
+          <a:endParaRPr lang="en-US"/>
+        </a:p>
+      </dgm:t>
+    </dgm:pt>
+    <dgm:pt modelId="{1FB6FF23-8E1B-4CD5-8AC7-586C46AAD3CE}" type="pres">
+      <dgm:prSet presAssocID="{9A47959B-9EED-4781-AC53-FBD40A0D011B}" presName="Name0" presStyleCnt="0">
+        <dgm:presLayoutVars>
+          <dgm:dir/>
+          <dgm:resizeHandles val="exact"/>
+        </dgm:presLayoutVars>
+      </dgm:prSet>
+      <dgm:spPr/>
+    </dgm:pt>
+    <dgm:pt modelId="{F82BC5CD-2AA5-4924-B788-D8A711492A6D}" type="pres">
+      <dgm:prSet presAssocID="{F17E7B3A-F6EF-4B48-B86C-B0E249B13D79}" presName="node" presStyleLbl="node1" presStyleIdx="0" presStyleCnt="3" custScaleY="54366">
+        <dgm:presLayoutVars>
+          <dgm:bulletEnabled val="1"/>
+        </dgm:presLayoutVars>
+      </dgm:prSet>
+      <dgm:spPr/>
+      <dgm:t>
+        <a:bodyPr/>
+        <a:lstStyle/>
+        <a:p>
+          <a:endParaRPr lang="en-US"/>
+        </a:p>
+      </dgm:t>
+    </dgm:pt>
+    <dgm:pt modelId="{9467F36A-1DD0-46CD-8E20-E4D8216BE438}" type="pres">
+      <dgm:prSet presAssocID="{BA95EDDB-7FC0-4FB1-8D15-927ECE05E2B8}" presName="sibTrans" presStyleLbl="sibTrans2D1" presStyleIdx="0" presStyleCnt="2"/>
+      <dgm:spPr/>
+    </dgm:pt>
+    <dgm:pt modelId="{7DD97678-391E-47C1-950D-CF4E9ACD7B2B}" type="pres">
+      <dgm:prSet presAssocID="{BA95EDDB-7FC0-4FB1-8D15-927ECE05E2B8}" presName="connectorText" presStyleLbl="sibTrans2D1" presStyleIdx="0" presStyleCnt="2"/>
+      <dgm:spPr/>
+    </dgm:pt>
+    <dgm:pt modelId="{5B93D66A-903D-4208-A4CA-32C000BEA972}" type="pres">
+      <dgm:prSet presAssocID="{92A1F277-B7FF-4B7C-A661-2AFAFD5224BA}" presName="node" presStyleLbl="node1" presStyleIdx="1" presStyleCnt="3" custScaleY="54366">
+        <dgm:presLayoutVars>
+          <dgm:bulletEnabled val="1"/>
+        </dgm:presLayoutVars>
+      </dgm:prSet>
+      <dgm:spPr/>
+      <dgm:t>
+        <a:bodyPr/>
+        <a:lstStyle/>
+        <a:p>
+          <a:endParaRPr lang="en-US"/>
+        </a:p>
+      </dgm:t>
+    </dgm:pt>
+    <dgm:pt modelId="{A6AD092E-5495-4AAA-A61A-58C2CDE8D0C9}" type="pres">
+      <dgm:prSet presAssocID="{905011B4-4642-4728-B9E3-7D77D8D8B5B4}" presName="sibTrans" presStyleLbl="sibTrans2D1" presStyleIdx="1" presStyleCnt="2"/>
+      <dgm:spPr/>
+    </dgm:pt>
+    <dgm:pt modelId="{9E0C08BD-1589-4C8B-9A9B-B598F34A617C}" type="pres">
+      <dgm:prSet presAssocID="{905011B4-4642-4728-B9E3-7D77D8D8B5B4}" presName="connectorText" presStyleLbl="sibTrans2D1" presStyleIdx="1" presStyleCnt="2"/>
+      <dgm:spPr/>
+    </dgm:pt>
+    <dgm:pt modelId="{FFBD584A-A7E2-408A-A416-A685B5B0B9E1}" type="pres">
+      <dgm:prSet presAssocID="{A9FEC145-3987-4ED8-871A-576DA4B7BFAA}" presName="node" presStyleLbl="node1" presStyleIdx="2" presStyleCnt="3" custScaleY="54366">
+        <dgm:presLayoutVars>
+          <dgm:bulletEnabled val="1"/>
+        </dgm:presLayoutVars>
+      </dgm:prSet>
+      <dgm:spPr/>
+      <dgm:t>
+        <a:bodyPr/>
+        <a:lstStyle/>
+        <a:p>
+          <a:endParaRPr lang="en-US"/>
+        </a:p>
+      </dgm:t>
+    </dgm:pt>
+  </dgm:ptLst>
+  <dgm:cxnLst>
+    <dgm:cxn modelId="{27B7A057-D799-450A-BEAA-EFEDA6BCC33A}" srcId="{9A47959B-9EED-4781-AC53-FBD40A0D011B}" destId="{92A1F277-B7FF-4B7C-A661-2AFAFD5224BA}" srcOrd="1" destOrd="0" parTransId="{CDA34965-48EE-42D7-8A0A-331B1BD2872E}" sibTransId="{905011B4-4642-4728-B9E3-7D77D8D8B5B4}"/>
+    <dgm:cxn modelId="{03AADBFB-608C-4F58-8635-3BF3C5AF2788}" type="presOf" srcId="{9A47959B-9EED-4781-AC53-FBD40A0D011B}" destId="{1FB6FF23-8E1B-4CD5-8AC7-586C46AAD3CE}" srcOrd="0" destOrd="0" presId="urn:microsoft.com/office/officeart/2005/8/layout/process1"/>
+    <dgm:cxn modelId="{FCB9D0E7-811B-4A71-9D81-94D8AEEA493A}" srcId="{9A47959B-9EED-4781-AC53-FBD40A0D011B}" destId="{F17E7B3A-F6EF-4B48-B86C-B0E249B13D79}" srcOrd="0" destOrd="0" parTransId="{7F839AAF-5949-4BD5-BB9A-7585C0A55642}" sibTransId="{BA95EDDB-7FC0-4FB1-8D15-927ECE05E2B8}"/>
+    <dgm:cxn modelId="{79D8E1D4-73E6-42B6-A6FD-C341E8F4DD2D}" srcId="{9A47959B-9EED-4781-AC53-FBD40A0D011B}" destId="{A9FEC145-3987-4ED8-871A-576DA4B7BFAA}" srcOrd="2" destOrd="0" parTransId="{E1868738-0AD0-476F-B731-798367CDA0B4}" sibTransId="{57B73A7E-AA68-425E-94C4-208929225B48}"/>
+    <dgm:cxn modelId="{BBDAC120-1EEF-451C-BFEC-701C1CC31D84}" type="presOf" srcId="{BA95EDDB-7FC0-4FB1-8D15-927ECE05E2B8}" destId="{9467F36A-1DD0-46CD-8E20-E4D8216BE438}" srcOrd="0" destOrd="0" presId="urn:microsoft.com/office/officeart/2005/8/layout/process1"/>
+    <dgm:cxn modelId="{CC590163-5C87-4E96-9E84-058F91CEC354}" type="presOf" srcId="{92A1F277-B7FF-4B7C-A661-2AFAFD5224BA}" destId="{5B93D66A-903D-4208-A4CA-32C000BEA972}" srcOrd="0" destOrd="0" presId="urn:microsoft.com/office/officeart/2005/8/layout/process1"/>
+    <dgm:cxn modelId="{AB84D519-946A-4207-B214-5087CF7159F1}" type="presOf" srcId="{A9FEC145-3987-4ED8-871A-576DA4B7BFAA}" destId="{FFBD584A-A7E2-408A-A416-A685B5B0B9E1}" srcOrd="0" destOrd="0" presId="urn:microsoft.com/office/officeart/2005/8/layout/process1"/>
+    <dgm:cxn modelId="{AA9EE190-F6E4-4E40-920D-12C2D29D79CE}" type="presOf" srcId="{BA95EDDB-7FC0-4FB1-8D15-927ECE05E2B8}" destId="{7DD97678-391E-47C1-950D-CF4E9ACD7B2B}" srcOrd="1" destOrd="0" presId="urn:microsoft.com/office/officeart/2005/8/layout/process1"/>
+    <dgm:cxn modelId="{16E5C20E-923E-4D02-A854-17FFC8E33796}" type="presOf" srcId="{905011B4-4642-4728-B9E3-7D77D8D8B5B4}" destId="{9E0C08BD-1589-4C8B-9A9B-B598F34A617C}" srcOrd="1" destOrd="0" presId="urn:microsoft.com/office/officeart/2005/8/layout/process1"/>
+    <dgm:cxn modelId="{FD381A9A-7632-424A-A2EE-B569155911B0}" type="presOf" srcId="{F17E7B3A-F6EF-4B48-B86C-B0E249B13D79}" destId="{F82BC5CD-2AA5-4924-B788-D8A711492A6D}" srcOrd="0" destOrd="0" presId="urn:microsoft.com/office/officeart/2005/8/layout/process1"/>
+    <dgm:cxn modelId="{EAF60E33-DA24-4E07-B4C9-0DFB5955CD37}" type="presOf" srcId="{905011B4-4642-4728-B9E3-7D77D8D8B5B4}" destId="{A6AD092E-5495-4AAA-A61A-58C2CDE8D0C9}" srcOrd="0" destOrd="0" presId="urn:microsoft.com/office/officeart/2005/8/layout/process1"/>
+    <dgm:cxn modelId="{3D29A112-6A6D-4414-B996-23BAEE6B7875}" type="presParOf" srcId="{1FB6FF23-8E1B-4CD5-8AC7-586C46AAD3CE}" destId="{F82BC5CD-2AA5-4924-B788-D8A711492A6D}" srcOrd="0" destOrd="0" presId="urn:microsoft.com/office/officeart/2005/8/layout/process1"/>
+    <dgm:cxn modelId="{0D0644A2-51F6-47F8-9B99-3B135C10E220}" type="presParOf" srcId="{1FB6FF23-8E1B-4CD5-8AC7-586C46AAD3CE}" destId="{9467F36A-1DD0-46CD-8E20-E4D8216BE438}" srcOrd="1" destOrd="0" presId="urn:microsoft.com/office/officeart/2005/8/layout/process1"/>
+    <dgm:cxn modelId="{1CC5AF9F-5272-4D1F-BE05-CE97A0779AE3}" type="presParOf" srcId="{9467F36A-1DD0-46CD-8E20-E4D8216BE438}" destId="{7DD97678-391E-47C1-950D-CF4E9ACD7B2B}" srcOrd="0" destOrd="0" presId="urn:microsoft.com/office/officeart/2005/8/layout/process1"/>
+    <dgm:cxn modelId="{3AB22DD5-333C-45B7-9141-AE82ACF30560}" type="presParOf" srcId="{1FB6FF23-8E1B-4CD5-8AC7-586C46AAD3CE}" destId="{5B93D66A-903D-4208-A4CA-32C000BEA972}" srcOrd="2" destOrd="0" presId="urn:microsoft.com/office/officeart/2005/8/layout/process1"/>
+    <dgm:cxn modelId="{83203D2C-A889-44D1-B5B3-63AA61C829FF}" type="presParOf" srcId="{1FB6FF23-8E1B-4CD5-8AC7-586C46AAD3CE}" destId="{A6AD092E-5495-4AAA-A61A-58C2CDE8D0C9}" srcOrd="3" destOrd="0" presId="urn:microsoft.com/office/officeart/2005/8/layout/process1"/>
+    <dgm:cxn modelId="{746B78EB-2550-4BA9-94C1-E34ABD024A44}" type="presParOf" srcId="{A6AD092E-5495-4AAA-A61A-58C2CDE8D0C9}" destId="{9E0C08BD-1589-4C8B-9A9B-B598F34A617C}" srcOrd="0" destOrd="0" presId="urn:microsoft.com/office/officeart/2005/8/layout/process1"/>
+    <dgm:cxn modelId="{7086B455-5809-48A7-AD8B-28C582FE1F3A}" type="presParOf" srcId="{1FB6FF23-8E1B-4CD5-8AC7-586C46AAD3CE}" destId="{FFBD584A-A7E2-408A-A416-A685B5B0B9E1}" srcOrd="4" destOrd="0" presId="urn:microsoft.com/office/officeart/2005/8/layout/process1"/>
+  </dgm:cxnLst>
+  <dgm:bg/>
+  <dgm:whole/>
+  <dgm:extLst>
+    <a:ext uri="http://schemas.microsoft.com/office/drawing/2008/diagram">
+      <dsp:dataModelExt xmlns:dsp="http://schemas.microsoft.com/office/drawing/2008/diagram" relId="rId6" minVer="http://schemas.openxmlformats.org/drawingml/2006/diagram"/>
+    </a:ext>
+  </dgm:extLst>
+</dgm:dataModel>
+</file>
+
+<file path=ppt/diagrams/drawing1.xml><?xml version="1.0" encoding="utf-8"?>
+<dsp:drawing xmlns:dgm="http://schemas.openxmlformats.org/drawingml/2006/diagram" xmlns:dsp="http://schemas.microsoft.com/office/drawing/2008/diagram" xmlns:a="http://schemas.openxmlformats.org/drawingml/2006/main">
+  <dsp:spTree>
+    <dsp:nvGrpSpPr>
+      <dsp:cNvPr id="0" name=""/>
+      <dsp:cNvGrpSpPr/>
+    </dsp:nvGrpSpPr>
+    <dsp:grpSpPr/>
+    <dsp:sp modelId="{F82BC5CD-2AA5-4924-B788-D8A711492A6D}">
+      <dsp:nvSpPr>
+        <dsp:cNvPr id="0" name=""/>
+        <dsp:cNvSpPr/>
+      </dsp:nvSpPr>
+      <dsp:spPr>
+        <a:xfrm>
+          <a:off x="5908" y="288037"/>
+          <a:ext cx="1766071" cy="576085"/>
+        </a:xfrm>
+        <a:prstGeom prst="roundRect">
+          <a:avLst>
+            <a:gd name="adj" fmla="val 10000"/>
+          </a:avLst>
+        </a:prstGeom>
+        <a:solidFill>
+          <a:schemeClr val="accent1">
+            <a:hueOff val="0"/>
+            <a:satOff val="0"/>
+            <a:lumOff val="0"/>
+            <a:alphaOff val="0"/>
+          </a:schemeClr>
+        </a:solidFill>
+        <a:ln w="25400" cap="flat" cmpd="sng" algn="ctr">
+          <a:solidFill>
+            <a:schemeClr val="lt1">
+              <a:hueOff val="0"/>
+              <a:satOff val="0"/>
+              <a:lumOff val="0"/>
+              <a:alphaOff val="0"/>
+            </a:schemeClr>
+          </a:solidFill>
+          <a:prstDash val="solid"/>
+        </a:ln>
+        <a:effectLst/>
+      </dsp:spPr>
+      <dsp:style>
+        <a:lnRef idx="2">
+          <a:scrgbClr r="0" g="0" b="0"/>
+        </a:lnRef>
+        <a:fillRef idx="1">
+          <a:scrgbClr r="0" g="0" b="0"/>
+        </a:fillRef>
+        <a:effectRef idx="0">
+          <a:scrgbClr r="0" g="0" b="0"/>
+        </a:effectRef>
+        <a:fontRef idx="minor">
+          <a:schemeClr val="lt1"/>
+        </a:fontRef>
+      </dsp:style>
+      <dsp:txBody>
+        <a:bodyPr spcFirstLastPara="0" vert="horz" wrap="square" lIns="99060" tIns="99060" rIns="99060" bIns="99060" numCol="1" spcCol="1270" anchor="ctr" anchorCtr="0">
+          <a:noAutofit/>
+        </a:bodyPr>
+        <a:lstStyle/>
+        <a:p>
+          <a:pPr lvl="0" algn="ctr" defTabSz="1155700">
+            <a:lnSpc>
+              <a:spcPct val="90000"/>
+            </a:lnSpc>
+            <a:spcBef>
+              <a:spcPct val="0"/>
+            </a:spcBef>
+            <a:spcAft>
+              <a:spcPct val="35000"/>
+            </a:spcAft>
+          </a:pPr>
+          <a:r>
+            <a:rPr lang="en-US" sz="2600" kern="1200" dirty="0" smtClean="0"/>
+            <a:t>Node.js</a:t>
+          </a:r>
+          <a:endParaRPr lang="en-US" sz="2600" kern="1200" dirty="0"/>
+        </a:p>
+      </dsp:txBody>
+      <dsp:txXfrm>
+        <a:off x="22781" y="304910"/>
+        <a:ext cx="1732325" cy="542339"/>
+      </dsp:txXfrm>
+    </dsp:sp>
+    <dsp:sp modelId="{9467F36A-1DD0-46CD-8E20-E4D8216BE438}">
+      <dsp:nvSpPr>
+        <dsp:cNvPr id="0" name=""/>
+        <dsp:cNvSpPr/>
+      </dsp:nvSpPr>
+      <dsp:spPr>
+        <a:xfrm>
+          <a:off x="1948587" y="357087"/>
+          <a:ext cx="374407" cy="437985"/>
+        </a:xfrm>
+        <a:prstGeom prst="rightArrow">
+          <a:avLst>
+            <a:gd name="adj1" fmla="val 60000"/>
+            <a:gd name="adj2" fmla="val 50000"/>
+          </a:avLst>
+        </a:prstGeom>
+        <a:solidFill>
+          <a:schemeClr val="accent1">
+            <a:tint val="60000"/>
+            <a:hueOff val="0"/>
+            <a:satOff val="0"/>
+            <a:lumOff val="0"/>
+            <a:alphaOff val="0"/>
+          </a:schemeClr>
+        </a:solidFill>
+        <a:ln>
+          <a:noFill/>
+        </a:ln>
+        <a:effectLst/>
+      </dsp:spPr>
+      <dsp:style>
+        <a:lnRef idx="0">
+          <a:scrgbClr r="0" g="0" b="0"/>
+        </a:lnRef>
+        <a:fillRef idx="1">
+          <a:scrgbClr r="0" g="0" b="0"/>
+        </a:fillRef>
+        <a:effectRef idx="0">
+          <a:scrgbClr r="0" g="0" b="0"/>
+        </a:effectRef>
+        <a:fontRef idx="minor">
+          <a:schemeClr val="lt1"/>
+        </a:fontRef>
+      </dsp:style>
+      <dsp:txBody>
+        <a:bodyPr spcFirstLastPara="0" vert="horz" wrap="square" lIns="0" tIns="0" rIns="0" bIns="0" numCol="1" spcCol="1270" anchor="ctr" anchorCtr="0">
+          <a:noAutofit/>
+        </a:bodyPr>
+        <a:lstStyle/>
+        <a:p>
+          <a:pPr lvl="0" algn="ctr" defTabSz="844550">
+            <a:lnSpc>
+              <a:spcPct val="90000"/>
+            </a:lnSpc>
+            <a:spcBef>
+              <a:spcPct val="0"/>
+            </a:spcBef>
+            <a:spcAft>
+              <a:spcPct val="35000"/>
+            </a:spcAft>
+          </a:pPr>
+          <a:endParaRPr lang="en-US" sz="1900" kern="1200"/>
+        </a:p>
+      </dsp:txBody>
+      <dsp:txXfrm>
+        <a:off x="1948587" y="444684"/>
+        <a:ext cx="262085" cy="262791"/>
+      </dsp:txXfrm>
+    </dsp:sp>
+    <dsp:sp modelId="{5B93D66A-903D-4208-A4CA-32C000BEA972}">
+      <dsp:nvSpPr>
+        <dsp:cNvPr id="0" name=""/>
+        <dsp:cNvSpPr/>
+      </dsp:nvSpPr>
+      <dsp:spPr>
+        <a:xfrm>
+          <a:off x="2478409" y="288037"/>
+          <a:ext cx="1766071" cy="576085"/>
+        </a:xfrm>
+        <a:prstGeom prst="roundRect">
+          <a:avLst>
+            <a:gd name="adj" fmla="val 10000"/>
+          </a:avLst>
+        </a:prstGeom>
+        <a:solidFill>
+          <a:schemeClr val="accent1">
+            <a:hueOff val="0"/>
+            <a:satOff val="0"/>
+            <a:lumOff val="0"/>
+            <a:alphaOff val="0"/>
+          </a:schemeClr>
+        </a:solidFill>
+        <a:ln w="25400" cap="flat" cmpd="sng" algn="ctr">
+          <a:solidFill>
+            <a:schemeClr val="lt1">
+              <a:hueOff val="0"/>
+              <a:satOff val="0"/>
+              <a:lumOff val="0"/>
+              <a:alphaOff val="0"/>
+            </a:schemeClr>
+          </a:solidFill>
+          <a:prstDash val="solid"/>
+        </a:ln>
+        <a:effectLst/>
+      </dsp:spPr>
+      <dsp:style>
+        <a:lnRef idx="2">
+          <a:scrgbClr r="0" g="0" b="0"/>
+        </a:lnRef>
+        <a:fillRef idx="1">
+          <a:scrgbClr r="0" g="0" b="0"/>
+        </a:fillRef>
+        <a:effectRef idx="0">
+          <a:scrgbClr r="0" g="0" b="0"/>
+        </a:effectRef>
+        <a:fontRef idx="minor">
+          <a:schemeClr val="lt1"/>
+        </a:fontRef>
+      </dsp:style>
+      <dsp:txBody>
+        <a:bodyPr spcFirstLastPara="0" vert="horz" wrap="square" lIns="99060" tIns="99060" rIns="99060" bIns="99060" numCol="1" spcCol="1270" anchor="ctr" anchorCtr="0">
+          <a:noAutofit/>
+        </a:bodyPr>
+        <a:lstStyle/>
+        <a:p>
+          <a:pPr lvl="0" algn="ctr" defTabSz="1155700">
+            <a:lnSpc>
+              <a:spcPct val="90000"/>
+            </a:lnSpc>
+            <a:spcBef>
+              <a:spcPct val="0"/>
+            </a:spcBef>
+            <a:spcAft>
+              <a:spcPct val="35000"/>
+            </a:spcAft>
+          </a:pPr>
+          <a:r>
+            <a:rPr lang="en-US" sz="2600" kern="1200" dirty="0" smtClean="0"/>
+            <a:t>Flask</a:t>
+          </a:r>
+          <a:endParaRPr lang="en-US" sz="2600" kern="1200" dirty="0"/>
+        </a:p>
+      </dsp:txBody>
+      <dsp:txXfrm>
+        <a:off x="2495282" y="304910"/>
+        <a:ext cx="1732325" cy="542339"/>
+      </dsp:txXfrm>
+    </dsp:sp>
+    <dsp:sp modelId="{A6AD092E-5495-4AAA-A61A-58C2CDE8D0C9}">
+      <dsp:nvSpPr>
+        <dsp:cNvPr id="0" name=""/>
+        <dsp:cNvSpPr/>
+      </dsp:nvSpPr>
+      <dsp:spPr>
+        <a:xfrm>
+          <a:off x="4421088" y="357087"/>
+          <a:ext cx="374407" cy="437985"/>
+        </a:xfrm>
+        <a:prstGeom prst="rightArrow">
+          <a:avLst>
+            <a:gd name="adj1" fmla="val 60000"/>
+            <a:gd name="adj2" fmla="val 50000"/>
+          </a:avLst>
+        </a:prstGeom>
+        <a:solidFill>
+          <a:schemeClr val="accent1">
+            <a:tint val="60000"/>
+            <a:hueOff val="0"/>
+            <a:satOff val="0"/>
+            <a:lumOff val="0"/>
+            <a:alphaOff val="0"/>
+          </a:schemeClr>
+        </a:solidFill>
+        <a:ln>
+          <a:noFill/>
+        </a:ln>
+        <a:effectLst/>
+      </dsp:spPr>
+      <dsp:style>
+        <a:lnRef idx="0">
+          <a:scrgbClr r="0" g="0" b="0"/>
+        </a:lnRef>
+        <a:fillRef idx="1">
+          <a:scrgbClr r="0" g="0" b="0"/>
+        </a:fillRef>
+        <a:effectRef idx="0">
+          <a:scrgbClr r="0" g="0" b="0"/>
+        </a:effectRef>
+        <a:fontRef idx="minor">
+          <a:schemeClr val="lt1"/>
+        </a:fontRef>
+      </dsp:style>
+      <dsp:txBody>
+        <a:bodyPr spcFirstLastPara="0" vert="horz" wrap="square" lIns="0" tIns="0" rIns="0" bIns="0" numCol="1" spcCol="1270" anchor="ctr" anchorCtr="0">
+          <a:noAutofit/>
+        </a:bodyPr>
+        <a:lstStyle/>
+        <a:p>
+          <a:pPr lvl="0" algn="ctr" defTabSz="844550">
+            <a:lnSpc>
+              <a:spcPct val="90000"/>
+            </a:lnSpc>
+            <a:spcBef>
+              <a:spcPct val="0"/>
+            </a:spcBef>
+            <a:spcAft>
+              <a:spcPct val="35000"/>
+            </a:spcAft>
+          </a:pPr>
+          <a:endParaRPr lang="en-US" sz="1900" kern="1200"/>
+        </a:p>
+      </dsp:txBody>
+      <dsp:txXfrm>
+        <a:off x="4421088" y="444684"/>
+        <a:ext cx="262085" cy="262791"/>
+      </dsp:txXfrm>
+    </dsp:sp>
+    <dsp:sp modelId="{FFBD584A-A7E2-408A-A416-A685B5B0B9E1}">
+      <dsp:nvSpPr>
+        <dsp:cNvPr id="0" name=""/>
+        <dsp:cNvSpPr/>
+      </dsp:nvSpPr>
+      <dsp:spPr>
+        <a:xfrm>
+          <a:off x="4950910" y="288037"/>
+          <a:ext cx="1766071" cy="576085"/>
+        </a:xfrm>
+        <a:prstGeom prst="roundRect">
+          <a:avLst>
+            <a:gd name="adj" fmla="val 10000"/>
+          </a:avLst>
+        </a:prstGeom>
+        <a:solidFill>
+          <a:schemeClr val="accent1">
+            <a:hueOff val="0"/>
+            <a:satOff val="0"/>
+            <a:lumOff val="0"/>
+            <a:alphaOff val="0"/>
+          </a:schemeClr>
+        </a:solidFill>
+        <a:ln w="25400" cap="flat" cmpd="sng" algn="ctr">
+          <a:solidFill>
+            <a:schemeClr val="lt1">
+              <a:hueOff val="0"/>
+              <a:satOff val="0"/>
+              <a:lumOff val="0"/>
+              <a:alphaOff val="0"/>
+            </a:schemeClr>
+          </a:solidFill>
+          <a:prstDash val="solid"/>
+        </a:ln>
+        <a:effectLst/>
+      </dsp:spPr>
+      <dsp:style>
+        <a:lnRef idx="2">
+          <a:scrgbClr r="0" g="0" b="0"/>
+        </a:lnRef>
+        <a:fillRef idx="1">
+          <a:scrgbClr r="0" g="0" b="0"/>
+        </a:fillRef>
+        <a:effectRef idx="0">
+          <a:scrgbClr r="0" g="0" b="0"/>
+        </a:effectRef>
+        <a:fontRef idx="minor">
+          <a:schemeClr val="lt1"/>
+        </a:fontRef>
+      </dsp:style>
+      <dsp:txBody>
+        <a:bodyPr spcFirstLastPara="0" vert="horz" wrap="square" lIns="99060" tIns="99060" rIns="99060" bIns="99060" numCol="1" spcCol="1270" anchor="ctr" anchorCtr="0">
+          <a:noAutofit/>
+        </a:bodyPr>
+        <a:lstStyle/>
+        <a:p>
+          <a:pPr lvl="0" algn="ctr" defTabSz="1155700">
+            <a:lnSpc>
+              <a:spcPct val="90000"/>
+            </a:lnSpc>
+            <a:spcBef>
+              <a:spcPct val="0"/>
+            </a:spcBef>
+            <a:spcAft>
+              <a:spcPct val="35000"/>
+            </a:spcAft>
+          </a:pPr>
+          <a:r>
+            <a:rPr lang="en-US" sz="2600" kern="1200" dirty="0" smtClean="0"/>
+            <a:t>Node.js</a:t>
+          </a:r>
+          <a:endParaRPr lang="en-US" sz="2600" kern="1200" dirty="0"/>
+        </a:p>
+      </dsp:txBody>
+      <dsp:txXfrm>
+        <a:off x="4967783" y="304910"/>
+        <a:ext cx="1732325" cy="542339"/>
+      </dsp:txXfrm>
+    </dsp:sp>
+  </dsp:spTree>
+</dsp:drawing>
+</file>
+
+<file path=ppt/diagrams/layout1.xml><?xml version="1.0" encoding="utf-8"?>
+<dgm:layoutDef xmlns:dgm="http://schemas.openxmlformats.org/drawingml/2006/diagram" xmlns:a="http://schemas.openxmlformats.org/drawingml/2006/main" uniqueId="urn:microsoft.com/office/officeart/2005/8/layout/process1">
+  <dgm:title val=""/>
+  <dgm:desc val=""/>
+  <dgm:catLst>
+    <dgm:cat type="process" pri="1000"/>
+    <dgm:cat type="convert" pri="15000"/>
+  </dgm:catLst>
+  <dgm:sampData useDef="1">
+    <dgm:dataModel>
+      <dgm:ptLst/>
+      <dgm:bg/>
+      <dgm:whole/>
+    </dgm:dataModel>
+  </dgm:sampData>
+  <dgm:styleData>
+    <dgm:dataModel>
+      <dgm:ptLst>
+        <dgm:pt modelId="0" type="doc"/>
+        <dgm:pt modelId="1"/>
+        <dgm:pt modelId="2"/>
+      </dgm:ptLst>
+      <dgm:cxnLst>
+        <dgm:cxn modelId="3" srcId="0" destId="1" srcOrd="0" destOrd="0"/>
+        <dgm:cxn modelId="4" srcId="0" destId="2" srcOrd="1" destOrd="0"/>
+      </dgm:cxnLst>
+      <dgm:bg/>
+      <dgm:whole/>
+    </dgm:dataModel>
+  </dgm:styleData>
+  <dgm:clrData>
+    <dgm:dataModel>
+      <dgm:ptLst>
+        <dgm:pt modelId="0" type="doc"/>
+        <dgm:pt modelId="1"/>
+        <dgm:pt modelId="2"/>
+        <dgm:pt modelId="3"/>
+        <dgm:pt modelId="4"/>
+      </dgm:ptLst>
+      <dgm:cxnLst>
+        <dgm:cxn modelId="5" srcId="0" destId="1" srcOrd="0" destOrd="0"/>
+        <dgm:cxn modelId="6" srcId="0" destId="2" srcOrd="1" destOrd="0"/>
+        <dgm:cxn modelId="7" srcId="0" destId="3" srcOrd="2" destOrd="0"/>
+        <dgm:cxn modelId="8" srcId="0" destId="4" srcOrd="3" destOrd="0"/>
+      </dgm:cxnLst>
+      <dgm:bg/>
+      <dgm:whole/>
+    </dgm:dataModel>
+  </dgm:clrData>
+  <dgm:layoutNode name="Name0">
+    <dgm:varLst>
+      <dgm:dir/>
+      <dgm:resizeHandles val="exact"/>
+    </dgm:varLst>
+    <dgm:choose name="Name1">
+      <dgm:if name="Name2" func="var" arg="dir" op="equ" val="norm">
+        <dgm:alg type="lin"/>
+      </dgm:if>
+      <dgm:else name="Name3">
+        <dgm:alg type="lin">
+          <dgm:param type="linDir" val="fromR"/>
+        </dgm:alg>
+      </dgm:else>
+    </dgm:choose>
+    <dgm:shape xmlns:r="http://schemas.openxmlformats.org/officeDocument/2006/relationships" r:blip="">
+      <dgm:adjLst/>
+    </dgm:shape>
+    <dgm:presOf/>
+    <dgm:constrLst>
+      <dgm:constr type="w" for="ch" ptType="node" refType="w"/>
+      <dgm:constr type="h" for="ch" ptType="node" op="equ"/>
+      <dgm:constr type="primFontSz" for="ch" ptType="node" op="equ" val="65"/>
+      <dgm:constr type="w" for="ch" ptType="sibTrans" refType="w" refFor="ch" refPtType="node" op="equ" fact="0.4"/>
+      <dgm:constr type="h" for="ch" ptType="sibTrans" op="equ"/>
+      <dgm:constr type="primFontSz" for="des" forName="connectorText" op="equ" val="55"/>
+      <dgm:constr type="primFontSz" for="des" forName="connectorText" refType="primFontSz" refFor="ch" refPtType="node" op="lte" fact="0.8"/>
+    </dgm:constrLst>
+    <dgm:ruleLst/>
+    <dgm:forEach name="nodesForEach" axis="ch" ptType="node">
+      <dgm:layoutNode name="node">
+        <dgm:varLst>
+          <dgm:bulletEnabled val="1"/>
+        </dgm:varLst>
+        <dgm:alg type="tx"/>
+        <dgm:shape xmlns:r="http://schemas.openxmlformats.org/officeDocument/2006/relationships" type="roundRect" r:blip="">
+          <dgm:adjLst>
+            <dgm:adj idx="1" val="0.1"/>
+          </dgm:adjLst>
+        </dgm:shape>
+        <dgm:presOf axis="desOrSelf" ptType="node"/>
+        <dgm:constrLst>
+          <dgm:constr type="h" refType="w" fact="0.6"/>
+          <dgm:constr type="tMarg" refType="primFontSz" fact="0.3"/>
+          <dgm:constr type="bMarg" refType="primFontSz" fact="0.3"/>
+          <dgm:constr type="lMarg" refType="primFontSz" fact="0.3"/>
+          <dgm:constr type="rMarg" refType="primFontSz" fact="0.3"/>
+        </dgm:constrLst>
+        <dgm:ruleLst>
+          <dgm:rule type="primFontSz" val="18" fact="NaN" max="NaN"/>
+          <dgm:rule type="h" val="NaN" fact="1.5" max="NaN"/>
+          <dgm:rule type="primFontSz" val="5" fact="NaN" max="NaN"/>
+          <dgm:rule type="h" val="INF" fact="NaN" max="NaN"/>
+        </dgm:ruleLst>
+      </dgm:layoutNode>
+      <dgm:forEach name="sibTransForEach" axis="followSib" ptType="sibTrans" cnt="1">
+        <dgm:layoutNode name="sibTrans">
+          <dgm:alg type="conn">
+            <dgm:param type="begPts" val="auto"/>
+            <dgm:param type="endPts" val="auto"/>
+          </dgm:alg>
+          <dgm:shape xmlns:r="http://schemas.openxmlformats.org/officeDocument/2006/relationships" type="conn" r:blip="">
+            <dgm:adjLst/>
+          </dgm:shape>
+          <dgm:presOf axis="self"/>
+          <dgm:constrLst>
+            <dgm:constr type="h" refType="w" fact="0.62"/>
+            <dgm:constr type="connDist"/>
+            <dgm:constr type="begPad" refType="connDist" fact="0.25"/>
+            <dgm:constr type="endPad" refType="connDist" fact="0.22"/>
+          </dgm:constrLst>
+          <dgm:ruleLst/>
+          <dgm:layoutNode name="connectorText">
+            <dgm:alg type="tx">
+              <dgm:param type="autoTxRot" val="grav"/>
+            </dgm:alg>
+            <dgm:shape xmlns:r="http://schemas.openxmlformats.org/officeDocument/2006/relationships" type="conn" r:blip="" hideGeom="1">
+              <dgm:adjLst/>
+            </dgm:shape>
+            <dgm:presOf axis="self"/>
+            <dgm:constrLst>
+              <dgm:constr type="lMarg"/>
+              <dgm:constr type="rMarg"/>
+              <dgm:constr type="tMarg"/>
+              <dgm:constr type="bMarg"/>
+            </dgm:constrLst>
+            <dgm:ruleLst>
+              <dgm:rule type="primFontSz" val="5" fact="NaN" max="NaN"/>
+            </dgm:ruleLst>
+          </dgm:layoutNode>
+        </dgm:layoutNode>
+      </dgm:forEach>
+    </dgm:forEach>
+  </dgm:layoutNode>
+</dgm:layoutDef>
+</file>
+
+<file path=ppt/diagrams/quickStyle1.xml><?xml version="1.0" encoding="utf-8"?>
+<dgm:styleDef xmlns:dgm="http://schemas.openxmlformats.org/drawingml/2006/diagram" xmlns:a="http://schemas.openxmlformats.org/drawingml/2006/main" uniqueId="urn:microsoft.com/office/officeart/2005/8/quickstyle/simple1">
+  <dgm:title val=""/>
+  <dgm:desc val=""/>
+  <dgm:catLst>
+    <dgm:cat type="simple" pri="10100"/>
+  </dgm:catLst>
+  <dgm:scene3d>
+    <a:camera prst="orthographicFront"/>
+    <a:lightRig rig="threePt" dir="t"/>
+  </dgm:scene3d>
+  <dgm:styleLbl name="node0">
+    <dgm:scene3d>
+      <a:camera prst="orthographicFront"/>
+      <a:lightRig rig="threePt" dir="t"/>
+    </dgm:scene3d>
+    <dgm:sp3d/>
+    <dgm:txPr/>
+    <dgm:style>
+      <a:lnRef idx="2">
+        <a:scrgbClr r="0" g="0" b="0"/>
+      </a:lnRef>
+      <a:fillRef idx="1">
+        <a:scrgbClr r="0" g="0" b="0"/>
+      </a:fillRef>
+      <a:effectRef idx="0">
+        <a:scrgbClr r="0" g="0" b="0"/>
+      </a:effectRef>
+      <a:fontRef idx="minor">
+        <a:schemeClr val="lt1"/>
+      </a:fontRef>
+    </dgm:style>
+  </dgm:styleLbl>
+  <dgm:styleLbl name="lnNode1">
+    <dgm:scene3d>
+      <a:camera prst="orthographicFront"/>
+      <a:lightRig rig="threePt" dir="t"/>
+    </dgm:scene3d>
+    <dgm:sp3d/>
+    <dgm:txPr/>
+    <dgm:style>
+      <a:lnRef idx="2">
+        <a:scrgbClr r="0" g="0" b="0"/>
+      </a:lnRef>
+      <a:fillRef idx="1">
+        <a:scrgbClr r="0" g="0" b="0"/>
+      </a:fillRef>
+      <a:effectRef idx="0">
+        <a:scrgbClr r="0" g="0" b="0"/>
+      </a:effectRef>
+      <a:fontRef idx="minor">
+        <a:schemeClr val="lt1"/>
+      </a:fontRef>
+    </dgm:style>
+  </dgm:styleLbl>
+  <dgm:styleLbl name="vennNode1">
+    <dgm:scene3d>
+      <a:camera prst="orthographicFront"/>
+      <a:lightRig rig="threePt" dir="t"/>
+    </dgm:scene3d>
+    <dgm:sp3d/>
+    <dgm:txPr/>
+    <dgm:style>
+      <a:lnRef idx="2">
+        <a:scrgbClr r="0" g="0" b="0"/>
+      </a:lnRef>
+      <a:fillRef idx="1">
+        <a:scrgbClr r="0" g="0" b="0"/>
+      </a:fillRef>
+      <a:effectRef idx="0">
+        <a:scrgbClr r="0" g="0" b="0"/>
+      </a:effectRef>
+      <a:fontRef idx="minor">
+        <a:schemeClr val="tx1"/>
+      </a:fontRef>
+    </dgm:style>
+  </dgm:styleLbl>
+  <dgm:styleLbl name="alignNode1">
+    <dgm:scene3d>
+      <a:camera prst="orthographicFront"/>
+      <a:lightRig rig="threePt" dir="t"/>
+    </dgm:scene3d>
+    <dgm:sp3d/>
+    <dgm:txPr/>
+    <dgm:style>
+      <a:lnRef idx="2">
+        <a:scrgbClr r="0" g="0" b="0"/>
+      </a:lnRef>
+      <a:fillRef idx="1">
+        <a:scrgbClr r="0" g="0" b="0"/>
+      </a:fillRef>
+      <a:effectRef idx="0">
+        <a:scrgbClr r="0" g="0" b="0"/>
+      </a:effectRef>
+      <a:fontRef idx="minor">
+        <a:schemeClr val="lt1"/>
+      </a:fontRef>
+    </dgm:style>
+  </dgm:styleLbl>
+  <dgm:styleLbl name="node1">
+    <dgm:scene3d>
+      <a:camera prst="orthographicFront"/>
+      <a:lightRig rig="threePt" dir="t"/>
+    </dgm:scene3d>
+    <dgm:sp3d/>
+    <dgm:txPr/>
+    <dgm:style>
+      <a:lnRef idx="2">
+        <a:scrgbClr r="0" g="0" b="0"/>
+      </a:lnRef>
+      <a:fillRef idx="1">
+        <a:scrgbClr r="0" g="0" b="0"/>
+      </a:fillRef>
+      <a:effectRef idx="0">
+        <a:scrgbClr r="0" g="0" b="0"/>
+      </a:effectRef>
+      <a:fontRef idx="minor">
+        <a:schemeClr val="lt1"/>
+      </a:fontRef>
+    </dgm:style>
+  </dgm:styleLbl>
+  <dgm:styleLbl name="node2">
+    <dgm:scene3d>
+      <a:camera prst="orthographicFront"/>
+      <a:lightRig rig="threePt" dir="t"/>
+    </dgm:scene3d>
+    <dgm:sp3d/>
+    <dgm:txPr/>
+    <dgm:style>
+      <a:lnRef idx="2">
+        <a:scrgbClr r="0" g="0" b="0"/>
+      </a:lnRef>
+      <a:fillRef idx="1">
+        <a:scrgbClr r="0" g="0" b="0"/>
+      </a:fillRef>
+      <a:effectRef idx="0">
+        <a:scrgbClr r="0" g="0" b="0"/>
+      </a:effectRef>
+      <a:fontRef idx="minor">
+        <a:schemeClr val="lt1"/>
+      </a:fontRef>
+    </dgm:style>
+  </dgm:styleLbl>
+  <dgm:styleLbl name="node3">
+    <dgm:scene3d>
+      <a:camera prst="orthographicFront"/>
+      <a:lightRig rig="threePt" dir="t"/>
+    </dgm:scene3d>
+    <dgm:sp3d/>
+    <dgm:txPr/>
+    <dgm:style>
+      <a:lnRef idx="2">
+        <a:scrgbClr r="0" g="0" b="0"/>
+      </a:lnRef>
+      <a:fillRef idx="1">
+        <a:scrgbClr r="0" g="0" b="0"/>
+      </a:fillRef>
+      <a:effectRef idx="0">
+        <a:scrgbClr r="0" g="0" b="0"/>
+      </a:effectRef>
+      <a:fontRef idx="minor">
+        <a:schemeClr val="lt1"/>
+      </a:fontRef>
+    </dgm:style>
+  </dgm:styleLbl>
+  <dgm:styleLbl name="node4">
+    <dgm:scene3d>
+      <a:camera prst="orthographicFront"/>
+      <a:lightRig rig="threePt" dir="t"/>
+    </dgm:scene3d>
+    <dgm:sp3d/>
+    <dgm:txPr/>
+    <dgm:style>
+      <a:lnRef idx="2">
+        <a:scrgbClr r="0" g="0" b="0"/>
+      </a:lnRef>
+      <a:fillRef idx="1">
+        <a:scrgbClr r="0" g="0" b="0"/>
+      </a:fillRef>
+      <a:effectRef idx="0">
+        <a:scrgbClr r="0" g="0" b="0"/>
+      </a:effectRef>
+      <a:fontRef idx="minor">
+        <a:schemeClr val="lt1"/>
+      </a:fontRef>
+    </dgm:style>
+  </dgm:styleLbl>
+  <dgm:styleLbl name="fgImgPlace1">
+    <dgm:scene3d>
+      <a:camera prst="orthographicFront"/>
+      <a:lightRig rig="threePt" dir="t"/>
+    </dgm:scene3d>
+    <dgm:sp3d/>
+    <dgm:txPr/>
+    <dgm:style>
+      <a:lnRef idx="2">
+        <a:scrgbClr r="0" g="0" b="0"/>
+      </a:lnRef>
+      <a:fillRef idx="1">
+        <a:scrgbClr r="0" g="0" b="0"/>
+      </a:fillRef>
+      <a:effectRef idx="0">
+        <a:scrgbClr r="0" g="0" b="0"/>
+      </a:effectRef>
+      <a:fontRef idx="minor"/>
+    </dgm:style>
+  </dgm:styleLbl>
+  <dgm:styleLbl name="alignImgPlace1">
+    <dgm:scene3d>
+      <a:camera prst="orthographicFront"/>
+      <a:lightRig rig="threePt" dir="t"/>
+    </dgm:scene3d>
+    <dgm:sp3d/>
+    <dgm:txPr/>
+    <dgm:style>
+      <a:lnRef idx="2">
+        <a:scrgbClr r="0" g="0" b="0"/>
+      </a:lnRef>
+      <a:fillRef idx="1">
+        <a:scrgbClr r="0" g="0" b="0"/>
+      </a:fillRef>
+      <a:effectRef idx="0">
+        <a:scrgbClr r="0" g="0" b="0"/>
+      </a:effectRef>
+      <a:fontRef idx="minor"/>
+    </dgm:style>
+  </dgm:styleLbl>
+  <dgm:styleLbl name="bgImgPlace1">
+    <dgm:scene3d>
+      <a:camera prst="orthographicFront"/>
+      <a:lightRig rig="threePt" dir="t"/>
+    </dgm:scene3d>
+    <dgm:sp3d/>
+    <dgm:txPr/>
+    <dgm:style>
+      <a:lnRef idx="2">
+        <a:scrgbClr r="0" g="0" b="0"/>
+      </a:lnRef>
+      <a:fillRef idx="1">
+        <a:scrgbClr r="0" g="0" b="0"/>
+      </a:fillRef>
+      <a:effectRef idx="0">
+        <a:scrgbClr r="0" g="0" b="0"/>
+      </a:effectRef>
+      <a:fontRef idx="minor"/>
+    </dgm:style>
+  </dgm:styleLbl>
+  <dgm:styleLbl name="sibTrans2D1">
+    <dgm:scene3d>
+      <a:camera prst="orthographicFront"/>
+      <a:lightRig rig="threePt" dir="t"/>
+    </dgm:scene3d>
+    <dgm:sp3d/>
+    <dgm:txPr/>
+    <dgm:style>
+      <a:lnRef idx="0">
+        <a:scrgbClr r="0" g="0" b="0"/>
+      </a:lnRef>
+      <a:fillRef idx="1">
+        <a:scrgbClr r="0" g="0" b="0"/>
+      </a:fillRef>
+      <a:effectRef idx="0">
+        <a:scrgbClr r="0" g="0" b="0"/>
+      </a:effectRef>
+      <a:fontRef idx="minor">
+        <a:schemeClr val="lt1"/>
+      </a:fontRef>
+    </dgm:style>
+  </dgm:styleLbl>
+  <dgm:styleLbl name="fgSibTrans2D1">
+    <dgm:scene3d>
+      <a:camera prst="orthographicFront"/>
+      <a:lightRig rig="threePt" dir="t"/>
+    </dgm:scene3d>
+    <dgm:sp3d/>
+    <dgm:txPr/>
+    <dgm:style>
+      <a:lnRef idx="0">
+        <a:scrgbClr r="0" g="0" b="0"/>
+      </a:lnRef>
+      <a:fillRef idx="1">
+        <a:scrgbClr r="0" g="0" b="0"/>
+      </a:fillRef>
+      <a:effectRef idx="0">
+        <a:scrgbClr r="0" g="0" b="0"/>
+      </a:effectRef>
+      <a:fontRef idx="minor">
+        <a:schemeClr val="lt1"/>
+      </a:fontRef>
+    </dgm:style>
+  </dgm:styleLbl>
+  <dgm:styleLbl name="bgSibTrans2D1">
+    <dgm:scene3d>
+      <a:camera prst="orthographicFront"/>
+      <a:lightRig rig="threePt" dir="t"/>
+    </dgm:scene3d>
+    <dgm:sp3d/>
+    <dgm:txPr/>
+    <dgm:style>
+      <a:lnRef idx="0">
+        <a:scrgbClr r="0" g="0" b="0"/>
+      </a:lnRef>
+      <a:fillRef idx="1">
+        <a:scrgbClr r="0" g="0" b="0"/>
+      </a:fillRef>
+      <a:effectRef idx="0">
+        <a:scrgbClr r="0" g="0" b="0"/>
+      </a:effectRef>
+      <a:fontRef idx="minor">
+        <a:schemeClr val="lt1"/>
+      </a:fontRef>
+    </dgm:style>
+  </dgm:styleLbl>
+  <dgm:styleLbl name="sibTrans1D1">
+    <dgm:scene3d>
+      <a:camera prst="orthographicFront"/>
+      <a:lightRig rig="threePt" dir="t"/>
+    </dgm:scene3d>
+    <dgm:sp3d/>
+    <dgm:txPr/>
+    <dgm:style>
+      <a:lnRef idx="1">
+        <a:scrgbClr r="0" g="0" b="0"/>
+      </a:lnRef>
+      <a:fillRef idx="0">
+        <a:scrgbClr r="0" g="0" b="0"/>
+      </a:fillRef>
+      <a:effectRef idx="0">
+        <a:scrgbClr r="0" g="0" b="0"/>
+      </a:effectRef>
+      <a:fontRef idx="minor"/>
+    </dgm:style>
+  </dgm:styleLbl>
+  <dgm:styleLbl name="callout">
+    <dgm:scene3d>
+      <a:camera prst="orthographicFront"/>
+      <a:lightRig rig="threePt" dir="t"/>
+    </dgm:scene3d>
+    <dgm:sp3d/>
+    <dgm:txPr/>
+    <dgm:style>
+      <a:lnRef idx="2">
+        <a:scrgbClr r="0" g="0" b="0"/>
+      </a:lnRef>
+      <a:fillRef idx="1">
+        <a:scrgbClr r="0" g="0" b="0"/>
+      </a:fillRef>
+      <a:effectRef idx="0">
+        <a:scrgbClr r="0" g="0" b="0"/>
+      </a:effectRef>
+      <a:fontRef idx="minor"/>
+    </dgm:style>
+  </dgm:styleLbl>
+  <dgm:styleLbl name="asst0">
+    <dgm:scene3d>
+      <a:camera prst="orthographicFront"/>
+      <a:lightRig rig="threePt" dir="t"/>
+    </dgm:scene3d>
+    <dgm:sp3d/>
+    <dgm:txPr/>
+    <dgm:style>
+      <a:lnRef idx="2">
+        <a:scrgbClr r="0" g="0" b="0"/>
+      </a:lnRef>
+      <a:fillRef idx="1">
+        <a:scrgbClr r="0" g="0" b="0"/>
+      </a:fillRef>
+      <a:effectRef idx="0">
+        <a:scrgbClr r="0" g="0" b="0"/>
+      </a:effectRef>
+      <a:fontRef idx="minor">
+        <a:schemeClr val="lt1"/>
+      </a:fontRef>
+    </dgm:style>
+  </dgm:styleLbl>
+  <dgm:styleLbl name="asst1">
+    <dgm:scene3d>
+      <a:camera prst="orthographicFront"/>
+      <a:lightRig rig="threePt" dir="t"/>
+    </dgm:scene3d>
+    <dgm:sp3d/>
+    <dgm:txPr/>
+    <dgm:style>
+      <a:lnRef idx="2">
+        <a:scrgbClr r="0" g="0" b="0"/>
+      </a:lnRef>
+      <a:fillRef idx="1">
+        <a:scrgbClr r="0" g="0" b="0"/>
+      </a:fillRef>
+      <a:effectRef idx="0">
+        <a:scrgbClr r="0" g="0" b="0"/>
+      </a:effectRef>
+      <a:fontRef idx="minor">
+        <a:schemeClr val="lt1"/>
+      </a:fontRef>
+    </dgm:style>
+  </dgm:styleLbl>
+  <dgm:styleLbl name="asst2">
+    <dgm:scene3d>
+      <a:camera prst="orthographicFront"/>
+      <a:lightRig rig="threePt" dir="t"/>
+    </dgm:scene3d>
+    <dgm:sp3d/>
+    <dgm:txPr/>
+    <dgm:style>
+      <a:lnRef idx="2">
+        <a:scrgbClr r="0" g="0" b="0"/>
+      </a:lnRef>
+      <a:fillRef idx="1">
+        <a:scrgbClr r="0" g="0" b="0"/>
+      </a:fillRef>
+      <a:effectRef idx="0">
+        <a:scrgbClr r="0" g="0" b="0"/>
+      </a:effectRef>
+      <a:fontRef idx="minor">
+        <a:schemeClr val="lt1"/>
+      </a:fontRef>
+    </dgm:style>
+  </dgm:styleLbl>
+  <dgm:styleLbl name="asst3">
+    <dgm:scene3d>
+      <a:camera prst="orthographicFront"/>
+      <a:lightRig rig="threePt" dir="t"/>
+    </dgm:scene3d>
+    <dgm:sp3d/>
+    <dgm:txPr/>
+    <dgm:style>
+      <a:lnRef idx="2">
+        <a:scrgbClr r="0" g="0" b="0"/>
+      </a:lnRef>
+      <a:fillRef idx="1">
+        <a:scrgbClr r="0" g="0" b="0"/>
+      </a:fillRef>
+      <a:effectRef idx="0">
+        <a:scrgbClr r="0" g="0" b="0"/>
+      </a:effectRef>
+      <a:fontRef idx="minor">
+        <a:schemeClr val="lt1"/>
+      </a:fontRef>
+    </dgm:style>
+  </dgm:styleLbl>
+  <dgm:styleLbl name="asst4">
+    <dgm:scene3d>
+      <a:camera prst="orthographicFront"/>
+      <a:lightRig rig="threePt" dir="t"/>
+    </dgm:scene3d>
+    <dgm:sp3d/>
+    <dgm:txPr/>
+    <dgm:style>
+      <a:lnRef idx="2">
+        <a:scrgbClr r="0" g="0" b="0"/>
+      </a:lnRef>
+      <a:fillRef idx="1">
+        <a:scrgbClr r="0" g="0" b="0"/>
+      </a:fillRef>
+      <a:effectRef idx="0">
+        <a:scrgbClr r="0" g="0" b="0"/>
+      </a:effectRef>
+      <a:fontRef idx="minor">
+        <a:schemeClr val="lt1"/>
+      </a:fontRef>
+    </dgm:style>
+  </dgm:styleLbl>
+  <dgm:styleLbl name="parChTrans2D1">
+    <dgm:scene3d>
+      <a:camera prst="orthographicFront"/>
+      <a:lightRig rig="threePt" dir="t"/>
+    </dgm:scene3d>
+    <dgm:sp3d/>
+    <dgm:txPr/>
+    <dgm:style>
+      <a:lnRef idx="2">
+        <a:scrgbClr r="0" g="0" b="0"/>
+      </a:lnRef>
+      <a:fillRef idx="1">
+        <a:scrgbClr r="0" g="0" b="0"/>
+      </a:fillRef>
+      <a:effectRef idx="0">
+        <a:scrgbClr r="0" g="0" b="0"/>
+      </a:effectRef>
+      <a:fontRef idx="minor">
+        <a:schemeClr val="lt1"/>
+      </a:fontRef>
+    </dgm:style>
+  </dgm:styleLbl>
+  <dgm:styleLbl name="parChTrans2D2">
+    <dgm:scene3d>
+      <a:camera prst="orthographicFront"/>
+      <a:lightRig rig="threePt" dir="t"/>
+    </dgm:scene3d>
+    <dgm:sp3d/>
+    <dgm:txPr/>
+    <dgm:style>
+      <a:lnRef idx="2">
+        <a:scrgbClr r="0" g="0" b="0"/>
+      </a:lnRef>
+      <a:fillRef idx="1">
+        <a:scrgbClr r="0" g="0" b="0"/>
+      </a:fillRef>
+      <a:effectRef idx="0">
+        <a:scrgbClr r="0" g="0" b="0"/>
+      </a:effectRef>
+      <a:fontRef idx="minor">
+        <a:schemeClr val="lt1"/>
+      </a:fontRef>
+    </dgm:style>
+  </dgm:styleLbl>
+  <dgm:styleLbl name="parChTrans2D3">
+    <dgm:scene3d>
+      <a:camera prst="orthographicFront"/>
+      <a:lightRig rig="threePt" dir="t"/>
+    </dgm:scene3d>
+    <dgm:sp3d/>
+    <dgm:txPr/>
+    <dgm:style>
+      <a:lnRef idx="2">
+        <a:scrgbClr r="0" g="0" b="0"/>
+      </a:lnRef>
+      <a:fillRef idx="1">
+        <a:scrgbClr r="0" g="0" b="0"/>
+      </a:fillRef>
+      <a:effectRef idx="0">
+        <a:scrgbClr r="0" g="0" b="0"/>
+      </a:effectRef>
+      <a:fontRef idx="minor">
+        <a:schemeClr val="lt1"/>
+      </a:fontRef>
+    </dgm:style>
+  </dgm:styleLbl>
+  <dgm:styleLbl name="parChTrans2D4">
+    <dgm:scene3d>
+      <a:camera prst="orthographicFront"/>
+      <a:lightRig rig="threePt" dir="t"/>
+    </dgm:scene3d>
+    <dgm:sp3d/>
+    <dgm:txPr/>
+    <dgm:style>
+      <a:lnRef idx="2">
+        <a:scrgbClr r="0" g="0" b="0"/>
+      </a:lnRef>
+      <a:fillRef idx="1">
+        <a:scrgbClr r="0" g="0" b="0"/>
+      </a:fillRef>
+      <a:effectRef idx="0">
+        <a:scrgbClr r="0" g="0" b="0"/>
+      </a:effectRef>
+      <a:fontRef idx="minor">
+        <a:schemeClr val="lt1"/>
+      </a:fontRef>
+    </dgm:style>
+  </dgm:styleLbl>
+  <dgm:styleLbl name="parChTrans1D1">
+    <dgm:scene3d>
+      <a:camera prst="orthographicFront"/>
+      <a:lightRig rig="threePt" dir="t"/>
+    </dgm:scene3d>
+    <dgm:sp3d/>
+    <dgm:txPr/>
+    <dgm:style>
+      <a:lnRef idx="2">
+        <a:scrgbClr r="0" g="0" b="0"/>
+      </a:lnRef>
+      <a:fillRef idx="0">
+        <a:scrgbClr r="0" g="0" b="0"/>
+      </a:fillRef>
+      <a:effectRef idx="0">
+        <a:scrgbClr r="0" g="0" b="0"/>
+      </a:effectRef>
+      <a:fontRef idx="minor"/>
+    </dgm:style>
+  </dgm:styleLbl>
+  <dgm:styleLbl name="parChTrans1D2">
+    <dgm:scene3d>
+      <a:camera prst="orthographicFront"/>
+      <a:lightRig rig="threePt" dir="t"/>
+    </dgm:scene3d>
+    <dgm:sp3d/>
+    <dgm:txPr/>
+    <dgm:style>
+      <a:lnRef idx="2">
+        <a:scrgbClr r="0" g="0" b="0"/>
+      </a:lnRef>
+      <a:fillRef idx="0">
+        <a:scrgbClr r="0" g="0" b="0"/>
+      </a:fillRef>
+      <a:effectRef idx="0">
+        <a:scrgbClr r="0" g="0" b="0"/>
+      </a:effectRef>
+      <a:fontRef idx="minor"/>
+    </dgm:style>
+  </dgm:styleLbl>
+  <dgm:styleLbl name="parChTrans1D3">
+    <dgm:scene3d>
+      <a:camera prst="orthographicFront"/>
+      <a:lightRig rig="threePt" dir="t"/>
+    </dgm:scene3d>
+    <dgm:sp3d/>
+    <dgm:txPr/>
+    <dgm:style>
+      <a:lnRef idx="2">
+        <a:scrgbClr r="0" g="0" b="0"/>
+      </a:lnRef>
+      <a:fillRef idx="0">
+        <a:scrgbClr r="0" g="0" b="0"/>
+      </a:fillRef>
+      <a:effectRef idx="0">
+        <a:scrgbClr r="0" g="0" b="0"/>
+      </a:effectRef>
+      <a:fontRef idx="minor"/>
+    </dgm:style>
+  </dgm:styleLbl>
+  <dgm:styleLbl name="parChTrans1D4">
+    <dgm:scene3d>
+      <a:camera prst="orthographicFront"/>
+      <a:lightRig rig="threePt" dir="t"/>
+    </dgm:scene3d>
+    <dgm:sp3d/>
+    <dgm:txPr/>
+    <dgm:style>
+      <a:lnRef idx="2">
+        <a:scrgbClr r="0" g="0" b="0"/>
+      </a:lnRef>
+      <a:fillRef idx="0">
+        <a:scrgbClr r="0" g="0" b="0"/>
+      </a:fillRef>
+      <a:effectRef idx="0">
+        <a:scrgbClr r="0" g="0" b="0"/>
+      </a:effectRef>
+      <a:fontRef idx="minor"/>
+    </dgm:style>
+  </dgm:styleLbl>
+  <dgm:styleLbl name="fgAcc1">
+    <dgm:scene3d>
+      <a:camera prst="orthographicFront"/>
+      <a:lightRig rig="threePt" dir="t"/>
+    </dgm:scene3d>
+    <dgm:sp3d/>
+    <dgm:txPr/>
+    <dgm:style>
+      <a:lnRef idx="2">
+        <a:scrgbClr r="0" g="0" b="0"/>
+      </a:lnRef>
+      <a:fillRef idx="1">
+        <a:scrgbClr r="0" g="0" b="0"/>
+      </a:fillRef>
+      <a:effectRef idx="0">
+        <a:scrgbClr r="0" g="0" b="0"/>
+      </a:effectRef>
+      <a:fontRef idx="minor"/>
+    </dgm:style>
+  </dgm:styleLbl>
+  <dgm:styleLbl name="conFgAcc1">
+    <dgm:scene3d>
+      <a:camera prst="orthographicFront"/>
+      <a:lightRig rig="threePt" dir="t"/>
+    </dgm:scene3d>
+    <dgm:sp3d/>
+    <dgm:txPr/>
+    <dgm:style>
+      <a:lnRef idx="2">
+        <a:scrgbClr r="0" g="0" b="0"/>
+      </a:lnRef>
+      <a:fillRef idx="1">
+        <a:scrgbClr r="0" g="0" b="0"/>
+      </a:fillRef>
+      <a:effectRef idx="0">
+        <a:scrgbClr r="0" g="0" b="0"/>
+      </a:effectRef>
+      <a:fontRef idx="minor"/>
+    </dgm:style>
+  </dgm:styleLbl>
+  <dgm:styleLbl name="alignAcc1">
+    <dgm:scene3d>
+      <a:camera prst="orthographicFront"/>
+      <a:lightRig rig="threePt" dir="t"/>
+    </dgm:scene3d>
+    <dgm:sp3d/>
+    <dgm:txPr/>
+    <dgm:style>
+      <a:lnRef idx="2">
+        <a:scrgbClr r="0" g="0" b="0"/>
+      </a:lnRef>
+      <a:fillRef idx="1">
+        <a:scrgbClr r="0" g="0" b="0"/>
+      </a:fillRef>
+      <a:effectRef idx="0">
+        <a:scrgbClr r="0" g="0" b="0"/>
+      </a:effectRef>
+      <a:fontRef idx="minor"/>
+    </dgm:style>
+  </dgm:styleLbl>
+  <dgm:styleLbl name="trAlignAcc1">
+    <dgm:scene3d>
+      <a:camera prst="orthographicFront"/>
+      <a:lightRig rig="threePt" dir="t"/>
+    </dgm:scene3d>
+    <dgm:sp3d/>
+    <dgm:txPr/>
+    <dgm:style>
+      <a:lnRef idx="1">
+        <a:scrgbClr r="0" g="0" b="0"/>
+      </a:lnRef>
+      <a:fillRef idx="1">
+        <a:scrgbClr r="0" g="0" b="0"/>
+      </a:fillRef>
+      <a:effectRef idx="0">
+        <a:scrgbClr r="0" g="0" b="0"/>
+      </a:effectRef>
+      <a:fontRef idx="minor"/>
+    </dgm:style>
+  </dgm:styleLbl>
+  <dgm:styleLbl name="bgAcc1">
+    <dgm:scene3d>
+      <a:camera prst="orthographicFront"/>
+      <a:lightRig rig="threePt" dir="t"/>
+    </dgm:scene3d>
+    <dgm:sp3d/>
+    <dgm:txPr/>
+    <dgm:style>
+      <a:lnRef idx="2">
+        <a:scrgbClr r="0" g="0" b="0"/>
+      </a:lnRef>
+      <a:fillRef idx="1">
+        <a:scrgbClr r="0" g="0" b="0"/>
+      </a:fillRef>
+      <a:effectRef idx="0">
+        <a:scrgbClr r="0" g="0" b="0"/>
+      </a:effectRef>
+      <a:fontRef idx="minor"/>
+    </dgm:style>
+  </dgm:styleLbl>
+  <dgm:styleLbl name="solidFgAcc1">
+    <dgm:scene3d>
+      <a:camera prst="orthographicFront"/>
+      <a:lightRig rig="threePt" dir="t"/>
+    </dgm:scene3d>
+    <dgm:sp3d/>
+    <dgm:txPr/>
+    <dgm:style>
+      <a:lnRef idx="2">
+        <a:scrgbClr r="0" g="0" b="0"/>
+      </a:lnRef>
+      <a:fillRef idx="1">
+        <a:scrgbClr r="0" g="0" b="0"/>
+      </a:fillRef>
+      <a:effectRef idx="0">
+        <a:scrgbClr r="0" g="0" b="0"/>
+      </a:effectRef>
+      <a:fontRef idx="minor"/>
+    </dgm:style>
+  </dgm:styleLbl>
+  <dgm:styleLbl name="solidAlignAcc1">
+    <dgm:scene3d>
+      <a:camera prst="orthographicFront"/>
+      <a:lightRig rig="threePt" dir="t"/>
+    </dgm:scene3d>
+    <dgm:sp3d/>
+    <dgm:txPr/>
+    <dgm:style>
+      <a:lnRef idx="2">
+        <a:scrgbClr r="0" g="0" b="0"/>
+      </a:lnRef>
+      <a:fillRef idx="1">
+        <a:scrgbClr r="0" g="0" b="0"/>
+      </a:fillRef>
+      <a:effectRef idx="0">
+        <a:scrgbClr r="0" g="0" b="0"/>
+      </a:effectRef>
+      <a:fontRef idx="minor"/>
+    </dgm:style>
+  </dgm:styleLbl>
+  <dgm:styleLbl name="solidBgAcc1">
+    <dgm:scene3d>
+      <a:camera prst="orthographicFront"/>
+      <a:lightRig rig="threePt" dir="t"/>
+    </dgm:scene3d>
+    <dgm:sp3d/>
+    <dgm:txPr/>
+    <dgm:style>
+      <a:lnRef idx="2">
+        <a:scrgbClr r="0" g="0" b="0"/>
+      </a:lnRef>
+      <a:fillRef idx="1">
+        <a:scrgbClr r="0" g="0" b="0"/>
+      </a:fillRef>
+      <a:effectRef idx="0">
+        <a:scrgbClr r="0" g="0" b="0"/>
+      </a:effectRef>
+      <a:fontRef idx="minor"/>
+    </dgm:style>
+  </dgm:styleLbl>
+  <dgm:styleLbl name="fgAccFollowNode1">
+    <dgm:scene3d>
+      <a:camera prst="orthographicFront"/>
+      <a:lightRig rig="threePt" dir="t"/>
+    </dgm:scene3d>
+    <dgm:sp3d/>
+    <dgm:txPr/>
+    <dgm:style>
+      <a:lnRef idx="2">
+        <a:scrgbClr r="0" g="0" b="0"/>
+      </a:lnRef>
+      <a:fillRef idx="1">
+        <a:scrgbClr r="0" g="0" b="0"/>
+      </a:fillRef>
+      <a:effectRef idx="0">
+        <a:scrgbClr r="0" g="0" b="0"/>
+      </a:effectRef>
+      <a:fontRef idx="minor"/>
+    </dgm:style>
+  </dgm:styleLbl>
+  <dgm:styleLbl name="alignAccFollowNode1">
+    <dgm:scene3d>
+      <a:camera prst="orthographicFront"/>
+      <a:lightRig rig="threePt" dir="t"/>
+    </dgm:scene3d>
+    <dgm:sp3d/>
+    <dgm:txPr/>
+    <dgm:style>
+      <a:lnRef idx="2">
+        <a:scrgbClr r="0" g="0" b="0"/>
+      </a:lnRef>
+      <a:fillRef idx="1">
+        <a:scrgbClr r="0" g="0" b="0"/>
+      </a:fillRef>
+      <a:effectRef idx="0">
+        <a:scrgbClr r="0" g="0" b="0"/>
+      </a:effectRef>
+      <a:fontRef idx="minor"/>
+    </dgm:style>
+  </dgm:styleLbl>
+  <dgm:styleLbl name="bgAccFollowNode1">
+    <dgm:scene3d>
+      <a:camera prst="orthographicFront"/>
+      <a:lightRig rig="threePt" dir="t"/>
+    </dgm:scene3d>
+    <dgm:sp3d/>
+    <dgm:txPr/>
+    <dgm:style>
+      <a:lnRef idx="2">
+        <a:scrgbClr r="0" g="0" b="0"/>
+      </a:lnRef>
+      <a:fillRef idx="1">
+        <a:scrgbClr r="0" g="0" b="0"/>
+      </a:fillRef>
+      <a:effectRef idx="0">
+        <a:scrgbClr r="0" g="0" b="0"/>
+      </a:effectRef>
+      <a:fontRef idx="minor"/>
+    </dgm:style>
+  </dgm:styleLbl>
+  <dgm:styleLbl name="fgAcc0">
+    <dgm:scene3d>
+      <a:camera prst="orthographicFront"/>
+      <a:lightRig rig="threePt" dir="t"/>
+    </dgm:scene3d>
+    <dgm:sp3d/>
+    <dgm:txPr/>
+    <dgm:style>
+      <a:lnRef idx="2">
+        <a:scrgbClr r="0" g="0" b="0"/>
+      </a:lnRef>
+      <a:fillRef idx="1">
+        <a:scrgbClr r="0" g="0" b="0"/>
+      </a:fillRef>
+      <a:effectRef idx="0">
+        <a:scrgbClr r="0" g="0" b="0"/>
+      </a:effectRef>
+      <a:fontRef idx="minor"/>
+    </dgm:style>
+  </dgm:styleLbl>
+  <dgm:styleLbl name="fgAcc2">
+    <dgm:scene3d>
+      <a:camera prst="orthographicFront"/>
+      <a:lightRig rig="threePt" dir="t"/>
+    </dgm:scene3d>
+    <dgm:sp3d/>
+    <dgm:txPr/>
+    <dgm:style>
+      <a:lnRef idx="2">
+        <a:scrgbClr r="0" g="0" b="0"/>
+      </a:lnRef>
+      <a:fillRef idx="1">
+        <a:scrgbClr r="0" g="0" b="0"/>
+      </a:fillRef>
+      <a:effectRef idx="0">
+        <a:scrgbClr r="0" g="0" b="0"/>
+      </a:effectRef>
+      <a:fontRef idx="minor"/>
+    </dgm:style>
+  </dgm:styleLbl>
+  <dgm:styleLbl name="fgAcc3">
+    <dgm:scene3d>
+      <a:camera prst="orthographicFront"/>
+      <a:lightRig rig="threePt" dir="t"/>
+    </dgm:scene3d>
+    <dgm:sp3d/>
+    <dgm:txPr/>
+    <dgm:style>
+      <a:lnRef idx="2">
+        <a:scrgbClr r="0" g="0" b="0"/>
+      </a:lnRef>
+      <a:fillRef idx="1">
+        <a:scrgbClr r="0" g="0" b="0"/>
+      </a:fillRef>
+      <a:effectRef idx="0">
+        <a:scrgbClr r="0" g="0" b="0"/>
+      </a:effectRef>
+      <a:fontRef idx="minor"/>
+    </dgm:style>
+  </dgm:styleLbl>
+  <dgm:styleLbl name="fgAcc4">
+    <dgm:scene3d>
+      <a:camera prst="orthographicFront"/>
+      <a:lightRig rig="threePt" dir="t"/>
+    </dgm:scene3d>
+    <dgm:sp3d/>
+    <dgm:txPr/>
+    <dgm:style>
+      <a:lnRef idx="2">
+        <a:scrgbClr r="0" g="0" b="0"/>
+      </a:lnRef>
+      <a:fillRef idx="1">
+        <a:scrgbClr r="0" g="0" b="0"/>
+      </a:fillRef>
+      <a:effectRef idx="0">
+        <a:scrgbClr r="0" g="0" b="0"/>
+      </a:effectRef>
+      <a:fontRef idx="minor"/>
+    </dgm:style>
+  </dgm:styleLbl>
+  <dgm:styleLbl name="bgShp">
+    <dgm:scene3d>
+      <a:camera prst="orthographicFront"/>
+      <a:lightRig rig="threePt" dir="t"/>
+    </dgm:scene3d>
+    <dgm:sp3d/>
+    <dgm:txPr/>
+    <dgm:style>
+      <a:lnRef idx="0">
+        <a:scrgbClr r="0" g="0" b="0"/>
+      </a:lnRef>
+      <a:fillRef idx="1">
+        <a:scrgbClr r="0" g="0" b="0"/>
+      </a:fillRef>
+      <a:effectRef idx="0">
+        <a:scrgbClr r="0" g="0" b="0"/>
+      </a:effectRef>
+      <a:fontRef idx="minor"/>
+    </dgm:style>
+  </dgm:styleLbl>
+  <dgm:styleLbl name="dkBgShp">
+    <dgm:scene3d>
+      <a:camera prst="orthographicFront"/>
+      <a:lightRig rig="threePt" dir="t"/>
+    </dgm:scene3d>
+    <dgm:sp3d/>
+    <dgm:txPr/>
+    <dgm:style>
+      <a:lnRef idx="0">
+        <a:scrgbClr r="0" g="0" b="0"/>
+      </a:lnRef>
+      <a:fillRef idx="1">
+        <a:scrgbClr r="0" g="0" b="0"/>
+      </a:fillRef>
+      <a:effectRef idx="0">
+        <a:scrgbClr r="0" g="0" b="0"/>
+      </a:effectRef>
+      <a:fontRef idx="minor"/>
+    </dgm:style>
+  </dgm:styleLbl>
+  <dgm:styleLbl name="trBgShp">
+    <dgm:scene3d>
+      <a:camera prst="orthographicFront"/>
+      <a:lightRig rig="threePt" dir="t"/>
+    </dgm:scene3d>
+    <dgm:sp3d/>
+    <dgm:txPr/>
+    <dgm:style>
+      <a:lnRef idx="0">
+        <a:scrgbClr r="0" g="0" b="0"/>
+      </a:lnRef>
+      <a:fillRef idx="1">
+        <a:scrgbClr r="0" g="0" b="0"/>
+      </a:fillRef>
+      <a:effectRef idx="0">
+        <a:scrgbClr r="0" g="0" b="0"/>
+      </a:effectRef>
+      <a:fontRef idx="minor"/>
+    </dgm:style>
+  </dgm:styleLbl>
+  <dgm:styleLbl name="fgShp">
+    <dgm:scene3d>
+      <a:camera prst="orthographicFront"/>
+      <a:lightRig rig="threePt" dir="t"/>
+    </dgm:scene3d>
+    <dgm:sp3d/>
+    <dgm:txPr/>
+    <dgm:style>
+      <a:lnRef idx="2">
+        <a:scrgbClr r="0" g="0" b="0"/>
+      </a:lnRef>
+      <a:fillRef idx="1">
+        <a:scrgbClr r="0" g="0" b="0"/>
+      </a:fillRef>
+      <a:effectRef idx="0">
+        <a:scrgbClr r="0" g="0" b="0"/>
+      </a:effectRef>
+      <a:fontRef idx="minor"/>
+    </dgm:style>
+  </dgm:styleLbl>
+  <dgm:styleLbl name="revTx">
+    <dgm:scene3d>
+      <a:camera prst="orthographicFront"/>
+      <a:lightRig rig="threePt" dir="t"/>
+    </dgm:scene3d>
+    <dgm:sp3d/>
+    <dgm:txPr/>
+    <dgm:style>
+      <a:lnRef idx="0">
+        <a:scrgbClr r="0" g="0" b="0"/>
+      </a:lnRef>
+      <a:fillRef idx="0">
+        <a:scrgbClr r="0" g="0" b="0"/>
+      </a:fillRef>
+      <a:effectRef idx="0">
+        <a:scrgbClr r="0" g="0" b="0"/>
+      </a:effectRef>
+      <a:fontRef idx="minor"/>
+    </dgm:style>
+  </dgm:styleLbl>
+</dgm:styleDef>
 </file>
 
 <file path=ppt/handoutMasters/handoutMaster1.xml><?xml version="1.0" encoding="utf-8"?>
@@ -3553,7 +6088,7 @@
           <a:graphicData uri="http://schemas.openxmlformats.org/presentationml/2006/ole">
             <mc:AlternateContent xmlns:mc="http://schemas.openxmlformats.org/markup-compatibility/2006">
               <mc:Choice xmlns:v="urn:schemas-microsoft-com:vml" Requires="v">
-                <p:oleObj spid="_x0000_s14030" name="ﾌﾘｰﾗﾝｽ 97 図形" r:id="rId17" imgW="20477" imgH="641447" progId="">
+                <p:oleObj spid="_x0000_s14053" name="ﾌﾘｰﾗﾝｽ 97 図形" r:id="rId17" imgW="20477" imgH="641447" progId="">
                   <p:embed/>
                 </p:oleObj>
               </mc:Choice>
@@ -4919,6 +7454,13 @@
   <p:clrMapOvr>
     <a:masterClrMapping/>
   </p:clrMapOvr>
+  <p:timing>
+    <p:tnLst>
+      <p:par>
+        <p:cTn id="1" dur="indefinite" restart="never" nodeType="tmRoot"/>
+      </p:par>
+    </p:tnLst>
+  </p:timing>
 </p:sld>
 </file>
 
@@ -5155,6 +7697,13 @@
   <p:clrMapOvr>
     <a:masterClrMapping/>
   </p:clrMapOvr>
+  <p:timing>
+    <p:tnLst>
+      <p:par>
+        <p:cTn id="1" dur="indefinite" restart="never" nodeType="tmRoot"/>
+      </p:par>
+    </p:tnLst>
+  </p:timing>
 </p:sld>
 </file>
 
@@ -5191,10 +7740,16 @@
           <a:lstStyle/>
           <a:p>
             <a:r>
-              <a:rPr lang="en-US" dirty="0" err="1" smtClean="0"/>
+              <a:rPr lang="en-US" dirty="0" err="1" smtClean="0">
+                <a:latin typeface="Times New Roman" panose="02020603050405020304" pitchFamily="18" charset="0"/>
+                <a:cs typeface="Times New Roman" panose="02020603050405020304" pitchFamily="18" charset="0"/>
+              </a:rPr>
               <a:t>Chatbot</a:t>
             </a:r>
-            <a:endParaRPr lang="en-US" dirty="0"/>
+            <a:endParaRPr lang="en-US" dirty="0">
+              <a:latin typeface="Times New Roman" panose="02020603050405020304" pitchFamily="18" charset="0"/>
+              <a:cs typeface="Times New Roman" panose="02020603050405020304" pitchFamily="18" charset="0"/>
+            </a:endParaRPr>
           </a:p>
         </p:txBody>
       </p:sp>
@@ -5571,42 +8126,42 @@
               <a:buChar char="o"/>
             </a:pPr>
             <a:r>
-              <a:rPr lang="vi-VN" dirty="0" smtClean="0">
+              <a:rPr lang="vi-VN" sz="1600" dirty="0" smtClean="0">
                 <a:latin typeface="Times New Roman" panose="02020603050405020304" pitchFamily="18" charset="0"/>
                 <a:cs typeface="Times New Roman" panose="02020603050405020304" pitchFamily="18" charset="0"/>
               </a:rPr>
               <a:t>Supervised </a:t>
             </a:r>
             <a:r>
-              <a:rPr lang="vi-VN" dirty="0">
+              <a:rPr lang="vi-VN" sz="1600" dirty="0">
                 <a:latin typeface="Times New Roman" panose="02020603050405020304" pitchFamily="18" charset="0"/>
                 <a:cs typeface="Times New Roman" panose="02020603050405020304" pitchFamily="18" charset="0"/>
               </a:rPr>
               <a:t>learning là thuật toán dự đoán đầu ra (outcome) của một dữ liệu mới (new input) dựa trên các cặp (</a:t>
             </a:r>
             <a:r>
-              <a:rPr lang="vi-VN" i="1" dirty="0">
+              <a:rPr lang="vi-VN" sz="1600" i="1" dirty="0">
                 <a:latin typeface="Times New Roman" panose="02020603050405020304" pitchFamily="18" charset="0"/>
                 <a:cs typeface="Times New Roman" panose="02020603050405020304" pitchFamily="18" charset="0"/>
               </a:rPr>
               <a:t>input, outcome</a:t>
             </a:r>
             <a:r>
-              <a:rPr lang="vi-VN" dirty="0">
+              <a:rPr lang="vi-VN" sz="1600" dirty="0">
                 <a:latin typeface="Times New Roman" panose="02020603050405020304" pitchFamily="18" charset="0"/>
                 <a:cs typeface="Times New Roman" panose="02020603050405020304" pitchFamily="18" charset="0"/>
               </a:rPr>
               <a:t>) đã biết từ trước. Cặp dữ liệu này còn được gọi là (</a:t>
             </a:r>
             <a:r>
-              <a:rPr lang="vi-VN" i="1" dirty="0">
+              <a:rPr lang="vi-VN" sz="1600" i="1" dirty="0">
                 <a:latin typeface="Times New Roman" panose="02020603050405020304" pitchFamily="18" charset="0"/>
                 <a:cs typeface="Times New Roman" panose="02020603050405020304" pitchFamily="18" charset="0"/>
               </a:rPr>
               <a:t>data, label</a:t>
             </a:r>
             <a:r>
-              <a:rPr lang="en-US" i="1" dirty="0">
+              <a:rPr lang="en-US" sz="1600" i="1" dirty="0">
                 <a:latin typeface="Times New Roman" panose="02020603050405020304" pitchFamily="18" charset="0"/>
                 <a:cs typeface="Times New Roman" panose="02020603050405020304" pitchFamily="18" charset="0"/>
               </a:rPr>
@@ -5619,7 +8174,873 @@
                 <a:spcPct val="150000"/>
               </a:lnSpc>
             </a:pPr>
+            <a:r>
+              <a:rPr lang="en-US" b="1" dirty="0" err="1" smtClean="0">
+                <a:latin typeface="Times New Roman" panose="02020603050405020304" pitchFamily="18" charset="0"/>
+                <a:cs typeface="Times New Roman" panose="02020603050405020304" pitchFamily="18" charset="0"/>
+              </a:rPr>
+              <a:t>Sử</a:t>
+            </a:r>
+            <a:r>
+              <a:rPr lang="en-US" b="1" dirty="0" smtClean="0">
+                <a:latin typeface="Times New Roman" panose="02020603050405020304" pitchFamily="18" charset="0"/>
+                <a:cs typeface="Times New Roman" panose="02020603050405020304" pitchFamily="18" charset="0"/>
+              </a:rPr>
+              <a:t> </a:t>
+            </a:r>
+            <a:r>
+              <a:rPr lang="en-US" b="1" dirty="0" err="1" smtClean="0">
+                <a:latin typeface="Times New Roman" panose="02020603050405020304" pitchFamily="18" charset="0"/>
+                <a:cs typeface="Times New Roman" panose="02020603050405020304" pitchFamily="18" charset="0"/>
+              </a:rPr>
+              <a:t>dụng</a:t>
+            </a:r>
+            <a:r>
+              <a:rPr lang="en-US" b="1" dirty="0" smtClean="0">
+                <a:latin typeface="Times New Roman" panose="02020603050405020304" pitchFamily="18" charset="0"/>
+                <a:cs typeface="Times New Roman" panose="02020603050405020304" pitchFamily="18" charset="0"/>
+              </a:rPr>
+              <a:t> </a:t>
+            </a:r>
+            <a:r>
+              <a:rPr lang="en-US" b="1" dirty="0" err="1" smtClean="0">
+                <a:latin typeface="Times New Roman" panose="02020603050405020304" pitchFamily="18" charset="0"/>
+                <a:cs typeface="Times New Roman" panose="02020603050405020304" pitchFamily="18" charset="0"/>
+              </a:rPr>
+              <a:t>thuật</a:t>
+            </a:r>
+            <a:r>
+              <a:rPr lang="en-US" b="1" dirty="0" smtClean="0">
+                <a:latin typeface="Times New Roman" panose="02020603050405020304" pitchFamily="18" charset="0"/>
+                <a:cs typeface="Times New Roman" panose="02020603050405020304" pitchFamily="18" charset="0"/>
+              </a:rPr>
+              <a:t> </a:t>
+            </a:r>
+            <a:r>
+              <a:rPr lang="en-US" b="1" dirty="0" err="1" smtClean="0">
+                <a:latin typeface="Times New Roman" panose="02020603050405020304" pitchFamily="18" charset="0"/>
+                <a:cs typeface="Times New Roman" panose="02020603050405020304" pitchFamily="18" charset="0"/>
+              </a:rPr>
+              <a:t>toán</a:t>
+            </a:r>
+            <a:r>
+              <a:rPr lang="en-US" b="1" dirty="0" smtClean="0">
+                <a:latin typeface="Times New Roman" panose="02020603050405020304" pitchFamily="18" charset="0"/>
+                <a:cs typeface="Times New Roman" panose="02020603050405020304" pitchFamily="18" charset="0"/>
+              </a:rPr>
+              <a:t> SLA </a:t>
+            </a:r>
+            <a:r>
+              <a:rPr lang="en-US" b="1" dirty="0" err="1" smtClean="0">
+                <a:latin typeface="Times New Roman" panose="02020603050405020304" pitchFamily="18" charset="0"/>
+                <a:cs typeface="Times New Roman" panose="02020603050405020304" pitchFamily="18" charset="0"/>
+              </a:rPr>
+              <a:t>cho</a:t>
+            </a:r>
+            <a:r>
+              <a:rPr lang="en-US" b="1" dirty="0" smtClean="0">
+                <a:latin typeface="Times New Roman" panose="02020603050405020304" pitchFamily="18" charset="0"/>
+                <a:cs typeface="Times New Roman" panose="02020603050405020304" pitchFamily="18" charset="0"/>
+              </a:rPr>
+              <a:t> </a:t>
+            </a:r>
+            <a:r>
+              <a:rPr lang="en-US" b="1" dirty="0" err="1" smtClean="0">
+                <a:latin typeface="Times New Roman" panose="02020603050405020304" pitchFamily="18" charset="0"/>
+                <a:cs typeface="Times New Roman" panose="02020603050405020304" pitchFamily="18" charset="0"/>
+              </a:rPr>
+              <a:t>chatbot</a:t>
+            </a:r>
+            <a:endParaRPr lang="en-US" b="1" dirty="0" smtClean="0">
+              <a:latin typeface="Times New Roman" panose="02020603050405020304" pitchFamily="18" charset="0"/>
+              <a:cs typeface="Times New Roman" panose="02020603050405020304" pitchFamily="18" charset="0"/>
+            </a:endParaRPr>
+          </a:p>
+          <a:p>
+            <a:pPr lvl="1">
+              <a:lnSpc>
+                <a:spcPct val="150000"/>
+              </a:lnSpc>
+              <a:buFont typeface="Courier New" panose="02070309020205020404" pitchFamily="49" charset="0"/>
+              <a:buChar char="o"/>
+            </a:pPr>
+            <a:r>
+              <a:rPr lang="en-US" dirty="0" err="1" smtClean="0">
+                <a:latin typeface="Times New Roman" panose="02020603050405020304" pitchFamily="18" charset="0"/>
+                <a:cs typeface="Times New Roman" panose="02020603050405020304" pitchFamily="18" charset="0"/>
+              </a:rPr>
+              <a:t>Dữ</a:t>
+            </a:r>
+            <a:r>
+              <a:rPr lang="en-US" dirty="0" smtClean="0">
+                <a:latin typeface="Times New Roman" panose="02020603050405020304" pitchFamily="18" charset="0"/>
+                <a:cs typeface="Times New Roman" panose="02020603050405020304" pitchFamily="18" charset="0"/>
+              </a:rPr>
+              <a:t> </a:t>
+            </a:r>
+            <a:r>
+              <a:rPr lang="en-US" dirty="0" err="1" smtClean="0">
+                <a:latin typeface="Times New Roman" panose="02020603050405020304" pitchFamily="18" charset="0"/>
+                <a:cs typeface="Times New Roman" panose="02020603050405020304" pitchFamily="18" charset="0"/>
+              </a:rPr>
+              <a:t>liệu</a:t>
+            </a:r>
+            <a:r>
+              <a:rPr lang="en-US" dirty="0" smtClean="0">
+                <a:latin typeface="Times New Roman" panose="02020603050405020304" pitchFamily="18" charset="0"/>
+                <a:cs typeface="Times New Roman" panose="02020603050405020304" pitchFamily="18" charset="0"/>
+              </a:rPr>
+              <a:t> </a:t>
+            </a:r>
+            <a:r>
+              <a:rPr lang="en-US" dirty="0" err="1" smtClean="0">
+                <a:latin typeface="Times New Roman" panose="02020603050405020304" pitchFamily="18" charset="0"/>
+                <a:cs typeface="Times New Roman" panose="02020603050405020304" pitchFamily="18" charset="0"/>
+              </a:rPr>
+              <a:t>đã</a:t>
+            </a:r>
+            <a:r>
+              <a:rPr lang="en-US" dirty="0" smtClean="0">
+                <a:latin typeface="Times New Roman" panose="02020603050405020304" pitchFamily="18" charset="0"/>
+                <a:cs typeface="Times New Roman" panose="02020603050405020304" pitchFamily="18" charset="0"/>
+              </a:rPr>
+              <a:t> </a:t>
+            </a:r>
+            <a:r>
+              <a:rPr lang="en-US" dirty="0" err="1" smtClean="0">
+                <a:latin typeface="Times New Roman" panose="02020603050405020304" pitchFamily="18" charset="0"/>
+                <a:cs typeface="Times New Roman" panose="02020603050405020304" pitchFamily="18" charset="0"/>
+              </a:rPr>
+              <a:t>biết</a:t>
+            </a:r>
+            <a:r>
+              <a:rPr lang="en-US" dirty="0" smtClean="0">
+                <a:latin typeface="Times New Roman" panose="02020603050405020304" pitchFamily="18" charset="0"/>
+                <a:cs typeface="Times New Roman" panose="02020603050405020304" pitchFamily="18" charset="0"/>
+              </a:rPr>
+              <a:t> </a:t>
+            </a:r>
+            <a:r>
+              <a:rPr lang="en-US" dirty="0" err="1" smtClean="0">
+                <a:latin typeface="Times New Roman" panose="02020603050405020304" pitchFamily="18" charset="0"/>
+                <a:cs typeface="Times New Roman" panose="02020603050405020304" pitchFamily="18" charset="0"/>
+              </a:rPr>
+              <a:t>từ</a:t>
+            </a:r>
+            <a:r>
+              <a:rPr lang="en-US" dirty="0" smtClean="0">
+                <a:latin typeface="Times New Roman" panose="02020603050405020304" pitchFamily="18" charset="0"/>
+                <a:cs typeface="Times New Roman" panose="02020603050405020304" pitchFamily="18" charset="0"/>
+              </a:rPr>
+              <a:t> </a:t>
+            </a:r>
+            <a:r>
+              <a:rPr lang="en-US" dirty="0" err="1" smtClean="0">
+                <a:latin typeface="Times New Roman" panose="02020603050405020304" pitchFamily="18" charset="0"/>
+                <a:cs typeface="Times New Roman" panose="02020603050405020304" pitchFamily="18" charset="0"/>
+              </a:rPr>
+              <a:t>trước</a:t>
+            </a:r>
+            <a:r>
+              <a:rPr lang="en-US" dirty="0" smtClean="0">
+                <a:latin typeface="Times New Roman" panose="02020603050405020304" pitchFamily="18" charset="0"/>
+                <a:cs typeface="Times New Roman" panose="02020603050405020304" pitchFamily="18" charset="0"/>
+              </a:rPr>
+              <a:t> </a:t>
+            </a:r>
+            <a:r>
+              <a:rPr lang="en-US" dirty="0" err="1" smtClean="0">
+                <a:latin typeface="Times New Roman" panose="02020603050405020304" pitchFamily="18" charset="0"/>
+                <a:cs typeface="Times New Roman" panose="02020603050405020304" pitchFamily="18" charset="0"/>
+              </a:rPr>
+              <a:t>của</a:t>
+            </a:r>
+            <a:r>
+              <a:rPr lang="en-US" dirty="0" smtClean="0">
+                <a:latin typeface="Times New Roman" panose="02020603050405020304" pitchFamily="18" charset="0"/>
+                <a:cs typeface="Times New Roman" panose="02020603050405020304" pitchFamily="18" charset="0"/>
+              </a:rPr>
+              <a:t> bot </a:t>
+            </a:r>
+            <a:r>
+              <a:rPr lang="en-US" dirty="0" err="1" smtClean="0">
+                <a:latin typeface="Times New Roman" panose="02020603050405020304" pitchFamily="18" charset="0"/>
+                <a:cs typeface="Times New Roman" panose="02020603050405020304" pitchFamily="18" charset="0"/>
+              </a:rPr>
+              <a:t>có</a:t>
+            </a:r>
+            <a:r>
+              <a:rPr lang="en-US" dirty="0" smtClean="0">
+                <a:latin typeface="Times New Roman" panose="02020603050405020304" pitchFamily="18" charset="0"/>
+                <a:cs typeface="Times New Roman" panose="02020603050405020304" pitchFamily="18" charset="0"/>
+              </a:rPr>
+              <a:t> </a:t>
+            </a:r>
+            <a:r>
+              <a:rPr lang="en-US" dirty="0" err="1" smtClean="0">
+                <a:latin typeface="Times New Roman" panose="02020603050405020304" pitchFamily="18" charset="0"/>
+                <a:cs typeface="Times New Roman" panose="02020603050405020304" pitchFamily="18" charset="0"/>
+              </a:rPr>
+              <a:t>dạng</a:t>
+            </a:r>
+            <a:r>
+              <a:rPr lang="en-US" dirty="0" smtClean="0">
+                <a:latin typeface="Times New Roman" panose="02020603050405020304" pitchFamily="18" charset="0"/>
+                <a:cs typeface="Times New Roman" panose="02020603050405020304" pitchFamily="18" charset="0"/>
+              </a:rPr>
+              <a:t> </a:t>
+            </a:r>
+            <a:r>
+              <a:rPr lang="en-US" dirty="0" err="1" smtClean="0">
+                <a:latin typeface="Times New Roman" panose="02020603050405020304" pitchFamily="18" charset="0"/>
+                <a:cs typeface="Times New Roman" panose="02020603050405020304" pitchFamily="18" charset="0"/>
+              </a:rPr>
+              <a:t>như</a:t>
+            </a:r>
+            <a:r>
+              <a:rPr lang="en-US" dirty="0" smtClean="0">
+                <a:latin typeface="Times New Roman" panose="02020603050405020304" pitchFamily="18" charset="0"/>
+                <a:cs typeface="Times New Roman" panose="02020603050405020304" pitchFamily="18" charset="0"/>
+              </a:rPr>
+              <a:t> </a:t>
+            </a:r>
+            <a:r>
+              <a:rPr lang="en-US" dirty="0" err="1" smtClean="0">
+                <a:latin typeface="Times New Roman" panose="02020603050405020304" pitchFamily="18" charset="0"/>
+                <a:cs typeface="Times New Roman" panose="02020603050405020304" pitchFamily="18" charset="0"/>
+              </a:rPr>
+              <a:t>sau</a:t>
+            </a:r>
+            <a:r>
+              <a:rPr lang="en-US" dirty="0" smtClean="0">
+                <a:latin typeface="Times New Roman" panose="02020603050405020304" pitchFamily="18" charset="0"/>
+                <a:cs typeface="Times New Roman" panose="02020603050405020304" pitchFamily="18" charset="0"/>
+              </a:rPr>
+              <a:t>: </a:t>
+            </a:r>
+            <a:r>
+              <a:rPr lang="en-US" dirty="0" err="1" smtClean="0">
+                <a:latin typeface="Times New Roman" panose="02020603050405020304" pitchFamily="18" charset="0"/>
+                <a:cs typeface="Times New Roman" panose="02020603050405020304" pitchFamily="18" charset="0"/>
+              </a:rPr>
+              <a:t>Với</a:t>
+            </a:r>
+            <a:r>
+              <a:rPr lang="en-US" dirty="0" smtClean="0">
+                <a:latin typeface="Times New Roman" panose="02020603050405020304" pitchFamily="18" charset="0"/>
+                <a:cs typeface="Times New Roman" panose="02020603050405020304" pitchFamily="18" charset="0"/>
+              </a:rPr>
+              <a:t> </a:t>
+            </a:r>
+            <a:r>
+              <a:rPr lang="en-US" dirty="0" err="1" smtClean="0">
+                <a:latin typeface="Times New Roman" panose="02020603050405020304" pitchFamily="18" charset="0"/>
+                <a:cs typeface="Times New Roman" panose="02020603050405020304" pitchFamily="18" charset="0"/>
+              </a:rPr>
+              <a:t>từng</a:t>
+            </a:r>
+            <a:r>
+              <a:rPr lang="en-US" dirty="0" smtClean="0">
+                <a:latin typeface="Times New Roman" panose="02020603050405020304" pitchFamily="18" charset="0"/>
+                <a:cs typeface="Times New Roman" panose="02020603050405020304" pitchFamily="18" charset="0"/>
+              </a:rPr>
+              <a:t> </a:t>
+            </a:r>
+            <a:r>
+              <a:rPr lang="en-US" dirty="0" err="1" smtClean="0">
+                <a:latin typeface="Times New Roman" panose="02020603050405020304" pitchFamily="18" charset="0"/>
+                <a:cs typeface="Times New Roman" panose="02020603050405020304" pitchFamily="18" charset="0"/>
+              </a:rPr>
+              <a:t>câu</a:t>
+            </a:r>
+            <a:r>
+              <a:rPr lang="en-US" dirty="0" smtClean="0">
+                <a:latin typeface="Times New Roman" panose="02020603050405020304" pitchFamily="18" charset="0"/>
+                <a:cs typeface="Times New Roman" panose="02020603050405020304" pitchFamily="18" charset="0"/>
+              </a:rPr>
+              <a:t>, ta </a:t>
+            </a:r>
+            <a:r>
+              <a:rPr lang="en-US" dirty="0" err="1" smtClean="0">
+                <a:latin typeface="Times New Roman" panose="02020603050405020304" pitchFamily="18" charset="0"/>
+                <a:cs typeface="Times New Roman" panose="02020603050405020304" pitchFamily="18" charset="0"/>
+              </a:rPr>
+              <a:t>sẽ</a:t>
+            </a:r>
+            <a:r>
+              <a:rPr lang="en-US" dirty="0" smtClean="0">
+                <a:latin typeface="Times New Roman" panose="02020603050405020304" pitchFamily="18" charset="0"/>
+                <a:cs typeface="Times New Roman" panose="02020603050405020304" pitchFamily="18" charset="0"/>
+              </a:rPr>
+              <a:t> </a:t>
+            </a:r>
+            <a:r>
+              <a:rPr lang="en-US" dirty="0" err="1" smtClean="0">
+                <a:latin typeface="Times New Roman" panose="02020603050405020304" pitchFamily="18" charset="0"/>
+                <a:cs typeface="Times New Roman" panose="02020603050405020304" pitchFamily="18" charset="0"/>
+              </a:rPr>
+              <a:t>cho</a:t>
+            </a:r>
+            <a:r>
+              <a:rPr lang="en-US" dirty="0" smtClean="0">
+                <a:latin typeface="Times New Roman" panose="02020603050405020304" pitchFamily="18" charset="0"/>
+                <a:cs typeface="Times New Roman" panose="02020603050405020304" pitchFamily="18" charset="0"/>
+              </a:rPr>
+              <a:t> </a:t>
+            </a:r>
+            <a:r>
+              <a:rPr lang="en-US" dirty="0" err="1" smtClean="0">
+                <a:latin typeface="Times New Roman" panose="02020603050405020304" pitchFamily="18" charset="0"/>
+                <a:cs typeface="Times New Roman" panose="02020603050405020304" pitchFamily="18" charset="0"/>
+              </a:rPr>
+              <a:t>chúng</a:t>
+            </a:r>
+            <a:r>
+              <a:rPr lang="en-US" dirty="0" smtClean="0">
+                <a:latin typeface="Times New Roman" panose="02020603050405020304" pitchFamily="18" charset="0"/>
+                <a:cs typeface="Times New Roman" panose="02020603050405020304" pitchFamily="18" charset="0"/>
+              </a:rPr>
+              <a:t> </a:t>
+            </a:r>
+            <a:r>
+              <a:rPr lang="en-US" dirty="0" err="1" smtClean="0">
+                <a:latin typeface="Times New Roman" panose="02020603050405020304" pitchFamily="18" charset="0"/>
+                <a:cs typeface="Times New Roman" panose="02020603050405020304" pitchFamily="18" charset="0"/>
+              </a:rPr>
+              <a:t>thuộc</a:t>
+            </a:r>
+            <a:r>
+              <a:rPr lang="en-US" dirty="0" smtClean="0">
+                <a:latin typeface="Times New Roman" panose="02020603050405020304" pitchFamily="18" charset="0"/>
+                <a:cs typeface="Times New Roman" panose="02020603050405020304" pitchFamily="18" charset="0"/>
+              </a:rPr>
+              <a:t> </a:t>
+            </a:r>
+            <a:r>
+              <a:rPr lang="en-US" dirty="0" err="1" smtClean="0">
+                <a:latin typeface="Times New Roman" panose="02020603050405020304" pitchFamily="18" charset="0"/>
+                <a:cs typeface="Times New Roman" panose="02020603050405020304" pitchFamily="18" charset="0"/>
+              </a:rPr>
+              <a:t>một</a:t>
+            </a:r>
+            <a:r>
+              <a:rPr lang="en-US" dirty="0" smtClean="0">
+                <a:latin typeface="Times New Roman" panose="02020603050405020304" pitchFamily="18" charset="0"/>
+                <a:cs typeface="Times New Roman" panose="02020603050405020304" pitchFamily="18" charset="0"/>
+              </a:rPr>
+              <a:t> </a:t>
+            </a:r>
+            <a:r>
+              <a:rPr lang="en-US" dirty="0" err="1" smtClean="0">
+                <a:latin typeface="Times New Roman" panose="02020603050405020304" pitchFamily="18" charset="0"/>
+                <a:cs typeface="Times New Roman" panose="02020603050405020304" pitchFamily="18" charset="0"/>
+              </a:rPr>
+              <a:t>loại</a:t>
+            </a:r>
+            <a:r>
+              <a:rPr lang="en-US" dirty="0" smtClean="0">
+                <a:latin typeface="Times New Roman" panose="02020603050405020304" pitchFamily="18" charset="0"/>
+                <a:cs typeface="Times New Roman" panose="02020603050405020304" pitchFamily="18" charset="0"/>
+              </a:rPr>
+              <a:t> </a:t>
+            </a:r>
+            <a:r>
+              <a:rPr lang="en-US" dirty="0" err="1" smtClean="0">
+                <a:latin typeface="Times New Roman" panose="02020603050405020304" pitchFamily="18" charset="0"/>
+                <a:cs typeface="Times New Roman" panose="02020603050405020304" pitchFamily="18" charset="0"/>
+              </a:rPr>
+              <a:t>câu</a:t>
+            </a:r>
+            <a:r>
+              <a:rPr lang="en-US" dirty="0" smtClean="0">
+                <a:latin typeface="Times New Roman" panose="02020603050405020304" pitchFamily="18" charset="0"/>
+                <a:cs typeface="Times New Roman" panose="02020603050405020304" pitchFamily="18" charset="0"/>
+              </a:rPr>
+              <a:t> </a:t>
+            </a:r>
+            <a:r>
+              <a:rPr lang="en-US" dirty="0" err="1" smtClean="0">
+                <a:latin typeface="Times New Roman" panose="02020603050405020304" pitchFamily="18" charset="0"/>
+                <a:cs typeface="Times New Roman" panose="02020603050405020304" pitchFamily="18" charset="0"/>
+              </a:rPr>
+              <a:t>nào</a:t>
+            </a:r>
+            <a:r>
+              <a:rPr lang="en-US" dirty="0" smtClean="0">
+                <a:latin typeface="Times New Roman" panose="02020603050405020304" pitchFamily="18" charset="0"/>
+                <a:cs typeface="Times New Roman" panose="02020603050405020304" pitchFamily="18" charset="0"/>
+              </a:rPr>
+              <a:t> </a:t>
+            </a:r>
+            <a:r>
+              <a:rPr lang="en-US" dirty="0" err="1" smtClean="0">
+                <a:latin typeface="Times New Roman" panose="02020603050405020304" pitchFamily="18" charset="0"/>
+                <a:cs typeface="Times New Roman" panose="02020603050405020304" pitchFamily="18" charset="0"/>
+              </a:rPr>
+              <a:t>đó</a:t>
+            </a:r>
+            <a:r>
+              <a:rPr lang="en-US" dirty="0" smtClean="0">
+                <a:latin typeface="Times New Roman" panose="02020603050405020304" pitchFamily="18" charset="0"/>
+                <a:cs typeface="Times New Roman" panose="02020603050405020304" pitchFamily="18" charset="0"/>
+              </a:rPr>
+              <a:t>. </a:t>
+            </a:r>
+            <a:r>
+              <a:rPr lang="en-US" dirty="0" err="1" smtClean="0">
+                <a:latin typeface="Times New Roman" panose="02020603050405020304" pitchFamily="18" charset="0"/>
+                <a:cs typeface="Times New Roman" panose="02020603050405020304" pitchFamily="18" charset="0"/>
+              </a:rPr>
+              <a:t>Ví</a:t>
+            </a:r>
+            <a:r>
+              <a:rPr lang="en-US" dirty="0" smtClean="0">
+                <a:latin typeface="Times New Roman" panose="02020603050405020304" pitchFamily="18" charset="0"/>
+                <a:cs typeface="Times New Roman" panose="02020603050405020304" pitchFamily="18" charset="0"/>
+              </a:rPr>
+              <a:t> </a:t>
+            </a:r>
+            <a:r>
+              <a:rPr lang="en-US" dirty="0" err="1" smtClean="0">
+                <a:latin typeface="Times New Roman" panose="02020603050405020304" pitchFamily="18" charset="0"/>
+                <a:cs typeface="Times New Roman" panose="02020603050405020304" pitchFamily="18" charset="0"/>
+              </a:rPr>
+              <a:t>dụ</a:t>
+            </a:r>
+            <a:r>
+              <a:rPr lang="en-US" dirty="0" smtClean="0">
+                <a:latin typeface="Times New Roman" panose="02020603050405020304" pitchFamily="18" charset="0"/>
+                <a:cs typeface="Times New Roman" panose="02020603050405020304" pitchFamily="18" charset="0"/>
+              </a:rPr>
+              <a:t>: “Xin </a:t>
+            </a:r>
+            <a:r>
+              <a:rPr lang="en-US" dirty="0" err="1" smtClean="0">
+                <a:latin typeface="Times New Roman" panose="02020603050405020304" pitchFamily="18" charset="0"/>
+                <a:cs typeface="Times New Roman" panose="02020603050405020304" pitchFamily="18" charset="0"/>
+              </a:rPr>
+              <a:t>chào</a:t>
+            </a:r>
+            <a:r>
+              <a:rPr lang="en-US" dirty="0" smtClean="0">
+                <a:latin typeface="Times New Roman" panose="02020603050405020304" pitchFamily="18" charset="0"/>
+                <a:cs typeface="Times New Roman" panose="02020603050405020304" pitchFamily="18" charset="0"/>
+              </a:rPr>
+              <a:t>”, “Hello” </a:t>
+            </a:r>
+            <a:r>
+              <a:rPr lang="en-US" dirty="0" err="1" smtClean="0">
+                <a:latin typeface="Times New Roman" panose="02020603050405020304" pitchFamily="18" charset="0"/>
+                <a:cs typeface="Times New Roman" panose="02020603050405020304" pitchFamily="18" charset="0"/>
+              </a:rPr>
+              <a:t>thuộc</a:t>
+            </a:r>
+            <a:r>
+              <a:rPr lang="en-US" dirty="0" smtClean="0">
+                <a:latin typeface="Times New Roman" panose="02020603050405020304" pitchFamily="18" charset="0"/>
+                <a:cs typeface="Times New Roman" panose="02020603050405020304" pitchFamily="18" charset="0"/>
+              </a:rPr>
+              <a:t> </a:t>
+            </a:r>
+            <a:r>
+              <a:rPr lang="en-US" dirty="0" err="1" smtClean="0">
+                <a:latin typeface="Times New Roman" panose="02020603050405020304" pitchFamily="18" charset="0"/>
+                <a:cs typeface="Times New Roman" panose="02020603050405020304" pitchFamily="18" charset="0"/>
+              </a:rPr>
+              <a:t>loại</a:t>
+            </a:r>
+            <a:r>
+              <a:rPr lang="en-US" dirty="0" smtClean="0">
+                <a:latin typeface="Times New Roman" panose="02020603050405020304" pitchFamily="18" charset="0"/>
+                <a:cs typeface="Times New Roman" panose="02020603050405020304" pitchFamily="18" charset="0"/>
+              </a:rPr>
+              <a:t> </a:t>
+            </a:r>
+            <a:r>
+              <a:rPr lang="en-US" dirty="0" err="1" smtClean="0">
+                <a:latin typeface="Times New Roman" panose="02020603050405020304" pitchFamily="18" charset="0"/>
+                <a:cs typeface="Times New Roman" panose="02020603050405020304" pitchFamily="18" charset="0"/>
+              </a:rPr>
+              <a:t>câu</a:t>
+            </a:r>
+            <a:r>
+              <a:rPr lang="en-US" dirty="0" smtClean="0">
+                <a:latin typeface="Times New Roman" panose="02020603050405020304" pitchFamily="18" charset="0"/>
+                <a:cs typeface="Times New Roman" panose="02020603050405020304" pitchFamily="18" charset="0"/>
+              </a:rPr>
+              <a:t> “</a:t>
+            </a:r>
+            <a:r>
+              <a:rPr lang="en-US" dirty="0" err="1" smtClean="0">
+                <a:latin typeface="Times New Roman" panose="02020603050405020304" pitchFamily="18" charset="0"/>
+                <a:cs typeface="Times New Roman" panose="02020603050405020304" pitchFamily="18" charset="0"/>
+              </a:rPr>
+              <a:t>Chào</a:t>
+            </a:r>
+            <a:r>
+              <a:rPr lang="en-US" dirty="0" smtClean="0">
+                <a:latin typeface="Times New Roman" panose="02020603050405020304" pitchFamily="18" charset="0"/>
+                <a:cs typeface="Times New Roman" panose="02020603050405020304" pitchFamily="18" charset="0"/>
+              </a:rPr>
+              <a:t> </a:t>
+            </a:r>
+            <a:r>
+              <a:rPr lang="en-US" dirty="0" err="1" smtClean="0">
+                <a:latin typeface="Times New Roman" panose="02020603050405020304" pitchFamily="18" charset="0"/>
+                <a:cs typeface="Times New Roman" panose="02020603050405020304" pitchFamily="18" charset="0"/>
+              </a:rPr>
+              <a:t>hỏi</a:t>
+            </a:r>
+            <a:r>
+              <a:rPr lang="en-US" dirty="0" smtClean="0">
+                <a:latin typeface="Times New Roman" panose="02020603050405020304" pitchFamily="18" charset="0"/>
+                <a:cs typeface="Times New Roman" panose="02020603050405020304" pitchFamily="18" charset="0"/>
+              </a:rPr>
+              <a:t>” </a:t>
+            </a:r>
+            <a:r>
+              <a:rPr lang="en-US" dirty="0" err="1" smtClean="0">
+                <a:latin typeface="Times New Roman" panose="02020603050405020304" pitchFamily="18" charset="0"/>
+                <a:cs typeface="Times New Roman" panose="02020603050405020304" pitchFamily="18" charset="0"/>
+              </a:rPr>
+              <a:t>hoặc</a:t>
+            </a:r>
+            <a:r>
+              <a:rPr lang="en-US" dirty="0" smtClean="0">
+                <a:latin typeface="Times New Roman" panose="02020603050405020304" pitchFamily="18" charset="0"/>
+                <a:cs typeface="Times New Roman" panose="02020603050405020304" pitchFamily="18" charset="0"/>
+              </a:rPr>
+              <a:t> </a:t>
+            </a:r>
+            <a:r>
+              <a:rPr lang="en-US" dirty="0" err="1" smtClean="0">
+                <a:latin typeface="Times New Roman" panose="02020603050405020304" pitchFamily="18" charset="0"/>
+                <a:cs typeface="Times New Roman" panose="02020603050405020304" pitchFamily="18" charset="0"/>
+              </a:rPr>
+              <a:t>là</a:t>
+            </a:r>
+            <a:r>
+              <a:rPr lang="en-US" dirty="0" smtClean="0">
+                <a:latin typeface="Times New Roman" panose="02020603050405020304" pitchFamily="18" charset="0"/>
+                <a:cs typeface="Times New Roman" panose="02020603050405020304" pitchFamily="18" charset="0"/>
+              </a:rPr>
+              <a:t> “</a:t>
+            </a:r>
+            <a:r>
+              <a:rPr lang="en-US" dirty="0" err="1" smtClean="0">
+                <a:latin typeface="Times New Roman" panose="02020603050405020304" pitchFamily="18" charset="0"/>
+                <a:cs typeface="Times New Roman" panose="02020603050405020304" pitchFamily="18" charset="0"/>
+              </a:rPr>
+              <a:t>Tạm</a:t>
+            </a:r>
+            <a:r>
+              <a:rPr lang="en-US" dirty="0" smtClean="0">
+                <a:latin typeface="Times New Roman" panose="02020603050405020304" pitchFamily="18" charset="0"/>
+                <a:cs typeface="Times New Roman" panose="02020603050405020304" pitchFamily="18" charset="0"/>
+              </a:rPr>
+              <a:t> </a:t>
+            </a:r>
+            <a:r>
+              <a:rPr lang="en-US" dirty="0" err="1" smtClean="0">
+                <a:latin typeface="Times New Roman" panose="02020603050405020304" pitchFamily="18" charset="0"/>
+                <a:cs typeface="Times New Roman" panose="02020603050405020304" pitchFamily="18" charset="0"/>
+              </a:rPr>
+              <a:t>biệt</a:t>
+            </a:r>
+            <a:r>
+              <a:rPr lang="en-US" dirty="0" smtClean="0">
+                <a:latin typeface="Times New Roman" panose="02020603050405020304" pitchFamily="18" charset="0"/>
+                <a:cs typeface="Times New Roman" panose="02020603050405020304" pitchFamily="18" charset="0"/>
+              </a:rPr>
+              <a:t>” </a:t>
+            </a:r>
+            <a:r>
+              <a:rPr lang="en-US" dirty="0" err="1" smtClean="0">
+                <a:latin typeface="Times New Roman" panose="02020603050405020304" pitchFamily="18" charset="0"/>
+                <a:cs typeface="Times New Roman" panose="02020603050405020304" pitchFamily="18" charset="0"/>
+              </a:rPr>
+              <a:t>thuộc</a:t>
+            </a:r>
+            <a:r>
+              <a:rPr lang="en-US" dirty="0" smtClean="0">
+                <a:latin typeface="Times New Roman" panose="02020603050405020304" pitchFamily="18" charset="0"/>
+                <a:cs typeface="Times New Roman" panose="02020603050405020304" pitchFamily="18" charset="0"/>
+              </a:rPr>
+              <a:t> </a:t>
+            </a:r>
+            <a:r>
+              <a:rPr lang="en-US" dirty="0" err="1" smtClean="0">
+                <a:latin typeface="Times New Roman" panose="02020603050405020304" pitchFamily="18" charset="0"/>
+                <a:cs typeface="Times New Roman" panose="02020603050405020304" pitchFamily="18" charset="0"/>
+              </a:rPr>
+              <a:t>loại</a:t>
+            </a:r>
+            <a:r>
+              <a:rPr lang="en-US" dirty="0" smtClean="0">
+                <a:latin typeface="Times New Roman" panose="02020603050405020304" pitchFamily="18" charset="0"/>
+                <a:cs typeface="Times New Roman" panose="02020603050405020304" pitchFamily="18" charset="0"/>
+              </a:rPr>
+              <a:t> </a:t>
+            </a:r>
+            <a:r>
+              <a:rPr lang="en-US" dirty="0" err="1" smtClean="0">
+                <a:latin typeface="Times New Roman" panose="02020603050405020304" pitchFamily="18" charset="0"/>
+                <a:cs typeface="Times New Roman" panose="02020603050405020304" pitchFamily="18" charset="0"/>
+              </a:rPr>
+              <a:t>câu</a:t>
+            </a:r>
+            <a:r>
+              <a:rPr lang="en-US" dirty="0" smtClean="0">
+                <a:latin typeface="Times New Roman" panose="02020603050405020304" pitchFamily="18" charset="0"/>
+                <a:cs typeface="Times New Roman" panose="02020603050405020304" pitchFamily="18" charset="0"/>
+              </a:rPr>
+              <a:t> “</a:t>
+            </a:r>
+            <a:r>
+              <a:rPr lang="en-US" dirty="0" err="1" smtClean="0">
+                <a:latin typeface="Times New Roman" panose="02020603050405020304" pitchFamily="18" charset="0"/>
+                <a:cs typeface="Times New Roman" panose="02020603050405020304" pitchFamily="18" charset="0"/>
+              </a:rPr>
+              <a:t>Từ</a:t>
+            </a:r>
+            <a:r>
+              <a:rPr lang="en-US" dirty="0" smtClean="0">
+                <a:latin typeface="Times New Roman" panose="02020603050405020304" pitchFamily="18" charset="0"/>
+                <a:cs typeface="Times New Roman" panose="02020603050405020304" pitchFamily="18" charset="0"/>
+              </a:rPr>
+              <a:t> </a:t>
+            </a:r>
+            <a:r>
+              <a:rPr lang="en-US" dirty="0" err="1" smtClean="0">
+                <a:latin typeface="Times New Roman" panose="02020603050405020304" pitchFamily="18" charset="0"/>
+                <a:cs typeface="Times New Roman" panose="02020603050405020304" pitchFamily="18" charset="0"/>
+              </a:rPr>
+              <a:t>biệt</a:t>
+            </a:r>
+            <a:r>
+              <a:rPr lang="en-US" dirty="0" smtClean="0">
+                <a:latin typeface="Times New Roman" panose="02020603050405020304" pitchFamily="18" charset="0"/>
+                <a:cs typeface="Times New Roman" panose="02020603050405020304" pitchFamily="18" charset="0"/>
+              </a:rPr>
+              <a:t>”.</a:t>
+            </a:r>
             <a:endParaRPr lang="en-US" dirty="0">
+              <a:latin typeface="Times New Roman" panose="02020603050405020304" pitchFamily="18" charset="0"/>
+              <a:cs typeface="Times New Roman" panose="02020603050405020304" pitchFamily="18" charset="0"/>
+            </a:endParaRPr>
+          </a:p>
+          <a:p>
+            <a:pPr lvl="1">
+              <a:lnSpc>
+                <a:spcPct val="150000"/>
+              </a:lnSpc>
+              <a:buFont typeface="Courier New" panose="02070309020205020404" pitchFamily="49" charset="0"/>
+              <a:buChar char="o"/>
+            </a:pPr>
+            <a:r>
+              <a:rPr lang="en-US" dirty="0" err="1" smtClean="0">
+                <a:latin typeface="Times New Roman" panose="02020603050405020304" pitchFamily="18" charset="0"/>
+                <a:cs typeface="Times New Roman" panose="02020603050405020304" pitchFamily="18" charset="0"/>
+              </a:rPr>
+              <a:t>Sau</a:t>
+            </a:r>
+            <a:r>
+              <a:rPr lang="en-US" dirty="0" smtClean="0">
+                <a:latin typeface="Times New Roman" panose="02020603050405020304" pitchFamily="18" charset="0"/>
+                <a:cs typeface="Times New Roman" panose="02020603050405020304" pitchFamily="18" charset="0"/>
+              </a:rPr>
+              <a:t> </a:t>
+            </a:r>
+            <a:r>
+              <a:rPr lang="en-US" dirty="0" err="1" smtClean="0">
+                <a:latin typeface="Times New Roman" panose="02020603050405020304" pitchFamily="18" charset="0"/>
+                <a:cs typeface="Times New Roman" panose="02020603050405020304" pitchFamily="18" charset="0"/>
+              </a:rPr>
+              <a:t>đó</a:t>
+            </a:r>
+            <a:r>
+              <a:rPr lang="en-US" dirty="0" smtClean="0">
+                <a:latin typeface="Times New Roman" panose="02020603050405020304" pitchFamily="18" charset="0"/>
+                <a:cs typeface="Times New Roman" panose="02020603050405020304" pitchFamily="18" charset="0"/>
+              </a:rPr>
+              <a:t> ta </a:t>
+            </a:r>
+            <a:r>
+              <a:rPr lang="en-US" dirty="0" err="1" smtClean="0">
+                <a:latin typeface="Times New Roman" panose="02020603050405020304" pitchFamily="18" charset="0"/>
+                <a:cs typeface="Times New Roman" panose="02020603050405020304" pitchFamily="18" charset="0"/>
+              </a:rPr>
+              <a:t>xây</a:t>
+            </a:r>
+            <a:r>
+              <a:rPr lang="en-US" dirty="0" smtClean="0">
+                <a:latin typeface="Times New Roman" panose="02020603050405020304" pitchFamily="18" charset="0"/>
+                <a:cs typeface="Times New Roman" panose="02020603050405020304" pitchFamily="18" charset="0"/>
+              </a:rPr>
+              <a:t> </a:t>
+            </a:r>
+            <a:r>
+              <a:rPr lang="en-US" dirty="0" err="1" smtClean="0">
+                <a:latin typeface="Times New Roman" panose="02020603050405020304" pitchFamily="18" charset="0"/>
+                <a:cs typeface="Times New Roman" panose="02020603050405020304" pitchFamily="18" charset="0"/>
+              </a:rPr>
+              <a:t>dựng</a:t>
+            </a:r>
+            <a:r>
+              <a:rPr lang="en-US" dirty="0" smtClean="0">
+                <a:latin typeface="Times New Roman" panose="02020603050405020304" pitchFamily="18" charset="0"/>
+                <a:cs typeface="Times New Roman" panose="02020603050405020304" pitchFamily="18" charset="0"/>
+              </a:rPr>
+              <a:t> </a:t>
+            </a:r>
+            <a:r>
+              <a:rPr lang="en-US" dirty="0" err="1" smtClean="0">
+                <a:latin typeface="Times New Roman" panose="02020603050405020304" pitchFamily="18" charset="0"/>
+                <a:cs typeface="Times New Roman" panose="02020603050405020304" pitchFamily="18" charset="0"/>
+              </a:rPr>
+              <a:t>một</a:t>
+            </a:r>
+            <a:r>
+              <a:rPr lang="en-US" dirty="0" smtClean="0">
+                <a:latin typeface="Times New Roman" panose="02020603050405020304" pitchFamily="18" charset="0"/>
+                <a:cs typeface="Times New Roman" panose="02020603050405020304" pitchFamily="18" charset="0"/>
+              </a:rPr>
+              <a:t> neural network </a:t>
+            </a:r>
+            <a:r>
+              <a:rPr lang="en-US" dirty="0" err="1" smtClean="0">
+                <a:latin typeface="Times New Roman" panose="02020603050405020304" pitchFamily="18" charset="0"/>
+                <a:cs typeface="Times New Roman" panose="02020603050405020304" pitchFamily="18" charset="0"/>
+              </a:rPr>
+              <a:t>để</a:t>
+            </a:r>
+            <a:r>
+              <a:rPr lang="en-US" dirty="0" smtClean="0">
+                <a:latin typeface="Times New Roman" panose="02020603050405020304" pitchFamily="18" charset="0"/>
+                <a:cs typeface="Times New Roman" panose="02020603050405020304" pitchFamily="18" charset="0"/>
+              </a:rPr>
+              <a:t> </a:t>
+            </a:r>
+            <a:r>
+              <a:rPr lang="en-US" dirty="0" err="1" smtClean="0">
+                <a:latin typeface="Times New Roman" panose="02020603050405020304" pitchFamily="18" charset="0"/>
+                <a:cs typeface="Times New Roman" panose="02020603050405020304" pitchFamily="18" charset="0"/>
+              </a:rPr>
+              <a:t>khi</a:t>
+            </a:r>
+            <a:r>
+              <a:rPr lang="en-US" dirty="0" smtClean="0">
+                <a:latin typeface="Times New Roman" panose="02020603050405020304" pitchFamily="18" charset="0"/>
+                <a:cs typeface="Times New Roman" panose="02020603050405020304" pitchFamily="18" charset="0"/>
+              </a:rPr>
+              <a:t> </a:t>
+            </a:r>
+            <a:r>
+              <a:rPr lang="en-US" dirty="0" err="1" smtClean="0">
+                <a:latin typeface="Times New Roman" panose="02020603050405020304" pitchFamily="18" charset="0"/>
+                <a:cs typeface="Times New Roman" panose="02020603050405020304" pitchFamily="18" charset="0"/>
+              </a:rPr>
+              <a:t>có</a:t>
+            </a:r>
+            <a:r>
+              <a:rPr lang="en-US" dirty="0" smtClean="0">
+                <a:latin typeface="Times New Roman" panose="02020603050405020304" pitchFamily="18" charset="0"/>
+                <a:cs typeface="Times New Roman" panose="02020603050405020304" pitchFamily="18" charset="0"/>
+              </a:rPr>
+              <a:t> </a:t>
+            </a:r>
+            <a:r>
+              <a:rPr lang="en-US" dirty="0" err="1" smtClean="0">
+                <a:latin typeface="Times New Roman" panose="02020603050405020304" pitchFamily="18" charset="0"/>
+                <a:cs typeface="Times New Roman" panose="02020603050405020304" pitchFamily="18" charset="0"/>
+              </a:rPr>
+              <a:t>một</a:t>
+            </a:r>
+            <a:r>
+              <a:rPr lang="en-US" dirty="0" smtClean="0">
+                <a:latin typeface="Times New Roman" panose="02020603050405020304" pitchFamily="18" charset="0"/>
+                <a:cs typeface="Times New Roman" panose="02020603050405020304" pitchFamily="18" charset="0"/>
+              </a:rPr>
+              <a:t> input </a:t>
+            </a:r>
+            <a:r>
+              <a:rPr lang="en-US" dirty="0" err="1" smtClean="0">
+                <a:latin typeface="Times New Roman" panose="02020603050405020304" pitchFamily="18" charset="0"/>
+                <a:cs typeface="Times New Roman" panose="02020603050405020304" pitchFamily="18" charset="0"/>
+              </a:rPr>
+              <a:t>mới</a:t>
+            </a:r>
+            <a:r>
+              <a:rPr lang="en-US" dirty="0" smtClean="0">
+                <a:latin typeface="Times New Roman" panose="02020603050405020304" pitchFamily="18" charset="0"/>
+                <a:cs typeface="Times New Roman" panose="02020603050405020304" pitchFamily="18" charset="0"/>
+              </a:rPr>
+              <a:t> ta </a:t>
+            </a:r>
+            <a:r>
+              <a:rPr lang="en-US" dirty="0" err="1" smtClean="0">
+                <a:latin typeface="Times New Roman" panose="02020603050405020304" pitchFamily="18" charset="0"/>
+                <a:cs typeface="Times New Roman" panose="02020603050405020304" pitchFamily="18" charset="0"/>
+              </a:rPr>
+              <a:t>sẽ</a:t>
+            </a:r>
+            <a:r>
+              <a:rPr lang="en-US" dirty="0" smtClean="0">
+                <a:latin typeface="Times New Roman" panose="02020603050405020304" pitchFamily="18" charset="0"/>
+                <a:cs typeface="Times New Roman" panose="02020603050405020304" pitchFamily="18" charset="0"/>
+              </a:rPr>
+              <a:t> </a:t>
+            </a:r>
+            <a:r>
+              <a:rPr lang="en-US" dirty="0" err="1" smtClean="0">
+                <a:latin typeface="Times New Roman" panose="02020603050405020304" pitchFamily="18" charset="0"/>
+                <a:cs typeface="Times New Roman" panose="02020603050405020304" pitchFamily="18" charset="0"/>
+              </a:rPr>
+              <a:t>dự</a:t>
+            </a:r>
+            <a:r>
+              <a:rPr lang="en-US" dirty="0" smtClean="0">
+                <a:latin typeface="Times New Roman" panose="02020603050405020304" pitchFamily="18" charset="0"/>
+                <a:cs typeface="Times New Roman" panose="02020603050405020304" pitchFamily="18" charset="0"/>
+              </a:rPr>
+              <a:t> </a:t>
+            </a:r>
+            <a:r>
+              <a:rPr lang="en-US" dirty="0" err="1" smtClean="0">
+                <a:latin typeface="Times New Roman" panose="02020603050405020304" pitchFamily="18" charset="0"/>
+                <a:cs typeface="Times New Roman" panose="02020603050405020304" pitchFamily="18" charset="0"/>
+              </a:rPr>
+              <a:t>đoán</a:t>
+            </a:r>
+            <a:r>
+              <a:rPr lang="en-US" dirty="0" smtClean="0">
+                <a:latin typeface="Times New Roman" panose="02020603050405020304" pitchFamily="18" charset="0"/>
+                <a:cs typeface="Times New Roman" panose="02020603050405020304" pitchFamily="18" charset="0"/>
+              </a:rPr>
+              <a:t> </a:t>
+            </a:r>
+            <a:r>
+              <a:rPr lang="en-US" dirty="0" err="1" smtClean="0">
+                <a:latin typeface="Times New Roman" panose="02020603050405020304" pitchFamily="18" charset="0"/>
+                <a:cs typeface="Times New Roman" panose="02020603050405020304" pitchFamily="18" charset="0"/>
+              </a:rPr>
+              <a:t>đầu</a:t>
+            </a:r>
+            <a:r>
+              <a:rPr lang="en-US" dirty="0" smtClean="0">
+                <a:latin typeface="Times New Roman" panose="02020603050405020304" pitchFamily="18" charset="0"/>
+                <a:cs typeface="Times New Roman" panose="02020603050405020304" pitchFamily="18" charset="0"/>
+              </a:rPr>
+              <a:t> </a:t>
+            </a:r>
+            <a:r>
+              <a:rPr lang="en-US" dirty="0" err="1" smtClean="0">
+                <a:latin typeface="Times New Roman" panose="02020603050405020304" pitchFamily="18" charset="0"/>
+                <a:cs typeface="Times New Roman" panose="02020603050405020304" pitchFamily="18" charset="0"/>
+              </a:rPr>
+              <a:t>ra.</a:t>
+            </a:r>
+            <a:endParaRPr lang="en-US" dirty="0" smtClean="0">
               <a:latin typeface="Times New Roman" panose="02020603050405020304" pitchFamily="18" charset="0"/>
               <a:cs typeface="Times New Roman" panose="02020603050405020304" pitchFamily="18" charset="0"/>
             </a:endParaRPr>
@@ -5707,7 +9128,1068 @@
           <a:bodyPr/>
           <a:lstStyle/>
           <a:p>
+            <a:r>
+              <a:rPr lang="en-US" dirty="0" smtClean="0">
+                <a:latin typeface="Times New Roman" panose="02020603050405020304" pitchFamily="18" charset="0"/>
+                <a:cs typeface="Times New Roman" panose="02020603050405020304" pitchFamily="18" charset="0"/>
+              </a:rPr>
+              <a:t>Neural network</a:t>
+            </a:r>
+            <a:endParaRPr lang="en-US" dirty="0">
+              <a:latin typeface="Times New Roman" panose="02020603050405020304" pitchFamily="18" charset="0"/>
+              <a:cs typeface="Times New Roman" panose="02020603050405020304" pitchFamily="18" charset="0"/>
+            </a:endParaRPr>
+          </a:p>
+        </p:txBody>
+      </p:sp>
+      <p:sp>
+        <p:nvSpPr>
+          <p:cNvPr id="4" name="Slide Number Placeholder 3"/>
+          <p:cNvSpPr>
+            <a:spLocks noGrp="1"/>
+          </p:cNvSpPr>
+          <p:nvPr>
+            <p:ph type="sldNum" sz="quarter" idx="10"/>
+          </p:nvPr>
+        </p:nvSpPr>
+        <p:spPr/>
+        <p:txBody>
+          <a:bodyPr/>
+          <a:lstStyle/>
+          <a:p>
+            <a:pPr>
+              <a:defRPr/>
+            </a:pPr>
+            <a:fld id="{DF7D7A9D-6521-4C9C-B98B-0A8DAB95E158}" type="slidenum">
+              <a:rPr lang="en-US" altLang="ja-JP" smtClean="0"/>
+              <a:pPr>
+                <a:defRPr/>
+              </a:pPr>
+              <a:t>5</a:t>
+            </a:fld>
+            <a:endParaRPr lang="en-US" altLang="ja-JP"/>
+          </a:p>
+        </p:txBody>
+      </p:sp>
+      <p:pic>
+        <p:nvPicPr>
+          <p:cNvPr id="5" name="Content Placeholder 4"/>
+          <p:cNvPicPr>
+            <a:picLocks noGrp="1" noChangeAspect="1"/>
+          </p:cNvPicPr>
+          <p:nvPr>
+            <p:ph idx="1"/>
+          </p:nvPr>
+        </p:nvPicPr>
+        <p:blipFill>
+          <a:blip r:embed="rId2"/>
+          <a:stretch>
+            <a:fillRect/>
+          </a:stretch>
+        </p:blipFill>
+        <p:spPr>
+          <a:xfrm>
+            <a:off x="1965208" y="1556740"/>
+            <a:ext cx="6076950" cy="3419475"/>
+          </a:xfrm>
+          <a:prstGeom prst="rect">
+            <a:avLst/>
+          </a:prstGeom>
+        </p:spPr>
+      </p:pic>
+    </p:spTree>
+    <p:extLst>
+      <p:ext uri="{BB962C8B-B14F-4D97-AF65-F5344CB8AC3E}">
+        <p14:creationId xmlns:p14="http://schemas.microsoft.com/office/powerpoint/2010/main" val="1072070373"/>
+      </p:ext>
+    </p:extLst>
+  </p:cSld>
+  <p:clrMapOvr>
+    <a:masterClrMapping/>
+  </p:clrMapOvr>
+  <p:timing>
+    <p:tnLst>
+      <p:par>
+        <p:cTn id="1" dur="indefinite" restart="never" nodeType="tmRoot"/>
+      </p:par>
+    </p:tnLst>
+  </p:timing>
+</p:sld>
+</file>
+
+<file path=ppt/slides/slide7.xml><?xml version="1.0" encoding="utf-8"?>
+<p:sld xmlns:a="http://schemas.openxmlformats.org/drawingml/2006/main" xmlns:r="http://schemas.openxmlformats.org/officeDocument/2006/relationships" xmlns:p="http://schemas.openxmlformats.org/presentationml/2006/main">
+  <p:cSld>
+    <p:spTree>
+      <p:nvGrpSpPr>
+        <p:cNvPr id="1" name=""/>
+        <p:cNvGrpSpPr/>
+        <p:nvPr/>
+      </p:nvGrpSpPr>
+      <p:grpSpPr>
+        <a:xfrm>
+          <a:off x="0" y="0"/>
+          <a:ext cx="0" cy="0"/>
+          <a:chOff x="0" y="0"/>
+          <a:chExt cx="0" cy="0"/>
+        </a:xfrm>
+      </p:grpSpPr>
+      <p:sp>
+        <p:nvSpPr>
+          <p:cNvPr id="3" name="Content Placeholder 2"/>
+          <p:cNvSpPr>
+            <a:spLocks noGrp="1"/>
+          </p:cNvSpPr>
+          <p:nvPr>
+            <p:ph idx="1"/>
+          </p:nvPr>
+        </p:nvSpPr>
+        <p:spPr/>
+        <p:txBody>
+          <a:bodyPr/>
+          <a:lstStyle/>
+          <a:p>
+            <a:pPr>
+              <a:lnSpc>
+                <a:spcPct val="150000"/>
+              </a:lnSpc>
+            </a:pPr>
+            <a:r>
+              <a:rPr lang="en-US" dirty="0" err="1" smtClean="0">
+                <a:latin typeface="Times New Roman" panose="02020603050405020304" pitchFamily="18" charset="0"/>
+                <a:cs typeface="Times New Roman" panose="02020603050405020304" pitchFamily="18" charset="0"/>
+              </a:rPr>
+              <a:t>Mô</a:t>
+            </a:r>
+            <a:r>
+              <a:rPr lang="en-US" dirty="0" smtClean="0">
+                <a:latin typeface="Times New Roman" panose="02020603050405020304" pitchFamily="18" charset="0"/>
+                <a:cs typeface="Times New Roman" panose="02020603050405020304" pitchFamily="18" charset="0"/>
+              </a:rPr>
+              <a:t> </a:t>
+            </a:r>
+            <a:r>
+              <a:rPr lang="en-US" dirty="0" err="1" smtClean="0">
+                <a:latin typeface="Times New Roman" panose="02020603050405020304" pitchFamily="18" charset="0"/>
+                <a:cs typeface="Times New Roman" panose="02020603050405020304" pitchFamily="18" charset="0"/>
+              </a:rPr>
+              <a:t>hình</a:t>
+            </a:r>
+            <a:r>
+              <a:rPr lang="en-US" dirty="0" smtClean="0">
+                <a:latin typeface="Times New Roman" panose="02020603050405020304" pitchFamily="18" charset="0"/>
+                <a:cs typeface="Times New Roman" panose="02020603050405020304" pitchFamily="18" charset="0"/>
+              </a:rPr>
+              <a:t> </a:t>
+            </a:r>
+            <a:r>
+              <a:rPr lang="en-US" dirty="0" err="1" smtClean="0">
+                <a:latin typeface="Times New Roman" panose="02020603050405020304" pitchFamily="18" charset="0"/>
+                <a:cs typeface="Times New Roman" panose="02020603050405020304" pitchFamily="18" charset="0"/>
+              </a:rPr>
+              <a:t>chương</a:t>
+            </a:r>
+            <a:r>
+              <a:rPr lang="en-US" dirty="0" smtClean="0">
+                <a:latin typeface="Times New Roman" panose="02020603050405020304" pitchFamily="18" charset="0"/>
+                <a:cs typeface="Times New Roman" panose="02020603050405020304" pitchFamily="18" charset="0"/>
+              </a:rPr>
+              <a:t> </a:t>
+            </a:r>
+            <a:r>
+              <a:rPr lang="en-US" dirty="0" err="1" smtClean="0">
+                <a:latin typeface="Times New Roman" panose="02020603050405020304" pitchFamily="18" charset="0"/>
+                <a:cs typeface="Times New Roman" panose="02020603050405020304" pitchFamily="18" charset="0"/>
+              </a:rPr>
+              <a:t>trình</a:t>
+            </a:r>
+            <a:r>
+              <a:rPr lang="en-US" dirty="0" smtClean="0">
+                <a:latin typeface="Times New Roman" panose="02020603050405020304" pitchFamily="18" charset="0"/>
+                <a:cs typeface="Times New Roman" panose="02020603050405020304" pitchFamily="18" charset="0"/>
+              </a:rPr>
+              <a:t>:</a:t>
+            </a:r>
+          </a:p>
+          <a:p>
+            <a:pPr marL="0" indent="0">
+              <a:lnSpc>
+                <a:spcPct val="150000"/>
+              </a:lnSpc>
+              <a:buNone/>
+            </a:pPr>
+            <a:endParaRPr lang="en-US" dirty="0">
+              <a:latin typeface="Times New Roman" panose="02020603050405020304" pitchFamily="18" charset="0"/>
+              <a:cs typeface="Times New Roman" panose="02020603050405020304" pitchFamily="18" charset="0"/>
+            </a:endParaRPr>
+          </a:p>
+          <a:p>
+            <a:pPr>
+              <a:lnSpc>
+                <a:spcPct val="150000"/>
+              </a:lnSpc>
+            </a:pPr>
+            <a:r>
+              <a:rPr lang="en-US" dirty="0" smtClean="0">
+                <a:latin typeface="Times New Roman" panose="02020603050405020304" pitchFamily="18" charset="0"/>
+                <a:cs typeface="Times New Roman" panose="02020603050405020304" pitchFamily="18" charset="0"/>
+              </a:rPr>
+              <a:t>Chi </a:t>
+            </a:r>
+            <a:r>
+              <a:rPr lang="en-US" dirty="0" err="1" smtClean="0">
+                <a:latin typeface="Times New Roman" panose="02020603050405020304" pitchFamily="18" charset="0"/>
+                <a:cs typeface="Times New Roman" panose="02020603050405020304" pitchFamily="18" charset="0"/>
+              </a:rPr>
+              <a:t>tiết</a:t>
+            </a:r>
+            <a:r>
+              <a:rPr lang="en-US" dirty="0" smtClean="0">
+                <a:latin typeface="Times New Roman" panose="02020603050405020304" pitchFamily="18" charset="0"/>
+                <a:cs typeface="Times New Roman" panose="02020603050405020304" pitchFamily="18" charset="0"/>
+              </a:rPr>
+              <a:t> </a:t>
+            </a:r>
+            <a:r>
+              <a:rPr lang="en-US" dirty="0" err="1" smtClean="0">
+                <a:latin typeface="Times New Roman" panose="02020603050405020304" pitchFamily="18" charset="0"/>
+                <a:cs typeface="Times New Roman" panose="02020603050405020304" pitchFamily="18" charset="0"/>
+              </a:rPr>
+              <a:t>mô</a:t>
+            </a:r>
+            <a:r>
+              <a:rPr lang="en-US" dirty="0" smtClean="0">
+                <a:latin typeface="Times New Roman" panose="02020603050405020304" pitchFamily="18" charset="0"/>
+                <a:cs typeface="Times New Roman" panose="02020603050405020304" pitchFamily="18" charset="0"/>
+              </a:rPr>
+              <a:t> </a:t>
+            </a:r>
+            <a:r>
+              <a:rPr lang="en-US" dirty="0" err="1" smtClean="0">
+                <a:latin typeface="Times New Roman" panose="02020603050405020304" pitchFamily="18" charset="0"/>
+                <a:cs typeface="Times New Roman" panose="02020603050405020304" pitchFamily="18" charset="0"/>
+              </a:rPr>
+              <a:t>hình</a:t>
+            </a:r>
+            <a:r>
+              <a:rPr lang="en-US" dirty="0" smtClean="0">
+                <a:latin typeface="Times New Roman" panose="02020603050405020304" pitchFamily="18" charset="0"/>
+                <a:cs typeface="Times New Roman" panose="02020603050405020304" pitchFamily="18" charset="0"/>
+              </a:rPr>
+              <a:t>:</a:t>
+            </a:r>
+          </a:p>
+          <a:p>
+            <a:pPr lvl="1">
+              <a:lnSpc>
+                <a:spcPct val="150000"/>
+              </a:lnSpc>
+            </a:pPr>
+            <a:r>
+              <a:rPr lang="en-US" dirty="0" smtClean="0">
+                <a:latin typeface="Times New Roman" panose="02020603050405020304" pitchFamily="18" charset="0"/>
+                <a:cs typeface="Times New Roman" panose="02020603050405020304" pitchFamily="18" charset="0"/>
+              </a:rPr>
+              <a:t>Node.js:</a:t>
+            </a:r>
+          </a:p>
+          <a:p>
+            <a:pPr lvl="2">
+              <a:lnSpc>
+                <a:spcPct val="150000"/>
+              </a:lnSpc>
+            </a:pPr>
+            <a:r>
+              <a:rPr lang="en-US" dirty="0" err="1" smtClean="0">
+                <a:latin typeface="Times New Roman" panose="02020603050405020304" pitchFamily="18" charset="0"/>
+                <a:cs typeface="Times New Roman" panose="02020603050405020304" pitchFamily="18" charset="0"/>
+              </a:rPr>
+              <a:t>Hiện</a:t>
+            </a:r>
+            <a:r>
+              <a:rPr lang="en-US" dirty="0" smtClean="0">
+                <a:latin typeface="Times New Roman" panose="02020603050405020304" pitchFamily="18" charset="0"/>
+                <a:cs typeface="Times New Roman" panose="02020603050405020304" pitchFamily="18" charset="0"/>
+              </a:rPr>
+              <a:t> </a:t>
+            </a:r>
+            <a:r>
+              <a:rPr lang="en-US" dirty="0" err="1" smtClean="0">
+                <a:latin typeface="Times New Roman" panose="02020603050405020304" pitchFamily="18" charset="0"/>
+                <a:cs typeface="Times New Roman" panose="02020603050405020304" pitchFamily="18" charset="0"/>
+              </a:rPr>
+              <a:t>thị</a:t>
+            </a:r>
+            <a:r>
+              <a:rPr lang="en-US" dirty="0" smtClean="0">
+                <a:latin typeface="Times New Roman" panose="02020603050405020304" pitchFamily="18" charset="0"/>
+                <a:cs typeface="Times New Roman" panose="02020603050405020304" pitchFamily="18" charset="0"/>
+              </a:rPr>
+              <a:t> </a:t>
+            </a:r>
+            <a:r>
+              <a:rPr lang="en-US" dirty="0" err="1" smtClean="0">
+                <a:latin typeface="Times New Roman" panose="02020603050405020304" pitchFamily="18" charset="0"/>
+                <a:cs typeface="Times New Roman" panose="02020603050405020304" pitchFamily="18" charset="0"/>
+              </a:rPr>
+              <a:t>giao</a:t>
+            </a:r>
+            <a:r>
+              <a:rPr lang="en-US" dirty="0" smtClean="0">
+                <a:latin typeface="Times New Roman" panose="02020603050405020304" pitchFamily="18" charset="0"/>
+                <a:cs typeface="Times New Roman" panose="02020603050405020304" pitchFamily="18" charset="0"/>
+              </a:rPr>
+              <a:t> </a:t>
+            </a:r>
+            <a:r>
+              <a:rPr lang="en-US" dirty="0" err="1" smtClean="0">
+                <a:latin typeface="Times New Roman" panose="02020603050405020304" pitchFamily="18" charset="0"/>
+                <a:cs typeface="Times New Roman" panose="02020603050405020304" pitchFamily="18" charset="0"/>
+              </a:rPr>
+              <a:t>diện</a:t>
+            </a:r>
+            <a:r>
+              <a:rPr lang="en-US" dirty="0" smtClean="0">
+                <a:latin typeface="Times New Roman" panose="02020603050405020304" pitchFamily="18" charset="0"/>
+                <a:cs typeface="Times New Roman" panose="02020603050405020304" pitchFamily="18" charset="0"/>
+              </a:rPr>
+              <a:t> </a:t>
+            </a:r>
+            <a:r>
+              <a:rPr lang="en-US" dirty="0" err="1" smtClean="0">
+                <a:latin typeface="Times New Roman" panose="02020603050405020304" pitchFamily="18" charset="0"/>
+                <a:cs typeface="Times New Roman" panose="02020603050405020304" pitchFamily="18" charset="0"/>
+              </a:rPr>
+              <a:t>người</a:t>
+            </a:r>
+            <a:r>
+              <a:rPr lang="en-US" dirty="0" smtClean="0">
+                <a:latin typeface="Times New Roman" panose="02020603050405020304" pitchFamily="18" charset="0"/>
+                <a:cs typeface="Times New Roman" panose="02020603050405020304" pitchFamily="18" charset="0"/>
+              </a:rPr>
+              <a:t> </a:t>
+            </a:r>
+            <a:r>
+              <a:rPr lang="en-US" dirty="0" err="1" smtClean="0">
+                <a:latin typeface="Times New Roman" panose="02020603050405020304" pitchFamily="18" charset="0"/>
+                <a:cs typeface="Times New Roman" panose="02020603050405020304" pitchFamily="18" charset="0"/>
+              </a:rPr>
+              <a:t>dùng</a:t>
+            </a:r>
+            <a:r>
+              <a:rPr lang="en-US" dirty="0" smtClean="0">
+                <a:latin typeface="Times New Roman" panose="02020603050405020304" pitchFamily="18" charset="0"/>
+                <a:cs typeface="Times New Roman" panose="02020603050405020304" pitchFamily="18" charset="0"/>
+              </a:rPr>
+              <a:t>.</a:t>
+            </a:r>
+          </a:p>
+          <a:p>
+            <a:pPr lvl="2">
+              <a:lnSpc>
+                <a:spcPct val="150000"/>
+              </a:lnSpc>
+            </a:pPr>
+            <a:r>
+              <a:rPr lang="en-US" dirty="0" err="1" smtClean="0">
+                <a:latin typeface="Times New Roman" panose="02020603050405020304" pitchFamily="18" charset="0"/>
+                <a:cs typeface="Times New Roman" panose="02020603050405020304" pitchFamily="18" charset="0"/>
+              </a:rPr>
+              <a:t>Nhận</a:t>
+            </a:r>
+            <a:r>
+              <a:rPr lang="en-US" dirty="0" smtClean="0">
+                <a:latin typeface="Times New Roman" panose="02020603050405020304" pitchFamily="18" charset="0"/>
+                <a:cs typeface="Times New Roman" panose="02020603050405020304" pitchFamily="18" charset="0"/>
+              </a:rPr>
+              <a:t> </a:t>
+            </a:r>
+            <a:r>
+              <a:rPr lang="en-US" dirty="0" err="1" smtClean="0">
+                <a:latin typeface="Times New Roman" panose="02020603050405020304" pitchFamily="18" charset="0"/>
+                <a:cs typeface="Times New Roman" panose="02020603050405020304" pitchFamily="18" charset="0"/>
+              </a:rPr>
+              <a:t>câu</a:t>
+            </a:r>
+            <a:r>
+              <a:rPr lang="en-US" dirty="0" smtClean="0">
+                <a:latin typeface="Times New Roman" panose="02020603050405020304" pitchFamily="18" charset="0"/>
+                <a:cs typeface="Times New Roman" panose="02020603050405020304" pitchFamily="18" charset="0"/>
+              </a:rPr>
+              <a:t> </a:t>
+            </a:r>
+            <a:r>
+              <a:rPr lang="en-US" dirty="0" err="1" smtClean="0">
+                <a:latin typeface="Times New Roman" panose="02020603050405020304" pitchFamily="18" charset="0"/>
+                <a:cs typeface="Times New Roman" panose="02020603050405020304" pitchFamily="18" charset="0"/>
+              </a:rPr>
+              <a:t>hỏi</a:t>
+            </a:r>
+            <a:r>
+              <a:rPr lang="en-US" dirty="0" smtClean="0">
+                <a:latin typeface="Times New Roman" panose="02020603050405020304" pitchFamily="18" charset="0"/>
+                <a:cs typeface="Times New Roman" panose="02020603050405020304" pitchFamily="18" charset="0"/>
+              </a:rPr>
+              <a:t> </a:t>
+            </a:r>
+            <a:r>
+              <a:rPr lang="en-US" dirty="0" err="1" smtClean="0">
+                <a:latin typeface="Times New Roman" panose="02020603050405020304" pitchFamily="18" charset="0"/>
+                <a:cs typeface="Times New Roman" panose="02020603050405020304" pitchFamily="18" charset="0"/>
+              </a:rPr>
+              <a:t>từ</a:t>
+            </a:r>
+            <a:r>
+              <a:rPr lang="en-US" dirty="0" smtClean="0">
+                <a:latin typeface="Times New Roman" panose="02020603050405020304" pitchFamily="18" charset="0"/>
+                <a:cs typeface="Times New Roman" panose="02020603050405020304" pitchFamily="18" charset="0"/>
+              </a:rPr>
+              <a:t> user </a:t>
+            </a:r>
+            <a:r>
+              <a:rPr lang="en-US" dirty="0" err="1" smtClean="0">
+                <a:latin typeface="Times New Roman" panose="02020603050405020304" pitchFamily="18" charset="0"/>
+                <a:cs typeface="Times New Roman" panose="02020603050405020304" pitchFamily="18" charset="0"/>
+              </a:rPr>
+              <a:t>và</a:t>
+            </a:r>
+            <a:r>
+              <a:rPr lang="en-US" dirty="0" smtClean="0">
+                <a:latin typeface="Times New Roman" panose="02020603050405020304" pitchFamily="18" charset="0"/>
+                <a:cs typeface="Times New Roman" panose="02020603050405020304" pitchFamily="18" charset="0"/>
+              </a:rPr>
+              <a:t> </a:t>
+            </a:r>
+            <a:r>
+              <a:rPr lang="en-US" dirty="0" err="1" smtClean="0">
+                <a:latin typeface="Times New Roman" panose="02020603050405020304" pitchFamily="18" charset="0"/>
+                <a:cs typeface="Times New Roman" panose="02020603050405020304" pitchFamily="18" charset="0"/>
+              </a:rPr>
+              <a:t>gửi</a:t>
+            </a:r>
+            <a:r>
+              <a:rPr lang="en-US" dirty="0" smtClean="0">
+                <a:latin typeface="Times New Roman" panose="02020603050405020304" pitchFamily="18" charset="0"/>
+                <a:cs typeface="Times New Roman" panose="02020603050405020304" pitchFamily="18" charset="0"/>
+              </a:rPr>
+              <a:t> </a:t>
+            </a:r>
+            <a:r>
+              <a:rPr lang="en-US" dirty="0" err="1" smtClean="0">
+                <a:latin typeface="Times New Roman" panose="02020603050405020304" pitchFamily="18" charset="0"/>
+                <a:cs typeface="Times New Roman" panose="02020603050405020304" pitchFamily="18" charset="0"/>
+              </a:rPr>
+              <a:t>tới</a:t>
+            </a:r>
+            <a:r>
+              <a:rPr lang="en-US" dirty="0" smtClean="0">
+                <a:latin typeface="Times New Roman" panose="02020603050405020304" pitchFamily="18" charset="0"/>
+                <a:cs typeface="Times New Roman" panose="02020603050405020304" pitchFamily="18" charset="0"/>
+              </a:rPr>
+              <a:t> Flask.</a:t>
+            </a:r>
+          </a:p>
+          <a:p>
+            <a:pPr lvl="1">
+              <a:lnSpc>
+                <a:spcPct val="150000"/>
+              </a:lnSpc>
+            </a:pPr>
+            <a:r>
+              <a:rPr lang="en-US" dirty="0" smtClean="0">
+                <a:latin typeface="Times New Roman" panose="02020603050405020304" pitchFamily="18" charset="0"/>
+                <a:cs typeface="Times New Roman" panose="02020603050405020304" pitchFamily="18" charset="0"/>
+              </a:rPr>
+              <a:t>Flask:</a:t>
+            </a:r>
+          </a:p>
+          <a:p>
+            <a:pPr lvl="2">
+              <a:lnSpc>
+                <a:spcPct val="150000"/>
+              </a:lnSpc>
+            </a:pPr>
+            <a:r>
+              <a:rPr lang="en-US" dirty="0" smtClean="0">
+                <a:latin typeface="Times New Roman" panose="02020603050405020304" pitchFamily="18" charset="0"/>
+                <a:cs typeface="Times New Roman" panose="02020603050405020304" pitchFamily="18" charset="0"/>
+              </a:rPr>
+              <a:t>Flask </a:t>
+            </a:r>
+            <a:r>
+              <a:rPr lang="en-US" dirty="0" err="1" smtClean="0">
+                <a:latin typeface="Times New Roman" panose="02020603050405020304" pitchFamily="18" charset="0"/>
+                <a:cs typeface="Times New Roman" panose="02020603050405020304" pitchFamily="18" charset="0"/>
+              </a:rPr>
+              <a:t>nhận</a:t>
+            </a:r>
+            <a:r>
+              <a:rPr lang="en-US" dirty="0" smtClean="0">
+                <a:latin typeface="Times New Roman" panose="02020603050405020304" pitchFamily="18" charset="0"/>
+                <a:cs typeface="Times New Roman" panose="02020603050405020304" pitchFamily="18" charset="0"/>
+              </a:rPr>
+              <a:t> </a:t>
+            </a:r>
+            <a:r>
+              <a:rPr lang="en-US" dirty="0" err="1" smtClean="0">
+                <a:latin typeface="Times New Roman" panose="02020603050405020304" pitchFamily="18" charset="0"/>
+                <a:cs typeface="Times New Roman" panose="02020603050405020304" pitchFamily="18" charset="0"/>
+              </a:rPr>
+              <a:t>dữ</a:t>
+            </a:r>
+            <a:r>
+              <a:rPr lang="en-US" dirty="0" smtClean="0">
+                <a:latin typeface="Times New Roman" panose="02020603050405020304" pitchFamily="18" charset="0"/>
+                <a:cs typeface="Times New Roman" panose="02020603050405020304" pitchFamily="18" charset="0"/>
+              </a:rPr>
+              <a:t> </a:t>
+            </a:r>
+            <a:r>
+              <a:rPr lang="en-US" dirty="0" err="1" smtClean="0">
+                <a:latin typeface="Times New Roman" panose="02020603050405020304" pitchFamily="18" charset="0"/>
+                <a:cs typeface="Times New Roman" panose="02020603050405020304" pitchFamily="18" charset="0"/>
+              </a:rPr>
+              <a:t>liệu</a:t>
+            </a:r>
+            <a:r>
+              <a:rPr lang="en-US" dirty="0" smtClean="0">
+                <a:latin typeface="Times New Roman" panose="02020603050405020304" pitchFamily="18" charset="0"/>
+                <a:cs typeface="Times New Roman" panose="02020603050405020304" pitchFamily="18" charset="0"/>
+              </a:rPr>
+              <a:t> </a:t>
+            </a:r>
+            <a:r>
+              <a:rPr lang="en-US" dirty="0" err="1" smtClean="0">
+                <a:latin typeface="Times New Roman" panose="02020603050405020304" pitchFamily="18" charset="0"/>
+                <a:cs typeface="Times New Roman" panose="02020603050405020304" pitchFamily="18" charset="0"/>
+              </a:rPr>
+              <a:t>từ</a:t>
+            </a:r>
+            <a:r>
+              <a:rPr lang="en-US" dirty="0" smtClean="0">
+                <a:latin typeface="Times New Roman" panose="02020603050405020304" pitchFamily="18" charset="0"/>
+                <a:cs typeface="Times New Roman" panose="02020603050405020304" pitchFamily="18" charset="0"/>
+              </a:rPr>
+              <a:t> Node.js, </a:t>
+            </a:r>
+            <a:r>
+              <a:rPr lang="en-US" dirty="0" err="1" smtClean="0">
+                <a:latin typeface="Times New Roman" panose="02020603050405020304" pitchFamily="18" charset="0"/>
+                <a:cs typeface="Times New Roman" panose="02020603050405020304" pitchFamily="18" charset="0"/>
+              </a:rPr>
+              <a:t>sau</a:t>
+            </a:r>
+            <a:r>
+              <a:rPr lang="en-US" dirty="0" smtClean="0">
+                <a:latin typeface="Times New Roman" panose="02020603050405020304" pitchFamily="18" charset="0"/>
+                <a:cs typeface="Times New Roman" panose="02020603050405020304" pitchFamily="18" charset="0"/>
+              </a:rPr>
+              <a:t> </a:t>
+            </a:r>
+            <a:r>
+              <a:rPr lang="en-US" dirty="0" err="1" smtClean="0">
+                <a:latin typeface="Times New Roman" panose="02020603050405020304" pitchFamily="18" charset="0"/>
+                <a:cs typeface="Times New Roman" panose="02020603050405020304" pitchFamily="18" charset="0"/>
+              </a:rPr>
+              <a:t>đó</a:t>
+            </a:r>
+            <a:r>
+              <a:rPr lang="en-US" dirty="0" smtClean="0">
+                <a:latin typeface="Times New Roman" panose="02020603050405020304" pitchFamily="18" charset="0"/>
+                <a:cs typeface="Times New Roman" panose="02020603050405020304" pitchFamily="18" charset="0"/>
+              </a:rPr>
+              <a:t> </a:t>
+            </a:r>
+            <a:r>
+              <a:rPr lang="en-US" dirty="0" err="1" smtClean="0">
+                <a:latin typeface="Times New Roman" panose="02020603050405020304" pitchFamily="18" charset="0"/>
+                <a:cs typeface="Times New Roman" panose="02020603050405020304" pitchFamily="18" charset="0"/>
+              </a:rPr>
+              <a:t>dự</a:t>
+            </a:r>
+            <a:r>
+              <a:rPr lang="en-US" dirty="0" smtClean="0">
+                <a:latin typeface="Times New Roman" panose="02020603050405020304" pitchFamily="18" charset="0"/>
+                <a:cs typeface="Times New Roman" panose="02020603050405020304" pitchFamily="18" charset="0"/>
+              </a:rPr>
+              <a:t> </a:t>
+            </a:r>
+            <a:r>
+              <a:rPr lang="en-US" dirty="0" err="1" smtClean="0">
+                <a:latin typeface="Times New Roman" panose="02020603050405020304" pitchFamily="18" charset="0"/>
+                <a:cs typeface="Times New Roman" panose="02020603050405020304" pitchFamily="18" charset="0"/>
+              </a:rPr>
+              <a:t>đoán</a:t>
+            </a:r>
+            <a:r>
+              <a:rPr lang="en-US" dirty="0" smtClean="0">
+                <a:latin typeface="Times New Roman" panose="02020603050405020304" pitchFamily="18" charset="0"/>
+                <a:cs typeface="Times New Roman" panose="02020603050405020304" pitchFamily="18" charset="0"/>
+              </a:rPr>
+              <a:t> </a:t>
+            </a:r>
+            <a:r>
+              <a:rPr lang="en-US" dirty="0" err="1" smtClean="0">
+                <a:latin typeface="Times New Roman" panose="02020603050405020304" pitchFamily="18" charset="0"/>
+                <a:cs typeface="Times New Roman" panose="02020603050405020304" pitchFamily="18" charset="0"/>
+              </a:rPr>
+              <a:t>câu</a:t>
+            </a:r>
+            <a:r>
+              <a:rPr lang="en-US" dirty="0">
+                <a:latin typeface="Times New Roman" panose="02020603050405020304" pitchFamily="18" charset="0"/>
+                <a:cs typeface="Times New Roman" panose="02020603050405020304" pitchFamily="18" charset="0"/>
+              </a:rPr>
+              <a:t> </a:t>
+            </a:r>
+            <a:r>
+              <a:rPr lang="en-US" dirty="0" err="1" smtClean="0">
+                <a:latin typeface="Times New Roman" panose="02020603050405020304" pitchFamily="18" charset="0"/>
+                <a:cs typeface="Times New Roman" panose="02020603050405020304" pitchFamily="18" charset="0"/>
+              </a:rPr>
+              <a:t>đó</a:t>
+            </a:r>
+            <a:r>
+              <a:rPr lang="en-US" dirty="0" smtClean="0">
+                <a:latin typeface="Times New Roman" panose="02020603050405020304" pitchFamily="18" charset="0"/>
+                <a:cs typeface="Times New Roman" panose="02020603050405020304" pitchFamily="18" charset="0"/>
+              </a:rPr>
+              <a:t> </a:t>
+            </a:r>
+            <a:r>
+              <a:rPr lang="en-US" dirty="0" err="1" smtClean="0">
+                <a:latin typeface="Times New Roman" panose="02020603050405020304" pitchFamily="18" charset="0"/>
+                <a:cs typeface="Times New Roman" panose="02020603050405020304" pitchFamily="18" charset="0"/>
+              </a:rPr>
+              <a:t>thuộc</a:t>
+            </a:r>
+            <a:r>
+              <a:rPr lang="en-US" dirty="0" smtClean="0">
+                <a:latin typeface="Times New Roman" panose="02020603050405020304" pitchFamily="18" charset="0"/>
+                <a:cs typeface="Times New Roman" panose="02020603050405020304" pitchFamily="18" charset="0"/>
+              </a:rPr>
+              <a:t> </a:t>
+            </a:r>
+            <a:r>
+              <a:rPr lang="en-US" dirty="0" err="1" smtClean="0">
+                <a:latin typeface="Times New Roman" panose="02020603050405020304" pitchFamily="18" charset="0"/>
+                <a:cs typeface="Times New Roman" panose="02020603050405020304" pitchFamily="18" charset="0"/>
+              </a:rPr>
+              <a:t>loại</a:t>
+            </a:r>
+            <a:r>
+              <a:rPr lang="en-US" dirty="0" smtClean="0">
+                <a:latin typeface="Times New Roman" panose="02020603050405020304" pitchFamily="18" charset="0"/>
+                <a:cs typeface="Times New Roman" panose="02020603050405020304" pitchFamily="18" charset="0"/>
+              </a:rPr>
+              <a:t> </a:t>
+            </a:r>
+            <a:r>
+              <a:rPr lang="en-US" dirty="0" err="1" smtClean="0">
+                <a:latin typeface="Times New Roman" panose="02020603050405020304" pitchFamily="18" charset="0"/>
+                <a:cs typeface="Times New Roman" panose="02020603050405020304" pitchFamily="18" charset="0"/>
+              </a:rPr>
+              <a:t>nào</a:t>
+            </a:r>
+            <a:r>
+              <a:rPr lang="en-US" dirty="0" smtClean="0">
+                <a:latin typeface="Times New Roman" panose="02020603050405020304" pitchFamily="18" charset="0"/>
+                <a:cs typeface="Times New Roman" panose="02020603050405020304" pitchFamily="18" charset="0"/>
+              </a:rPr>
+              <a:t> </a:t>
+            </a:r>
+            <a:r>
+              <a:rPr lang="en-US" dirty="0" err="1" smtClean="0">
+                <a:latin typeface="Times New Roman" panose="02020603050405020304" pitchFamily="18" charset="0"/>
+                <a:cs typeface="Times New Roman" panose="02020603050405020304" pitchFamily="18" charset="0"/>
+              </a:rPr>
+              <a:t>và</a:t>
+            </a:r>
+            <a:r>
+              <a:rPr lang="en-US" dirty="0" smtClean="0">
+                <a:latin typeface="Times New Roman" panose="02020603050405020304" pitchFamily="18" charset="0"/>
+                <a:cs typeface="Times New Roman" panose="02020603050405020304" pitchFamily="18" charset="0"/>
+              </a:rPr>
+              <a:t> </a:t>
+            </a:r>
+            <a:r>
+              <a:rPr lang="en-US" dirty="0" err="1" smtClean="0">
+                <a:latin typeface="Times New Roman" panose="02020603050405020304" pitchFamily="18" charset="0"/>
+                <a:cs typeface="Times New Roman" panose="02020603050405020304" pitchFamily="18" charset="0"/>
+              </a:rPr>
+              <a:t>gửi</a:t>
+            </a:r>
+            <a:r>
+              <a:rPr lang="en-US" dirty="0" smtClean="0">
+                <a:latin typeface="Times New Roman" panose="02020603050405020304" pitchFamily="18" charset="0"/>
+                <a:cs typeface="Times New Roman" panose="02020603050405020304" pitchFamily="18" charset="0"/>
+              </a:rPr>
+              <a:t> </a:t>
+            </a:r>
+            <a:r>
+              <a:rPr lang="en-US" dirty="0" err="1" smtClean="0">
+                <a:latin typeface="Times New Roman" panose="02020603050405020304" pitchFamily="18" charset="0"/>
+                <a:cs typeface="Times New Roman" panose="02020603050405020304" pitchFamily="18" charset="0"/>
+              </a:rPr>
+              <a:t>kết</a:t>
+            </a:r>
+            <a:r>
+              <a:rPr lang="en-US" dirty="0" smtClean="0">
+                <a:latin typeface="Times New Roman" panose="02020603050405020304" pitchFamily="18" charset="0"/>
+                <a:cs typeface="Times New Roman" panose="02020603050405020304" pitchFamily="18" charset="0"/>
+              </a:rPr>
+              <a:t> </a:t>
+            </a:r>
+            <a:r>
+              <a:rPr lang="en-US" dirty="0" err="1" smtClean="0">
+                <a:latin typeface="Times New Roman" panose="02020603050405020304" pitchFamily="18" charset="0"/>
+                <a:cs typeface="Times New Roman" panose="02020603050405020304" pitchFamily="18" charset="0"/>
+              </a:rPr>
+              <a:t>quả</a:t>
+            </a:r>
+            <a:r>
+              <a:rPr lang="en-US" dirty="0" smtClean="0">
+                <a:latin typeface="Times New Roman" panose="02020603050405020304" pitchFamily="18" charset="0"/>
+                <a:cs typeface="Times New Roman" panose="02020603050405020304" pitchFamily="18" charset="0"/>
+              </a:rPr>
+              <a:t> </a:t>
+            </a:r>
+            <a:r>
+              <a:rPr lang="en-US" dirty="0" err="1" smtClean="0">
+                <a:latin typeface="Times New Roman" panose="02020603050405020304" pitchFamily="18" charset="0"/>
+                <a:cs typeface="Times New Roman" panose="02020603050405020304" pitchFamily="18" charset="0"/>
+              </a:rPr>
+              <a:t>về</a:t>
+            </a:r>
+            <a:r>
+              <a:rPr lang="en-US" dirty="0" smtClean="0">
+                <a:latin typeface="Times New Roman" panose="02020603050405020304" pitchFamily="18" charset="0"/>
+                <a:cs typeface="Times New Roman" panose="02020603050405020304" pitchFamily="18" charset="0"/>
+              </a:rPr>
+              <a:t> </a:t>
+            </a:r>
+            <a:r>
+              <a:rPr lang="en-US" dirty="0" err="1" smtClean="0">
+                <a:latin typeface="Times New Roman" panose="02020603050405020304" pitchFamily="18" charset="0"/>
+                <a:cs typeface="Times New Roman" panose="02020603050405020304" pitchFamily="18" charset="0"/>
+              </a:rPr>
+              <a:t>cho</a:t>
+            </a:r>
+            <a:r>
+              <a:rPr lang="en-US" dirty="0" smtClean="0">
+                <a:latin typeface="Times New Roman" panose="02020603050405020304" pitchFamily="18" charset="0"/>
+                <a:cs typeface="Times New Roman" panose="02020603050405020304" pitchFamily="18" charset="0"/>
+              </a:rPr>
+              <a:t> Node.js</a:t>
+            </a:r>
+          </a:p>
+          <a:p>
+            <a:pPr>
+              <a:lnSpc>
+                <a:spcPct val="150000"/>
+              </a:lnSpc>
+            </a:pPr>
+            <a:r>
+              <a:rPr lang="en-US" dirty="0" smtClean="0">
+                <a:latin typeface="Times New Roman" panose="02020603050405020304" pitchFamily="18" charset="0"/>
+                <a:cs typeface="Times New Roman" panose="02020603050405020304" pitchFamily="18" charset="0"/>
+              </a:rPr>
+              <a:t>Database</a:t>
+            </a:r>
+          </a:p>
+          <a:p>
+            <a:pPr lvl="1">
+              <a:lnSpc>
+                <a:spcPct val="150000"/>
+              </a:lnSpc>
+            </a:pPr>
+            <a:r>
+              <a:rPr lang="en-US" dirty="0" err="1" smtClean="0">
+                <a:latin typeface="Times New Roman" panose="02020603050405020304" pitchFamily="18" charset="0"/>
+                <a:cs typeface="Times New Roman" panose="02020603050405020304" pitchFamily="18" charset="0"/>
+              </a:rPr>
+              <a:t>Mysql</a:t>
+            </a:r>
+            <a:endParaRPr lang="en-US" dirty="0" smtClean="0">
+              <a:latin typeface="Times New Roman" panose="02020603050405020304" pitchFamily="18" charset="0"/>
+              <a:cs typeface="Times New Roman" panose="02020603050405020304" pitchFamily="18" charset="0"/>
+            </a:endParaRPr>
+          </a:p>
+          <a:p>
+            <a:pPr>
+              <a:lnSpc>
+                <a:spcPct val="150000"/>
+              </a:lnSpc>
+            </a:pPr>
             <a:endParaRPr lang="en-US" dirty="0"/>
+          </a:p>
+        </p:txBody>
+      </p:sp>
+      <p:sp>
+        <p:nvSpPr>
+          <p:cNvPr id="2" name="Title 1"/>
+          <p:cNvSpPr>
+            <a:spLocks noGrp="1"/>
+          </p:cNvSpPr>
+          <p:nvPr>
+            <p:ph type="title"/>
+          </p:nvPr>
+        </p:nvSpPr>
+        <p:spPr/>
+        <p:txBody>
+          <a:bodyPr/>
+          <a:lstStyle/>
+          <a:p>
+            <a:r>
+              <a:rPr lang="en-US" dirty="0" err="1" smtClean="0">
+                <a:latin typeface="Times New Roman" panose="02020603050405020304" pitchFamily="18" charset="0"/>
+                <a:cs typeface="Times New Roman" panose="02020603050405020304" pitchFamily="18" charset="0"/>
+              </a:rPr>
+              <a:t>Chương</a:t>
+            </a:r>
+            <a:r>
+              <a:rPr lang="en-US" dirty="0" smtClean="0">
+                <a:latin typeface="Times New Roman" panose="02020603050405020304" pitchFamily="18" charset="0"/>
+                <a:cs typeface="Times New Roman" panose="02020603050405020304" pitchFamily="18" charset="0"/>
+              </a:rPr>
+              <a:t> </a:t>
+            </a:r>
+            <a:r>
+              <a:rPr lang="en-US" dirty="0" err="1" smtClean="0">
+                <a:latin typeface="Times New Roman" panose="02020603050405020304" pitchFamily="18" charset="0"/>
+                <a:cs typeface="Times New Roman" panose="02020603050405020304" pitchFamily="18" charset="0"/>
+              </a:rPr>
+              <a:t>trình</a:t>
+            </a:r>
+            <a:endParaRPr lang="en-US" dirty="0">
+              <a:latin typeface="Times New Roman" panose="02020603050405020304" pitchFamily="18" charset="0"/>
+              <a:cs typeface="Times New Roman" panose="02020603050405020304" pitchFamily="18" charset="0"/>
+            </a:endParaRPr>
+          </a:p>
+        </p:txBody>
+      </p:sp>
+      <p:sp>
+        <p:nvSpPr>
+          <p:cNvPr id="4" name="Slide Number Placeholder 3"/>
+          <p:cNvSpPr>
+            <a:spLocks noGrp="1"/>
+          </p:cNvSpPr>
+          <p:nvPr>
+            <p:ph type="sldNum" sz="quarter" idx="10"/>
+          </p:nvPr>
+        </p:nvSpPr>
+        <p:spPr/>
+        <p:txBody>
+          <a:bodyPr/>
+          <a:lstStyle/>
+          <a:p>
+            <a:pPr>
+              <a:defRPr/>
+            </a:pPr>
+            <a:fld id="{DF7D7A9D-6521-4C9C-B98B-0A8DAB95E158}" type="slidenum">
+              <a:rPr lang="en-US" altLang="ja-JP" smtClean="0"/>
+              <a:pPr>
+                <a:defRPr/>
+              </a:pPr>
+              <a:t>6</a:t>
+            </a:fld>
+            <a:endParaRPr lang="en-US" altLang="ja-JP"/>
+          </a:p>
+        </p:txBody>
+      </p:sp>
+      <p:graphicFrame>
+        <p:nvGraphicFramePr>
+          <p:cNvPr id="7" name="Diagram 6"/>
+          <p:cNvGraphicFramePr/>
+          <p:nvPr>
+            <p:extLst>
+              <p:ext uri="{D42A27DB-BD31-4B8C-83A1-F6EECF244321}">
+                <p14:modId xmlns:p14="http://schemas.microsoft.com/office/powerpoint/2010/main" val="686509990"/>
+              </p:ext>
+            </p:extLst>
+          </p:nvPr>
+        </p:nvGraphicFramePr>
+        <p:xfrm>
+          <a:off x="950771" y="1196690"/>
+          <a:ext cx="6722891" cy="1152160"/>
+        </p:xfrm>
+        <a:graphic>
+          <a:graphicData uri="http://schemas.openxmlformats.org/drawingml/2006/diagram">
+            <dgm:relIds xmlns:dgm="http://schemas.openxmlformats.org/drawingml/2006/diagram" xmlns:r="http://schemas.openxmlformats.org/officeDocument/2006/relationships" r:dm="rId2" r:lo="rId3" r:qs="rId4" r:cs="rId5"/>
+          </a:graphicData>
+        </a:graphic>
+      </p:graphicFrame>
+      <p:sp>
+        <p:nvSpPr>
+          <p:cNvPr id="8" name="TextBox 7"/>
+          <p:cNvSpPr txBox="1"/>
+          <p:nvPr/>
+        </p:nvSpPr>
+        <p:spPr>
+          <a:xfrm>
+            <a:off x="2771750" y="1340710"/>
+            <a:ext cx="659510" cy="246221"/>
+          </a:xfrm>
+          <a:prstGeom prst="rect">
+            <a:avLst/>
+          </a:prstGeom>
+          <a:ln w="19050">
+            <a:solidFill>
+              <a:schemeClr val="tx1"/>
+            </a:solidFill>
+          </a:ln>
+        </p:spPr>
+        <p:style>
+          <a:lnRef idx="0">
+            <a:scrgbClr r="0" g="0" b="0"/>
+          </a:lnRef>
+          <a:fillRef idx="1001">
+            <a:schemeClr val="lt1"/>
+          </a:fillRef>
+          <a:effectRef idx="0">
+            <a:scrgbClr r="0" g="0" b="0"/>
+          </a:effectRef>
+          <a:fontRef idx="major"/>
+        </p:style>
+        <p:txBody>
+          <a:bodyPr wrap="square" rtlCol="0">
+            <a:spAutoFit/>
+          </a:bodyPr>
+          <a:lstStyle/>
+          <a:p>
+            <a:r>
+              <a:rPr lang="en-US" dirty="0" smtClean="0">
+                <a:solidFill>
+                  <a:srgbClr val="FF0000"/>
+                </a:solidFill>
+              </a:rPr>
+              <a:t>Request</a:t>
+            </a:r>
+            <a:endParaRPr lang="en-US" dirty="0" smtClean="0">
+              <a:solidFill>
+                <a:srgbClr val="FF0000"/>
+              </a:solidFill>
+            </a:endParaRPr>
+          </a:p>
+        </p:txBody>
+      </p:sp>
+      <p:sp>
+        <p:nvSpPr>
+          <p:cNvPr id="10" name="TextBox 9"/>
+          <p:cNvSpPr txBox="1"/>
+          <p:nvPr/>
+        </p:nvSpPr>
+        <p:spPr>
+          <a:xfrm>
+            <a:off x="5252239" y="1340710"/>
+            <a:ext cx="659510" cy="246221"/>
+          </a:xfrm>
+          <a:prstGeom prst="rect">
+            <a:avLst/>
+          </a:prstGeom>
+          <a:ln w="19050">
+            <a:solidFill>
+              <a:schemeClr val="tx1"/>
+            </a:solidFill>
+          </a:ln>
+        </p:spPr>
+        <p:style>
+          <a:lnRef idx="0">
+            <a:scrgbClr r="0" g="0" b="0"/>
+          </a:lnRef>
+          <a:fillRef idx="1001">
+            <a:schemeClr val="lt1"/>
+          </a:fillRef>
+          <a:effectRef idx="0">
+            <a:scrgbClr r="0" g="0" b="0"/>
+          </a:effectRef>
+          <a:fontRef idx="major"/>
+        </p:style>
+        <p:txBody>
+          <a:bodyPr wrap="square" rtlCol="0">
+            <a:spAutoFit/>
+          </a:bodyPr>
+          <a:lstStyle/>
+          <a:p>
+            <a:r>
+              <a:rPr lang="en-US" dirty="0" smtClean="0">
+                <a:solidFill>
+                  <a:srgbClr val="FF0000"/>
+                </a:solidFill>
+              </a:rPr>
+              <a:t>Answer</a:t>
+            </a:r>
+            <a:endParaRPr lang="en-US" dirty="0" smtClean="0">
+              <a:solidFill>
+                <a:srgbClr val="FF0000"/>
+              </a:solidFill>
+            </a:endParaRPr>
+          </a:p>
+        </p:txBody>
+      </p:sp>
+    </p:spTree>
+    <p:extLst>
+      <p:ext uri="{BB962C8B-B14F-4D97-AF65-F5344CB8AC3E}">
+        <p14:creationId xmlns:p14="http://schemas.microsoft.com/office/powerpoint/2010/main" val="204259016"/>
+      </p:ext>
+    </p:extLst>
+  </p:cSld>
+  <p:clrMapOvr>
+    <a:masterClrMapping/>
+  </p:clrMapOvr>
+  <p:timing>
+    <p:tnLst>
+      <p:par>
+        <p:cTn id="1" dur="indefinite" restart="never" nodeType="tmRoot"/>
+      </p:par>
+    </p:tnLst>
+  </p:timing>
+</p:sld>
+</file>
+
+<file path=ppt/slides/slide8.xml><?xml version="1.0" encoding="utf-8"?>
+<p:sld xmlns:a="http://schemas.openxmlformats.org/drawingml/2006/main" xmlns:r="http://schemas.openxmlformats.org/officeDocument/2006/relationships" xmlns:p="http://schemas.openxmlformats.org/presentationml/2006/main">
+  <p:cSld>
+    <p:spTree>
+      <p:nvGrpSpPr>
+        <p:cNvPr id="1" name=""/>
+        <p:cNvGrpSpPr/>
+        <p:nvPr/>
+      </p:nvGrpSpPr>
+      <p:grpSpPr>
+        <a:xfrm>
+          <a:off x="0" y="0"/>
+          <a:ext cx="0" cy="0"/>
+          <a:chOff x="0" y="0"/>
+          <a:chExt cx="0" cy="0"/>
+        </a:xfrm>
+      </p:grpSpPr>
+      <p:sp>
+        <p:nvSpPr>
+          <p:cNvPr id="2" name="Title 1"/>
+          <p:cNvSpPr>
+            <a:spLocks noGrp="1"/>
+          </p:cNvSpPr>
+          <p:nvPr>
+            <p:ph type="title"/>
+          </p:nvPr>
+        </p:nvSpPr>
+        <p:spPr/>
+        <p:txBody>
+          <a:bodyPr/>
+          <a:lstStyle/>
+          <a:p>
+            <a:r>
+              <a:rPr lang="en-US" dirty="0" smtClean="0">
+                <a:latin typeface="Times New Roman" panose="02020603050405020304" pitchFamily="18" charset="0"/>
+                <a:cs typeface="Times New Roman" panose="02020603050405020304" pitchFamily="18" charset="0"/>
+              </a:rPr>
+              <a:t>Demo</a:t>
+            </a:r>
+            <a:endParaRPr lang="en-US" dirty="0">
+              <a:latin typeface="Times New Roman" panose="02020603050405020304" pitchFamily="18" charset="0"/>
+              <a:cs typeface="Times New Roman" panose="02020603050405020304" pitchFamily="18" charset="0"/>
+            </a:endParaRPr>
           </a:p>
         </p:txBody>
       </p:sp>
@@ -5726,7 +10208,7 @@
           <a:bodyPr/>
           <a:lstStyle/>
           <a:p>
-            <a:endParaRPr lang="en-US"/>
+            <a:endParaRPr lang="en-US" dirty="0"/>
           </a:p>
         </p:txBody>
       </p:sp>
@@ -5753,7 +10235,7 @@
               <a:pPr>
                 <a:defRPr/>
               </a:pPr>
-              <a:t>5</a:t>
+              <a:t>7</a:t>
             </a:fld>
             <a:endParaRPr lang="en-US" altLang="ja-JP"/>
           </a:p>
@@ -5762,7 +10244,7 @@
     </p:spTree>
     <p:extLst>
       <p:ext uri="{BB962C8B-B14F-4D97-AF65-F5344CB8AC3E}">
-        <p14:creationId xmlns:p14="http://schemas.microsoft.com/office/powerpoint/2010/main" val="1072070373"/>
+        <p14:creationId xmlns:p14="http://schemas.microsoft.com/office/powerpoint/2010/main" val="1514018467"/>
       </p:ext>
     </p:extLst>
   </p:cSld>
